--- a/docs/diagrams/BeginSequenceDiagram.pptx
+++ b/docs/diagrams/BeginSequenceDiagram.pptx
@@ -1396,211 +1396,25 @@
               <a:rPr b="0" lang="en-SG" sz="4400" spc="-1" strike="noStrike">
                 <a:latin typeface="Arial"/>
               </a:rPr>
-              <a:t>C</a:t>
+              <a:t>Click to </a:t>
             </a:r>
             <a:r>
               <a:rPr b="0" lang="en-SG" sz="4400" spc="-1" strike="noStrike">
                 <a:latin typeface="Arial"/>
               </a:rPr>
-              <a:t>l</a:t>
+              <a:t>edit the </a:t>
             </a:r>
             <a:r>
               <a:rPr b="0" lang="en-SG" sz="4400" spc="-1" strike="noStrike">
                 <a:latin typeface="Arial"/>
               </a:rPr>
-              <a:t>i</a:t>
+              <a:t>title text </a:t>
             </a:r>
             <a:r>
               <a:rPr b="0" lang="en-SG" sz="4400" spc="-1" strike="noStrike">
                 <a:latin typeface="Arial"/>
               </a:rPr>
-              <a:t>c</a:t>
-            </a:r>
-            <a:r>
-              <a:rPr b="0" lang="en-SG" sz="4400" spc="-1" strike="noStrike">
-                <a:latin typeface="Arial"/>
-              </a:rPr>
-              <a:t>k</a:t>
-            </a:r>
-            <a:r>
-              <a:rPr b="0" lang="en-SG" sz="4400" spc="-1" strike="noStrike">
-                <a:latin typeface="Arial"/>
-              </a:rPr>
-              <a:t> </a:t>
-            </a:r>
-            <a:r>
-              <a:rPr b="0" lang="en-SG" sz="4400" spc="-1" strike="noStrike">
-                <a:latin typeface="Arial"/>
-              </a:rPr>
-              <a:t>t</a:t>
-            </a:r>
-            <a:r>
-              <a:rPr b="0" lang="en-SG" sz="4400" spc="-1" strike="noStrike">
-                <a:latin typeface="Arial"/>
-              </a:rPr>
-              <a:t>o</a:t>
-            </a:r>
-            <a:r>
-              <a:rPr b="0" lang="en-SG" sz="4400" spc="-1" strike="noStrike">
-                <a:latin typeface="Arial"/>
-              </a:rPr>
-              <a:t> </a:t>
-            </a:r>
-            <a:r>
-              <a:rPr b="0" lang="en-SG" sz="4400" spc="-1" strike="noStrike">
-                <a:latin typeface="Arial"/>
-              </a:rPr>
-              <a:t>e</a:t>
-            </a:r>
-            <a:r>
-              <a:rPr b="0" lang="en-SG" sz="4400" spc="-1" strike="noStrike">
-                <a:latin typeface="Arial"/>
-              </a:rPr>
-              <a:t>d</a:t>
-            </a:r>
-            <a:r>
-              <a:rPr b="0" lang="en-SG" sz="4400" spc="-1" strike="noStrike">
-                <a:latin typeface="Arial"/>
-              </a:rPr>
-              <a:t>i</a:t>
-            </a:r>
-            <a:r>
-              <a:rPr b="0" lang="en-SG" sz="4400" spc="-1" strike="noStrike">
-                <a:latin typeface="Arial"/>
-              </a:rPr>
-              <a:t>t</a:t>
-            </a:r>
-            <a:r>
-              <a:rPr b="0" lang="en-SG" sz="4400" spc="-1" strike="noStrike">
-                <a:latin typeface="Arial"/>
-              </a:rPr>
-              <a:t> </a:t>
-            </a:r>
-            <a:r>
-              <a:rPr b="0" lang="en-SG" sz="4400" spc="-1" strike="noStrike">
-                <a:latin typeface="Arial"/>
-              </a:rPr>
-              <a:t>t</a:t>
-            </a:r>
-            <a:r>
-              <a:rPr b="0" lang="en-SG" sz="4400" spc="-1" strike="noStrike">
-                <a:latin typeface="Arial"/>
-              </a:rPr>
-              <a:t>h</a:t>
-            </a:r>
-            <a:r>
-              <a:rPr b="0" lang="en-SG" sz="4400" spc="-1" strike="noStrike">
-                <a:latin typeface="Arial"/>
-              </a:rPr>
-              <a:t>e</a:t>
-            </a:r>
-            <a:r>
-              <a:rPr b="0" lang="en-SG" sz="4400" spc="-1" strike="noStrike">
-                <a:latin typeface="Arial"/>
-              </a:rPr>
-              <a:t> </a:t>
-            </a:r>
-            <a:r>
-              <a:rPr b="0" lang="en-SG" sz="4400" spc="-1" strike="noStrike">
-                <a:latin typeface="Arial"/>
-              </a:rPr>
-              <a:t>t</a:t>
-            </a:r>
-            <a:r>
-              <a:rPr b="0" lang="en-SG" sz="4400" spc="-1" strike="noStrike">
-                <a:latin typeface="Arial"/>
-              </a:rPr>
-              <a:t>i</a:t>
-            </a:r>
-            <a:r>
-              <a:rPr b="0" lang="en-SG" sz="4400" spc="-1" strike="noStrike">
-                <a:latin typeface="Arial"/>
-              </a:rPr>
-              <a:t>t</a:t>
-            </a:r>
-            <a:r>
-              <a:rPr b="0" lang="en-SG" sz="4400" spc="-1" strike="noStrike">
-                <a:latin typeface="Arial"/>
-              </a:rPr>
-              <a:t>l</a:t>
-            </a:r>
-            <a:r>
-              <a:rPr b="0" lang="en-SG" sz="4400" spc="-1" strike="noStrike">
-                <a:latin typeface="Arial"/>
-              </a:rPr>
-              <a:t>e</a:t>
-            </a:r>
-            <a:r>
-              <a:rPr b="0" lang="en-SG" sz="4400" spc="-1" strike="noStrike">
-                <a:latin typeface="Arial"/>
-              </a:rPr>
-              <a:t> </a:t>
-            </a:r>
-            <a:r>
-              <a:rPr b="0" lang="en-SG" sz="4400" spc="-1" strike="noStrike">
-                <a:latin typeface="Arial"/>
-              </a:rPr>
-              <a:t>t</a:t>
-            </a:r>
-            <a:r>
-              <a:rPr b="0" lang="en-SG" sz="4400" spc="-1" strike="noStrike">
-                <a:latin typeface="Arial"/>
-              </a:rPr>
-              <a:t>e</a:t>
-            </a:r>
-            <a:r>
-              <a:rPr b="0" lang="en-SG" sz="4400" spc="-1" strike="noStrike">
-                <a:latin typeface="Arial"/>
-              </a:rPr>
-              <a:t>x</a:t>
-            </a:r>
-            <a:r>
-              <a:rPr b="0" lang="en-SG" sz="4400" spc="-1" strike="noStrike">
-                <a:latin typeface="Arial"/>
-              </a:rPr>
-              <a:t>t</a:t>
-            </a:r>
-            <a:r>
-              <a:rPr b="0" lang="en-SG" sz="4400" spc="-1" strike="noStrike">
-                <a:latin typeface="Arial"/>
-              </a:rPr>
-              <a:t> </a:t>
-            </a:r>
-            <a:r>
-              <a:rPr b="0" lang="en-SG" sz="4400" spc="-1" strike="noStrike">
-                <a:latin typeface="Arial"/>
-              </a:rPr>
-              <a:t>f</a:t>
-            </a:r>
-            <a:r>
-              <a:rPr b="0" lang="en-SG" sz="4400" spc="-1" strike="noStrike">
-                <a:latin typeface="Arial"/>
-              </a:rPr>
-              <a:t>o</a:t>
-            </a:r>
-            <a:r>
-              <a:rPr b="0" lang="en-SG" sz="4400" spc="-1" strike="noStrike">
-                <a:latin typeface="Arial"/>
-              </a:rPr>
-              <a:t>r</a:t>
-            </a:r>
-            <a:r>
-              <a:rPr b="0" lang="en-SG" sz="4400" spc="-1" strike="noStrike">
-                <a:latin typeface="Arial"/>
-              </a:rPr>
-              <a:t>m</a:t>
-            </a:r>
-            <a:r>
-              <a:rPr b="0" lang="en-SG" sz="4400" spc="-1" strike="noStrike">
-                <a:latin typeface="Arial"/>
-              </a:rPr>
-              <a:t>a</a:t>
-            </a:r>
-            <a:r>
-              <a:rPr b="0" lang="en-SG" sz="4400" spc="-1" strike="noStrike">
-                <a:latin typeface="Arial"/>
-              </a:rPr>
-              <a:t>t</a:t>
+              <a:t>format</a:t>
             </a:r>
             <a:endParaRPr b="0" lang="en-SG" sz="4400" spc="-1" strike="noStrike">
               <a:latin typeface="Arial"/>
@@ -1833,7 +1647,7 @@
         <p:spPr>
           <a:xfrm>
             <a:off x="10369440" y="15120"/>
-            <a:ext cx="2478960" cy="6983640"/>
+            <a:ext cx="2478600" cy="6373800"/>
           </a:xfrm>
           <a:prstGeom prst="roundRect">
             <a:avLst>
@@ -1899,7 +1713,7 @@
         <p:spPr>
           <a:xfrm>
             <a:off x="10561320" y="389520"/>
-            <a:ext cx="2141640" cy="735840"/>
+            <a:ext cx="2141280" cy="735480"/>
           </a:xfrm>
           <a:prstGeom prst="rect">
             <a:avLst/>
@@ -1965,8 +1779,8 @@
         </p:nvSpPr>
         <p:spPr>
           <a:xfrm flipH="1">
-            <a:off x="11654280" y="1125720"/>
-            <a:ext cx="4680" cy="5865120"/>
+            <a:off x="11655000" y="1125720"/>
+            <a:ext cx="3960" cy="5263200"/>
           </a:xfrm>
           <a:prstGeom prst="line">
             <a:avLst/>
@@ -2002,52 +1816,8 @@
         </p:nvSpPr>
         <p:spPr>
           <a:xfrm>
-            <a:off x="11554920" y="3214800"/>
-            <a:ext cx="208080" cy="1308600"/>
-          </a:xfrm>
-          <a:prstGeom prst="rect">
-            <a:avLst/>
-          </a:prstGeom>
-          <a:solidFill>
-            <a:srgbClr val="009999"/>
-          </a:solidFill>
-          <a:ln>
-            <a:solidFill>
-              <a:srgbClr val="7030a0"/>
-            </a:solidFill>
-            <a:round/>
-          </a:ln>
-          <a:effectLst>
-            <a:outerShdw blurRad="40000" dir="5400000" dist="20000" rotWithShape="0">
-              <a:srgbClr val="000000">
-                <a:alpha val="38000"/>
-              </a:srgbClr>
-            </a:outerShdw>
-          </a:effectLst>
-        </p:spPr>
-        <p:style>
-          <a:lnRef idx="1">
-            <a:schemeClr val="accent3"/>
-          </a:lnRef>
-          <a:fillRef idx="2">
-            <a:schemeClr val="accent3"/>
-          </a:fillRef>
-          <a:effectRef idx="1">
-            <a:schemeClr val="accent3"/>
-          </a:effectRef>
-          <a:fontRef idx="minor"/>
-        </p:style>
-      </p:sp>
-      <p:sp>
-        <p:nvSpPr>
-          <p:cNvPr id="42" name="CustomShape 5"/>
-          <p:cNvSpPr/>
-          <p:nvPr/>
-        </p:nvSpPr>
-        <p:spPr>
-          <a:xfrm>
             <a:off x="7702920" y="0"/>
-            <a:ext cx="2478960" cy="6983640"/>
+            <a:ext cx="2478600" cy="6388920"/>
           </a:xfrm>
           <a:prstGeom prst="roundRect">
             <a:avLst>
@@ -2109,14 +1879,14 @@
       </p:sp>
       <p:sp>
         <p:nvSpPr>
-          <p:cNvPr id="43" name="CustomShape 6"/>
+          <p:cNvPr id="42" name="CustomShape 5"/>
           <p:cNvSpPr/>
           <p:nvPr/>
         </p:nvSpPr>
         <p:spPr>
           <a:xfrm>
             <a:off x="7894800" y="374400"/>
-            <a:ext cx="2141640" cy="735840"/>
+            <a:ext cx="2141280" cy="735480"/>
           </a:xfrm>
           <a:prstGeom prst="rect">
             <a:avLst/>
@@ -2176,14 +1946,14 @@
       </p:sp>
       <p:sp>
         <p:nvSpPr>
-          <p:cNvPr id="44" name="Line 7"/>
-          <p:cNvSpPr/>
-          <p:nvPr/>
-        </p:nvSpPr>
-        <p:spPr>
-          <a:xfrm flipH="1">
-            <a:off x="8992080" y="1110600"/>
-            <a:ext cx="360" cy="5870520"/>
+          <p:cNvPr id="43" name="Line 6"/>
+          <p:cNvSpPr/>
+          <p:nvPr/>
+        </p:nvSpPr>
+        <p:spPr>
+          <a:xfrm>
+            <a:off x="8992800" y="1110600"/>
+            <a:ext cx="0" cy="5278320"/>
           </a:xfrm>
           <a:prstGeom prst="line">
             <a:avLst/>
@@ -2213,14 +1983,14 @@
       </p:sp>
       <p:sp>
         <p:nvSpPr>
-          <p:cNvPr id="45" name="CustomShape 8"/>
+          <p:cNvPr id="44" name="CustomShape 7"/>
           <p:cNvSpPr/>
           <p:nvPr/>
         </p:nvSpPr>
         <p:spPr>
           <a:xfrm>
             <a:off x="8884440" y="2862360"/>
-            <a:ext cx="208080" cy="188280"/>
+            <a:ext cx="207720" cy="187920"/>
           </a:xfrm>
           <a:prstGeom prst="rect">
             <a:avLst/>
@@ -2257,14 +2027,14 @@
       </p:sp>
       <p:sp>
         <p:nvSpPr>
-          <p:cNvPr id="46" name="CustomShape 9"/>
-          <p:cNvSpPr/>
-          <p:nvPr/>
-        </p:nvSpPr>
-        <p:spPr>
-          <a:xfrm>
-            <a:off x="8884440" y="4928760"/>
-            <a:ext cx="208080" cy="188280"/>
+          <p:cNvPr id="45" name="CustomShape 8"/>
+          <p:cNvSpPr/>
+          <p:nvPr/>
+        </p:nvSpPr>
+        <p:spPr>
+          <a:xfrm>
+            <a:off x="8884440" y="4532760"/>
+            <a:ext cx="207720" cy="187920"/>
           </a:xfrm>
           <a:prstGeom prst="rect">
             <a:avLst/>
@@ -2301,14 +2071,14 @@
       </p:sp>
       <p:sp>
         <p:nvSpPr>
-          <p:cNvPr id="47" name="CustomShape 10"/>
+          <p:cNvPr id="46" name="CustomShape 9"/>
           <p:cNvSpPr/>
           <p:nvPr/>
         </p:nvSpPr>
         <p:spPr>
           <a:xfrm>
             <a:off x="-960120" y="0"/>
-            <a:ext cx="8552880" cy="6983640"/>
+            <a:ext cx="8552520" cy="6388920"/>
           </a:xfrm>
           <a:prstGeom prst="roundRect">
             <a:avLst>
@@ -2370,14 +2140,14 @@
       </p:sp>
       <p:sp>
         <p:nvSpPr>
-          <p:cNvPr id="48" name="Line 11"/>
+          <p:cNvPr id="47" name="Line 10"/>
           <p:cNvSpPr/>
           <p:nvPr/>
         </p:nvSpPr>
         <p:spPr>
           <a:xfrm>
             <a:off x="5591520" y="2139480"/>
-            <a:ext cx="5760" cy="4628880"/>
+            <a:ext cx="4680" cy="3956400"/>
           </a:xfrm>
           <a:prstGeom prst="line">
             <a:avLst/>
@@ -2407,14 +2177,14 @@
       </p:sp>
       <p:sp>
         <p:nvSpPr>
-          <p:cNvPr id="49" name="CustomShape 12"/>
+          <p:cNvPr id="48" name="CustomShape 11"/>
           <p:cNvSpPr/>
           <p:nvPr/>
         </p:nvSpPr>
         <p:spPr>
           <a:xfrm>
             <a:off x="-19800" y="589320"/>
-            <a:ext cx="1800720" cy="395640"/>
+            <a:ext cx="1800360" cy="395280"/>
           </a:xfrm>
           <a:prstGeom prst="rect">
             <a:avLst/>
@@ -2474,14 +2244,14 @@
       </p:sp>
       <p:sp>
         <p:nvSpPr>
-          <p:cNvPr id="50" name="Line 13"/>
+          <p:cNvPr id="49" name="Line 12"/>
           <p:cNvSpPr/>
           <p:nvPr/>
         </p:nvSpPr>
         <p:spPr>
           <a:xfrm>
             <a:off x="880560" y="1005120"/>
-            <a:ext cx="360" cy="5890680"/>
+            <a:ext cx="0" cy="5369040"/>
           </a:xfrm>
           <a:prstGeom prst="line">
             <a:avLst/>
@@ -2511,14 +2281,14 @@
       </p:sp>
       <p:sp>
         <p:nvSpPr>
-          <p:cNvPr id="51" name="CustomShape 14"/>
+          <p:cNvPr id="50" name="CustomShape 13"/>
           <p:cNvSpPr/>
           <p:nvPr/>
         </p:nvSpPr>
         <p:spPr>
           <a:xfrm>
             <a:off x="791640" y="1406160"/>
-            <a:ext cx="187560" cy="5053320"/>
+            <a:ext cx="187200" cy="4645800"/>
           </a:xfrm>
           <a:prstGeom prst="rect">
             <a:avLst/>
@@ -2555,14 +2325,14 @@
       </p:sp>
       <p:sp>
         <p:nvSpPr>
-          <p:cNvPr id="52" name="CustomShape 15"/>
+          <p:cNvPr id="51" name="CustomShape 14"/>
           <p:cNvSpPr/>
           <p:nvPr/>
         </p:nvSpPr>
         <p:spPr>
           <a:xfrm>
             <a:off x="2613600" y="451080"/>
-            <a:ext cx="1508400" cy="533880"/>
+            <a:ext cx="1508040" cy="533520"/>
           </a:xfrm>
           <a:prstGeom prst="rect">
             <a:avLst/>
@@ -2612,7 +2382,7 @@
                 <a:latin typeface="Calibri"/>
                 <a:ea typeface="DejaVu Sans"/>
               </a:rPr>
-              <a:t>:Address</a:t>
+              <a:t>:Battleship</a:t>
             </a:r>
             <a:endParaRPr b="0" lang="en-SG" sz="1600" spc="-1" strike="noStrike">
               <a:latin typeface="Arial"/>
@@ -2632,7 +2402,7 @@
                 <a:latin typeface="Calibri"/>
                 <a:ea typeface="DejaVu Sans"/>
               </a:rPr>
-              <a:t>BookParser</a:t>
+              <a:t>Parser</a:t>
             </a:r>
             <a:endParaRPr b="0" lang="en-SG" sz="1600" spc="-1" strike="noStrike">
               <a:latin typeface="Arial"/>
@@ -2642,7 +2412,7 @@
       </p:sp>
       <p:sp>
         <p:nvSpPr>
-          <p:cNvPr id="53" name="Line 16"/>
+          <p:cNvPr id="52" name="Line 15"/>
           <p:cNvSpPr/>
           <p:nvPr/>
         </p:nvSpPr>
@@ -2679,14 +2449,14 @@
       </p:sp>
       <p:sp>
         <p:nvSpPr>
-          <p:cNvPr id="54" name="CustomShape 17"/>
+          <p:cNvPr id="53" name="CustomShape 16"/>
           <p:cNvSpPr/>
           <p:nvPr/>
         </p:nvSpPr>
         <p:spPr>
           <a:xfrm>
             <a:off x="3283920" y="1529280"/>
-            <a:ext cx="190440" cy="708120"/>
+            <a:ext cx="190080" cy="707760"/>
           </a:xfrm>
           <a:prstGeom prst="rect">
             <a:avLst/>
@@ -2723,14 +2493,14 @@
       </p:sp>
       <p:sp>
         <p:nvSpPr>
-          <p:cNvPr id="55" name="CustomShape 18"/>
+          <p:cNvPr id="54" name="CustomShape 17"/>
           <p:cNvSpPr/>
           <p:nvPr/>
         </p:nvSpPr>
         <p:spPr>
           <a:xfrm>
             <a:off x="3585960" y="2435400"/>
-            <a:ext cx="1058400" cy="213120"/>
+            <a:ext cx="1058040" cy="212760"/>
           </a:xfrm>
           <a:prstGeom prst="rect">
             <a:avLst/>
@@ -2772,14 +2542,14 @@
       </p:sp>
       <p:sp>
         <p:nvSpPr>
-          <p:cNvPr id="56" name="CustomShape 19"/>
+          <p:cNvPr id="55" name="CustomShape 18"/>
           <p:cNvSpPr/>
           <p:nvPr/>
         </p:nvSpPr>
         <p:spPr>
           <a:xfrm>
             <a:off x="979560" y="2237760"/>
-            <a:ext cx="2294640" cy="360"/>
+            <a:ext cx="2294280" cy="360"/>
           </a:xfrm>
           <a:custGeom>
             <a:avLst/>
@@ -2824,14 +2594,14 @@
       </p:sp>
       <p:sp>
         <p:nvSpPr>
-          <p:cNvPr id="57" name="CustomShape 20"/>
+          <p:cNvPr id="56" name="CustomShape 19"/>
           <p:cNvSpPr/>
           <p:nvPr/>
         </p:nvSpPr>
         <p:spPr>
           <a:xfrm flipV="1">
-            <a:off x="-1203120" y="6458040"/>
-            <a:ext cx="1994400" cy="360"/>
+            <a:off x="-1203120" y="6061320"/>
+            <a:ext cx="1994040" cy="360"/>
           </a:xfrm>
           <a:custGeom>
             <a:avLst/>
@@ -2876,14 +2646,14 @@
       </p:sp>
       <p:sp>
         <p:nvSpPr>
-          <p:cNvPr id="58" name="CustomShape 21"/>
+          <p:cNvPr id="57" name="CustomShape 20"/>
           <p:cNvSpPr/>
           <p:nvPr/>
         </p:nvSpPr>
         <p:spPr>
           <a:xfrm>
             <a:off x="517320" y="1248480"/>
-            <a:ext cx="2723040" cy="213120"/>
+            <a:ext cx="2722680" cy="212760"/>
           </a:xfrm>
           <a:prstGeom prst="rect">
             <a:avLst/>
@@ -2925,14 +2695,14 @@
       </p:sp>
       <p:sp>
         <p:nvSpPr>
-          <p:cNvPr id="59" name="CustomShape 22"/>
+          <p:cNvPr id="58" name="CustomShape 21"/>
           <p:cNvSpPr/>
           <p:nvPr/>
         </p:nvSpPr>
         <p:spPr>
           <a:xfrm>
             <a:off x="979560" y="2782800"/>
-            <a:ext cx="4506840" cy="360"/>
+            <a:ext cx="4506480" cy="360"/>
           </a:xfrm>
           <a:custGeom>
             <a:avLst/>
@@ -2974,14 +2744,14 @@
       </p:sp>
       <p:sp>
         <p:nvSpPr>
-          <p:cNvPr id="60" name="CustomShape 23"/>
+          <p:cNvPr id="59" name="CustomShape 22"/>
           <p:cNvSpPr/>
           <p:nvPr/>
         </p:nvSpPr>
         <p:spPr>
           <a:xfrm>
             <a:off x="981720" y="1527480"/>
-            <a:ext cx="2284920" cy="8280"/>
+            <a:ext cx="2284560" cy="7920"/>
           </a:xfrm>
           <a:custGeom>
             <a:avLst/>
@@ -3023,14 +2793,14 @@
       </p:sp>
       <p:sp>
         <p:nvSpPr>
-          <p:cNvPr id="61" name="CustomShape 24"/>
-          <p:cNvSpPr/>
-          <p:nvPr/>
-        </p:nvSpPr>
-        <p:spPr>
-          <a:xfrm>
-            <a:off x="979560" y="6237360"/>
-            <a:ext cx="4516200" cy="720"/>
+          <p:cNvPr id="60" name="CustomShape 23"/>
+          <p:cNvSpPr/>
+          <p:nvPr/>
+        </p:nvSpPr>
+        <p:spPr>
+          <a:xfrm>
+            <a:off x="979560" y="5841360"/>
+            <a:ext cx="4515840" cy="360"/>
           </a:xfrm>
           <a:custGeom>
             <a:avLst/>
@@ -3075,14 +2845,14 @@
       </p:sp>
       <p:sp>
         <p:nvSpPr>
-          <p:cNvPr id="62" name="CustomShape 25"/>
+          <p:cNvPr id="61" name="CustomShape 24"/>
           <p:cNvSpPr/>
           <p:nvPr/>
         </p:nvSpPr>
         <p:spPr>
           <a:xfrm flipV="1">
-            <a:off x="3486960" y="1661760"/>
-            <a:ext cx="1094040" cy="360"/>
+            <a:off x="3486960" y="1661040"/>
+            <a:ext cx="1093680" cy="360"/>
           </a:xfrm>
           <a:custGeom>
             <a:avLst/>
@@ -3124,14 +2894,14 @@
       </p:sp>
       <p:sp>
         <p:nvSpPr>
-          <p:cNvPr id="63" name="CustomShape 26"/>
+          <p:cNvPr id="62" name="CustomShape 25"/>
           <p:cNvSpPr/>
           <p:nvPr/>
         </p:nvSpPr>
         <p:spPr>
           <a:xfrm>
             <a:off x="3474720" y="2139840"/>
-            <a:ext cx="2017440" cy="360"/>
+            <a:ext cx="2017080" cy="360"/>
           </a:xfrm>
           <a:custGeom>
             <a:avLst/>
@@ -3176,14 +2946,14 @@
       </p:sp>
       <p:sp>
         <p:nvSpPr>
-          <p:cNvPr id="64" name="CustomShape 27"/>
+          <p:cNvPr id="63" name="CustomShape 26"/>
           <p:cNvSpPr/>
           <p:nvPr/>
         </p:nvSpPr>
         <p:spPr>
           <a:xfrm>
             <a:off x="5495760" y="2774880"/>
-            <a:ext cx="195840" cy="3463200"/>
+            <a:ext cx="195480" cy="3057120"/>
           </a:xfrm>
           <a:prstGeom prst="rect">
             <a:avLst/>
@@ -3220,14 +2990,14 @@
       </p:sp>
       <p:sp>
         <p:nvSpPr>
-          <p:cNvPr id="65" name="CustomShape 28"/>
+          <p:cNvPr id="64" name="CustomShape 27"/>
           <p:cNvSpPr/>
           <p:nvPr/>
         </p:nvSpPr>
         <p:spPr>
           <a:xfrm>
             <a:off x="5503680" y="1945800"/>
-            <a:ext cx="187920" cy="193320"/>
+            <a:ext cx="187560" cy="192960"/>
           </a:xfrm>
           <a:prstGeom prst="rect">
             <a:avLst/>
@@ -3264,14 +3034,14 @@
       </p:sp>
       <p:sp>
         <p:nvSpPr>
-          <p:cNvPr id="66" name="CustomShape 29"/>
+          <p:cNvPr id="65" name="CustomShape 28"/>
           <p:cNvSpPr/>
           <p:nvPr/>
         </p:nvSpPr>
         <p:spPr>
           <a:xfrm>
             <a:off x="4599360" y="1414800"/>
-            <a:ext cx="1991880" cy="527040"/>
+            <a:ext cx="1991520" cy="526680"/>
           </a:xfrm>
           <a:prstGeom prst="rect">
             <a:avLst/>
@@ -3351,14 +3121,14 @@
       </p:sp>
       <p:sp>
         <p:nvSpPr>
-          <p:cNvPr id="67" name="CustomShape 30"/>
-          <p:cNvSpPr/>
-          <p:nvPr/>
-        </p:nvSpPr>
-        <p:spPr>
-          <a:xfrm>
-            <a:off x="5435640" y="6788160"/>
-            <a:ext cx="318960" cy="257400"/>
+          <p:cNvPr id="66" name="CustomShape 29"/>
+          <p:cNvSpPr/>
+          <p:nvPr/>
+        </p:nvSpPr>
+        <p:spPr>
+          <a:xfrm>
+            <a:off x="5471640" y="6135120"/>
+            <a:ext cx="318600" cy="257040"/>
           </a:xfrm>
           <a:prstGeom prst="rect">
             <a:avLst/>
@@ -3398,30 +3168,2820 @@
           </a:p>
         </p:txBody>
       </p:sp>
+      <p:sp>
+        <p:nvSpPr>
+          <p:cNvPr id="67" name="CustomShape 30"/>
+          <p:cNvSpPr/>
+          <p:nvPr/>
+        </p:nvSpPr>
+        <p:spPr>
+          <a:xfrm>
+            <a:off x="6301800" y="4854600"/>
+            <a:ext cx="1221120" cy="589320"/>
+          </a:xfrm>
+          <a:prstGeom prst="rect">
+            <a:avLst/>
+          </a:prstGeom>
+          <a:solidFill>
+            <a:srgbClr val="0070c0"/>
+          </a:solidFill>
+          <a:ln w="19080">
+            <a:solidFill>
+              <a:srgbClr val="0070c0"/>
+            </a:solidFill>
+            <a:round/>
+          </a:ln>
+          <a:effectLst>
+            <a:outerShdw blurRad="40000" dir="5400000" dist="20000" rotWithShape="0">
+              <a:srgbClr val="000000">
+                <a:alpha val="38000"/>
+              </a:srgbClr>
+            </a:outerShdw>
+          </a:effectLst>
+        </p:spPr>
+        <p:style>
+          <a:lnRef idx="1">
+            <a:schemeClr val="accent2"/>
+          </a:lnRef>
+          <a:fillRef idx="2">
+            <a:schemeClr val="accent2"/>
+          </a:fillRef>
+          <a:effectRef idx="1">
+            <a:schemeClr val="accent2"/>
+          </a:effectRef>
+          <a:fontRef idx="minor"/>
+        </p:style>
+        <p:txBody>
+          <a:bodyPr lIns="90000" rIns="90000" tIns="45000" bIns="45000" anchor="ctr"/>
+          <a:p>
+            <a:pPr algn="ctr">
+              <a:lnSpc>
+                <a:spcPct val="100000"/>
+              </a:lnSpc>
+            </a:pPr>
+            <a:r>
+              <a:rPr b="0" lang="en-SG" sz="1400" spc="-1" strike="noStrike">
+                <a:solidFill>
+                  <a:srgbClr val="ffffff"/>
+                </a:solidFill>
+                <a:latin typeface="Calibri"/>
+                <a:ea typeface="DejaVu Sans"/>
+              </a:rPr>
+              <a:t>:Command</a:t>
+            </a:r>
+            <a:endParaRPr b="0" lang="en-SG" sz="1400" spc="-1" strike="noStrike">
+              <a:latin typeface="Arial"/>
+            </a:endParaRPr>
+          </a:p>
+          <a:p>
+            <a:pPr algn="ctr">
+              <a:lnSpc>
+                <a:spcPct val="100000"/>
+              </a:lnSpc>
+            </a:pPr>
+            <a:r>
+              <a:rPr b="0" lang="en-SG" sz="1400" spc="-1" strike="noStrike">
+                <a:solidFill>
+                  <a:srgbClr val="ffffff"/>
+                </a:solidFill>
+                <a:latin typeface="Calibri"/>
+                <a:ea typeface="DejaVu Sans"/>
+              </a:rPr>
+              <a:t>Result</a:t>
+            </a:r>
+            <a:endParaRPr b="0" lang="en-SG" sz="1400" spc="-1" strike="noStrike">
+              <a:latin typeface="Arial"/>
+            </a:endParaRPr>
+          </a:p>
+        </p:txBody>
+      </p:sp>
+      <p:sp>
+        <p:nvSpPr>
+          <p:cNvPr id="68" name="Line 31"/>
+          <p:cNvSpPr/>
+          <p:nvPr/>
+        </p:nvSpPr>
+        <p:spPr>
+          <a:xfrm>
+            <a:off x="6945120" y="5449320"/>
+            <a:ext cx="360" cy="914040"/>
+          </a:xfrm>
+          <a:prstGeom prst="line">
+            <a:avLst/>
+          </a:prstGeom>
+          <a:ln w="19080">
+            <a:solidFill>
+              <a:srgbClr val="0070c0"/>
+            </a:solidFill>
+            <a:custDash>
+              <a:ds d="300000" sp="100000"/>
+            </a:custDash>
+            <a:round/>
+          </a:ln>
+        </p:spPr>
+        <p:style>
+          <a:lnRef idx="1">
+            <a:schemeClr val="accent1"/>
+          </a:lnRef>
+          <a:fillRef idx="2">
+            <a:schemeClr val="accent1"/>
+          </a:fillRef>
+          <a:effectRef idx="1">
+            <a:schemeClr val="accent1"/>
+          </a:effectRef>
+          <a:fontRef idx="minor"/>
+        </p:style>
+      </p:sp>
+      <p:sp>
+        <p:nvSpPr>
+          <p:cNvPr id="69" name="CustomShape 32"/>
+          <p:cNvSpPr/>
+          <p:nvPr/>
+        </p:nvSpPr>
+        <p:spPr>
+          <a:xfrm>
+            <a:off x="6880320" y="5449680"/>
+            <a:ext cx="127800" cy="212040"/>
+          </a:xfrm>
+          <a:prstGeom prst="rect">
+            <a:avLst/>
+          </a:prstGeom>
+          <a:solidFill>
+            <a:srgbClr val="0070c0"/>
+          </a:solidFill>
+          <a:ln>
+            <a:solidFill>
+              <a:srgbClr val="0070c0"/>
+            </a:solidFill>
+            <a:round/>
+          </a:ln>
+          <a:effectLst>
+            <a:outerShdw blurRad="40000" dir="5400000" dist="20000" rotWithShape="0">
+              <a:srgbClr val="000000">
+                <a:alpha val="38000"/>
+              </a:srgbClr>
+            </a:outerShdw>
+          </a:effectLst>
+        </p:spPr>
+        <p:style>
+          <a:lnRef idx="1">
+            <a:schemeClr val="accent3"/>
+          </a:lnRef>
+          <a:fillRef idx="2">
+            <a:schemeClr val="accent3"/>
+          </a:fillRef>
+          <a:effectRef idx="1">
+            <a:schemeClr val="accent3"/>
+          </a:effectRef>
+          <a:fontRef idx="minor"/>
+        </p:style>
+      </p:sp>
+      <p:sp>
+        <p:nvSpPr>
+          <p:cNvPr id="70" name="CustomShape 33"/>
+          <p:cNvSpPr/>
+          <p:nvPr/>
+        </p:nvSpPr>
+        <p:spPr>
+          <a:xfrm>
+            <a:off x="5640120" y="5179680"/>
+            <a:ext cx="623160" cy="360"/>
+          </a:xfrm>
+          <a:custGeom>
+            <a:avLst/>
+            <a:gdLst/>
+            <a:ahLst/>
+            <a:rect l="l" t="t" r="r" b="b"/>
+            <a:pathLst>
+              <a:path w="21600" h="21600">
+                <a:moveTo>
+                  <a:pt x="0" y="0"/>
+                </a:moveTo>
+                <a:lnTo>
+                  <a:pt x="21600" y="21600"/>
+                </a:lnTo>
+              </a:path>
+            </a:pathLst>
+          </a:custGeom>
+          <a:noFill/>
+          <a:ln w="19080">
+            <a:solidFill>
+              <a:srgbClr val="0070c0"/>
+            </a:solidFill>
+            <a:round/>
+            <a:tailEnd len="med" type="triangle" w="med"/>
+          </a:ln>
+        </p:spPr>
+        <p:style>
+          <a:lnRef idx="1">
+            <a:schemeClr val="accent1"/>
+          </a:lnRef>
+          <a:fillRef idx="0">
+            <a:schemeClr val="accent1"/>
+          </a:fillRef>
+          <a:effectRef idx="0">
+            <a:schemeClr val="accent1"/>
+          </a:effectRef>
+          <a:fontRef idx="minor"/>
+        </p:style>
+      </p:sp>
+      <p:sp>
+        <p:nvSpPr>
+          <p:cNvPr id="71" name="CustomShape 34"/>
+          <p:cNvSpPr/>
+          <p:nvPr/>
+        </p:nvSpPr>
+        <p:spPr>
+          <a:xfrm>
+            <a:off x="5671440" y="5668200"/>
+            <a:ext cx="1296360" cy="360"/>
+          </a:xfrm>
+          <a:custGeom>
+            <a:avLst/>
+            <a:gdLst/>
+            <a:ahLst/>
+            <a:rect l="l" t="t" r="r" b="b"/>
+            <a:pathLst>
+              <a:path w="21600" h="21600">
+                <a:moveTo>
+                  <a:pt x="0" y="0"/>
+                </a:moveTo>
+                <a:lnTo>
+                  <a:pt x="21600" y="21600"/>
+                </a:lnTo>
+              </a:path>
+            </a:pathLst>
+          </a:custGeom>
+          <a:noFill/>
+          <a:ln w="19080">
+            <a:solidFill>
+              <a:srgbClr val="0070c0"/>
+            </a:solidFill>
+            <a:custDash>
+              <a:ds d="300000" sp="100000"/>
+            </a:custDash>
+            <a:round/>
+            <a:headEnd len="med" type="triangle" w="med"/>
+          </a:ln>
+        </p:spPr>
+        <p:style>
+          <a:lnRef idx="1">
+            <a:schemeClr val="accent1"/>
+          </a:lnRef>
+          <a:fillRef idx="0">
+            <a:schemeClr val="accent1"/>
+          </a:fillRef>
+          <a:effectRef idx="0">
+            <a:schemeClr val="accent1"/>
+          </a:effectRef>
+          <a:fontRef idx="minor"/>
+        </p:style>
+      </p:sp>
+      <p:sp>
+        <p:nvSpPr>
+          <p:cNvPr id="72" name="CustomShape 35"/>
+          <p:cNvSpPr/>
+          <p:nvPr/>
+        </p:nvSpPr>
+        <p:spPr>
+          <a:xfrm>
+            <a:off x="-1556640" y="1461960"/>
+            <a:ext cx="2347560" cy="360"/>
+          </a:xfrm>
+          <a:custGeom>
+            <a:avLst/>
+            <a:gdLst/>
+            <a:ahLst/>
+            <a:rect l="l" t="t" r="r" b="b"/>
+            <a:pathLst>
+              <a:path w="21600" h="21600">
+                <a:moveTo>
+                  <a:pt x="0" y="0"/>
+                </a:moveTo>
+                <a:lnTo>
+                  <a:pt x="21600" y="21600"/>
+                </a:lnTo>
+              </a:path>
+            </a:pathLst>
+          </a:custGeom>
+          <a:noFill/>
+          <a:ln w="19080">
+            <a:solidFill>
+              <a:srgbClr val="00b050"/>
+            </a:solidFill>
+            <a:round/>
+            <a:tailEnd len="med" type="triangle" w="med"/>
+          </a:ln>
+        </p:spPr>
+        <p:style>
+          <a:lnRef idx="1">
+            <a:schemeClr val="accent1"/>
+          </a:lnRef>
+          <a:fillRef idx="0">
+            <a:schemeClr val="accent1"/>
+          </a:fillRef>
+          <a:effectRef idx="0">
+            <a:schemeClr val="accent1"/>
+          </a:effectRef>
+          <a:fontRef idx="minor"/>
+        </p:style>
+      </p:sp>
+      <p:sp>
+        <p:nvSpPr>
+          <p:cNvPr id="73" name="CustomShape 36"/>
+          <p:cNvSpPr/>
+          <p:nvPr/>
+        </p:nvSpPr>
+        <p:spPr>
+          <a:xfrm>
+            <a:off x="-1631520" y="1115280"/>
+            <a:ext cx="2256120" cy="212760"/>
+          </a:xfrm>
+          <a:prstGeom prst="rect">
+            <a:avLst/>
+          </a:prstGeom>
+          <a:noFill/>
+          <a:ln>
+            <a:noFill/>
+          </a:ln>
+        </p:spPr>
+        <p:style>
+          <a:lnRef idx="0"/>
+          <a:fillRef idx="0"/>
+          <a:effectRef idx="0"/>
+          <a:fontRef idx="minor"/>
+        </p:style>
+        <p:txBody>
+          <a:bodyPr lIns="0" rIns="0" tIns="0" bIns="0"/>
+          <a:p>
+            <a:pPr algn="r">
+              <a:lnSpc>
+                <a:spcPct val="100000"/>
+              </a:lnSpc>
+            </a:pPr>
+            <a:r>
+              <a:rPr b="0" lang="en-SG" sz="1400" spc="-1" strike="noStrike">
+                <a:solidFill>
+                  <a:srgbClr val="0070c0"/>
+                </a:solidFill>
+                <a:latin typeface="Calibri"/>
+                <a:ea typeface="DejaVu Sans"/>
+              </a:rPr>
+              <a:t>execute(“start”)</a:t>
+            </a:r>
+            <a:endParaRPr b="0" lang="en-SG" sz="1400" spc="-1" strike="noStrike">
+              <a:latin typeface="Arial"/>
+            </a:endParaRPr>
+          </a:p>
+        </p:txBody>
+      </p:sp>
+      <p:sp>
+        <p:nvSpPr>
+          <p:cNvPr id="74" name="CustomShape 37"/>
+          <p:cNvSpPr/>
+          <p:nvPr/>
+        </p:nvSpPr>
+        <p:spPr>
+          <a:xfrm flipV="1">
+            <a:off x="5691960" y="3055320"/>
+            <a:ext cx="3191760" cy="360"/>
+          </a:xfrm>
+          <a:custGeom>
+            <a:avLst/>
+            <a:gdLst/>
+            <a:ahLst/>
+            <a:rect l="l" t="t" r="r" b="b"/>
+            <a:pathLst>
+              <a:path w="21600" h="21600">
+                <a:moveTo>
+                  <a:pt x="0" y="0"/>
+                </a:moveTo>
+                <a:lnTo>
+                  <a:pt x="21600" y="21600"/>
+                </a:lnTo>
+              </a:path>
+            </a:pathLst>
+          </a:custGeom>
+          <a:noFill/>
+          <a:ln w="19080">
+            <a:solidFill>
+              <a:srgbClr val="7030a0"/>
+            </a:solidFill>
+            <a:custDash>
+              <a:ds d="300000" sp="100000"/>
+            </a:custDash>
+            <a:round/>
+            <a:headEnd len="med" type="triangle" w="med"/>
+          </a:ln>
+        </p:spPr>
+        <p:style>
+          <a:lnRef idx="1">
+            <a:schemeClr val="accent1"/>
+          </a:lnRef>
+          <a:fillRef idx="0">
+            <a:schemeClr val="accent1"/>
+          </a:fillRef>
+          <a:effectRef idx="0">
+            <a:schemeClr val="accent1"/>
+          </a:effectRef>
+          <a:fontRef idx="minor"/>
+        </p:style>
+      </p:sp>
+      <p:sp>
+        <p:nvSpPr>
+          <p:cNvPr id="75" name="CustomShape 38"/>
+          <p:cNvSpPr/>
+          <p:nvPr/>
+        </p:nvSpPr>
+        <p:spPr>
+          <a:xfrm flipV="1">
+            <a:off x="5691960" y="2860200"/>
+            <a:ext cx="3191760" cy="360"/>
+          </a:xfrm>
+          <a:custGeom>
+            <a:avLst/>
+            <a:gdLst/>
+            <a:ahLst/>
+            <a:rect l="l" t="t" r="r" b="b"/>
+            <a:pathLst>
+              <a:path w="21600" h="21600">
+                <a:moveTo>
+                  <a:pt x="0" y="0"/>
+                </a:moveTo>
+                <a:lnTo>
+                  <a:pt x="21600" y="21600"/>
+                </a:lnTo>
+              </a:path>
+            </a:pathLst>
+          </a:custGeom>
+          <a:noFill/>
+          <a:ln w="19080">
+            <a:solidFill>
+              <a:srgbClr val="0070c0"/>
+            </a:solidFill>
+            <a:round/>
+            <a:tailEnd len="med" type="triangle" w="med"/>
+          </a:ln>
+        </p:spPr>
+        <p:style>
+          <a:lnRef idx="1">
+            <a:schemeClr val="accent1"/>
+          </a:lnRef>
+          <a:fillRef idx="0">
+            <a:schemeClr val="accent1"/>
+          </a:fillRef>
+          <a:effectRef idx="0">
+            <a:schemeClr val="accent1"/>
+          </a:effectRef>
+          <a:fontRef idx="minor"/>
+        </p:style>
+      </p:sp>
+      <p:sp>
+        <p:nvSpPr>
+          <p:cNvPr id="76" name="CustomShape 39"/>
+          <p:cNvSpPr/>
+          <p:nvPr/>
+        </p:nvSpPr>
+        <p:spPr>
+          <a:xfrm>
+            <a:off x="5833800" y="2612880"/>
+            <a:ext cx="2174040" cy="182160"/>
+          </a:xfrm>
+          <a:prstGeom prst="rect">
+            <a:avLst/>
+          </a:prstGeom>
+          <a:noFill/>
+          <a:ln>
+            <a:noFill/>
+          </a:ln>
+        </p:spPr>
+        <p:style>
+          <a:lnRef idx="0"/>
+          <a:fillRef idx="0"/>
+          <a:effectRef idx="0"/>
+          <a:fontRef idx="minor"/>
+        </p:style>
+        <p:txBody>
+          <a:bodyPr lIns="0" rIns="0" tIns="0" bIns="0"/>
+          <a:p>
+            <a:pPr algn="r">
+              <a:lnSpc>
+                <a:spcPct val="100000"/>
+              </a:lnSpc>
+            </a:pPr>
+            <a:r>
+              <a:rPr b="0" lang="en-SG" sz="1200" spc="-1" strike="noStrike">
+                <a:solidFill>
+                  <a:srgbClr val="0070c0"/>
+                </a:solidFill>
+                <a:latin typeface="Calibri"/>
+                <a:ea typeface="DejaVu Sans"/>
+              </a:rPr>
+              <a:t>setState(ENEMY_PUT_SHIP)</a:t>
+            </a:r>
+            <a:endParaRPr b="0" lang="en-SG" sz="1200" spc="-1" strike="noStrike">
+              <a:latin typeface="Arial"/>
+            </a:endParaRPr>
+          </a:p>
+        </p:txBody>
+      </p:sp>
+      <p:sp>
+        <p:nvSpPr>
+          <p:cNvPr id="77" name="CustomShape 40"/>
+          <p:cNvSpPr/>
+          <p:nvPr/>
+        </p:nvSpPr>
+        <p:spPr>
+          <a:xfrm flipV="1">
+            <a:off x="5691960" y="4717440"/>
+            <a:ext cx="3191760" cy="1800"/>
+          </a:xfrm>
+          <a:custGeom>
+            <a:avLst/>
+            <a:gdLst/>
+            <a:ahLst/>
+            <a:rect l="l" t="t" r="r" b="b"/>
+            <a:pathLst>
+              <a:path w="21600" h="21600">
+                <a:moveTo>
+                  <a:pt x="0" y="0"/>
+                </a:moveTo>
+                <a:lnTo>
+                  <a:pt x="21600" y="21600"/>
+                </a:lnTo>
+              </a:path>
+            </a:pathLst>
+          </a:custGeom>
+          <a:noFill/>
+          <a:ln w="19080">
+            <a:solidFill>
+              <a:srgbClr val="7030a0"/>
+            </a:solidFill>
+            <a:custDash>
+              <a:ds d="300000" sp="100000"/>
+            </a:custDash>
+            <a:round/>
+            <a:headEnd len="med" type="triangle" w="med"/>
+          </a:ln>
+        </p:spPr>
+        <p:style>
+          <a:lnRef idx="1">
+            <a:schemeClr val="accent1"/>
+          </a:lnRef>
+          <a:fillRef idx="0">
+            <a:schemeClr val="accent1"/>
+          </a:fillRef>
+          <a:effectRef idx="0">
+            <a:schemeClr val="accent1"/>
+          </a:effectRef>
+          <a:fontRef idx="minor"/>
+        </p:style>
+      </p:sp>
+      <p:sp>
+        <p:nvSpPr>
+          <p:cNvPr id="78" name="CustomShape 41"/>
+          <p:cNvSpPr/>
+          <p:nvPr/>
+        </p:nvSpPr>
+        <p:spPr>
+          <a:xfrm flipV="1">
+            <a:off x="5691960" y="4530600"/>
+            <a:ext cx="3191760" cy="360"/>
+          </a:xfrm>
+          <a:custGeom>
+            <a:avLst/>
+            <a:gdLst/>
+            <a:ahLst/>
+            <a:rect l="l" t="t" r="r" b="b"/>
+            <a:pathLst>
+              <a:path w="21600" h="21600">
+                <a:moveTo>
+                  <a:pt x="0" y="0"/>
+                </a:moveTo>
+                <a:lnTo>
+                  <a:pt x="21600" y="21600"/>
+                </a:lnTo>
+              </a:path>
+            </a:pathLst>
+          </a:custGeom>
+          <a:noFill/>
+          <a:ln w="19080">
+            <a:solidFill>
+              <a:srgbClr val="0070c0"/>
+            </a:solidFill>
+            <a:round/>
+            <a:tailEnd len="med" type="triangle" w="med"/>
+          </a:ln>
+        </p:spPr>
+        <p:style>
+          <a:lnRef idx="1">
+            <a:schemeClr val="accent1"/>
+          </a:lnRef>
+          <a:fillRef idx="0">
+            <a:schemeClr val="accent1"/>
+          </a:fillRef>
+          <a:effectRef idx="0">
+            <a:schemeClr val="accent1"/>
+          </a:effectRef>
+          <a:fontRef idx="minor"/>
+        </p:style>
+      </p:sp>
+      <p:sp>
+        <p:nvSpPr>
+          <p:cNvPr id="79" name="CustomShape 42"/>
+          <p:cNvSpPr/>
+          <p:nvPr/>
+        </p:nvSpPr>
+        <p:spPr>
+          <a:xfrm>
+            <a:off x="5833800" y="4283280"/>
+            <a:ext cx="2174040" cy="182160"/>
+          </a:xfrm>
+          <a:prstGeom prst="rect">
+            <a:avLst/>
+          </a:prstGeom>
+          <a:noFill/>
+          <a:ln>
+            <a:noFill/>
+          </a:ln>
+        </p:spPr>
+        <p:style>
+          <a:lnRef idx="0"/>
+          <a:fillRef idx="0"/>
+          <a:effectRef idx="0"/>
+          <a:fontRef idx="minor"/>
+        </p:style>
+        <p:txBody>
+          <a:bodyPr lIns="0" rIns="0" tIns="0" bIns="0"/>
+          <a:p>
+            <a:pPr algn="r">
+              <a:lnSpc>
+                <a:spcPct val="100000"/>
+              </a:lnSpc>
+            </a:pPr>
+            <a:r>
+              <a:rPr b="0" lang="en-SG" sz="1200" spc="-1" strike="noStrike">
+                <a:solidFill>
+                  <a:srgbClr val="0070c0"/>
+                </a:solidFill>
+                <a:latin typeface="Calibri"/>
+                <a:ea typeface="DejaVu Sans"/>
+              </a:rPr>
+              <a:t>setState(PLAYER_ATTACK)</a:t>
+            </a:r>
+            <a:endParaRPr b="0" lang="en-SG" sz="1200" spc="-1" strike="noStrike">
+              <a:latin typeface="Arial"/>
+            </a:endParaRPr>
+          </a:p>
+        </p:txBody>
+      </p:sp>
+      <p:sp>
+        <p:nvSpPr>
+          <p:cNvPr id="80" name="CustomShape 43"/>
+          <p:cNvSpPr/>
+          <p:nvPr/>
+        </p:nvSpPr>
+        <p:spPr>
+          <a:xfrm flipV="1">
+            <a:off x="5692320" y="3223800"/>
+            <a:ext cx="5321880" cy="360"/>
+          </a:xfrm>
+          <a:custGeom>
+            <a:avLst/>
+            <a:gdLst/>
+            <a:ahLst/>
+            <a:rect l="l" t="t" r="r" b="b"/>
+            <a:pathLst>
+              <a:path w="21600" h="21600">
+                <a:moveTo>
+                  <a:pt x="0" y="0"/>
+                </a:moveTo>
+                <a:lnTo>
+                  <a:pt x="21600" y="21600"/>
+                </a:lnTo>
+              </a:path>
+            </a:pathLst>
+          </a:custGeom>
+          <a:noFill/>
+          <a:ln w="19080">
+            <a:solidFill>
+              <a:srgbClr val="0070c0"/>
+            </a:solidFill>
+            <a:round/>
+            <a:tailEnd len="med" type="triangle" w="med"/>
+          </a:ln>
+        </p:spPr>
+        <p:style>
+          <a:lnRef idx="1">
+            <a:schemeClr val="accent1"/>
+          </a:lnRef>
+          <a:fillRef idx="0">
+            <a:schemeClr val="accent1"/>
+          </a:fillRef>
+          <a:effectRef idx="0">
+            <a:schemeClr val="accent1"/>
+          </a:effectRef>
+          <a:fontRef idx="minor"/>
+        </p:style>
+      </p:sp>
+      <p:sp>
+        <p:nvSpPr>
+          <p:cNvPr id="81" name="CustomShape 44"/>
+          <p:cNvSpPr/>
+          <p:nvPr/>
+        </p:nvSpPr>
+        <p:spPr>
+          <a:xfrm flipV="1">
+            <a:off x="5692320" y="4123440"/>
+            <a:ext cx="5321880" cy="2880"/>
+          </a:xfrm>
+          <a:custGeom>
+            <a:avLst/>
+            <a:gdLst/>
+            <a:ahLst/>
+            <a:rect l="l" t="t" r="r" b="b"/>
+            <a:pathLst>
+              <a:path w="21600" h="21600">
+                <a:moveTo>
+                  <a:pt x="0" y="0"/>
+                </a:moveTo>
+                <a:lnTo>
+                  <a:pt x="21600" y="21600"/>
+                </a:lnTo>
+              </a:path>
+            </a:pathLst>
+          </a:custGeom>
+          <a:noFill/>
+          <a:ln w="19080">
+            <a:solidFill>
+              <a:srgbClr val="009999"/>
+            </a:solidFill>
+            <a:custDash>
+              <a:ds d="300000" sp="100000"/>
+            </a:custDash>
+            <a:round/>
+            <a:headEnd len="med" type="triangle" w="med"/>
+          </a:ln>
+        </p:spPr>
+        <p:style>
+          <a:lnRef idx="1">
+            <a:schemeClr val="accent1"/>
+          </a:lnRef>
+          <a:fillRef idx="0">
+            <a:schemeClr val="accent1"/>
+          </a:fillRef>
+          <a:effectRef idx="0">
+            <a:schemeClr val="accent1"/>
+          </a:effectRef>
+          <a:fontRef idx="minor"/>
+        </p:style>
+      </p:sp>
+      <p:sp>
+        <p:nvSpPr>
+          <p:cNvPr id="82" name="CustomShape 45"/>
+          <p:cNvSpPr/>
+          <p:nvPr/>
+        </p:nvSpPr>
+        <p:spPr>
+          <a:xfrm>
+            <a:off x="9253800" y="3011760"/>
+            <a:ext cx="2174040" cy="182160"/>
+          </a:xfrm>
+          <a:prstGeom prst="rect">
+            <a:avLst/>
+          </a:prstGeom>
+          <a:noFill/>
+          <a:ln>
+            <a:noFill/>
+          </a:ln>
+        </p:spPr>
+        <p:style>
+          <a:lnRef idx="0"/>
+          <a:fillRef idx="0"/>
+          <a:effectRef idx="0"/>
+          <a:fontRef idx="minor"/>
+        </p:style>
+        <p:txBody>
+          <a:bodyPr lIns="0" rIns="0" tIns="0" bIns="0"/>
+          <a:p>
+            <a:pPr algn="r">
+              <a:lnSpc>
+                <a:spcPct val="100000"/>
+              </a:lnSpc>
+            </a:pPr>
+            <a:r>
+              <a:rPr b="0" lang="en-SG" sz="1200" spc="-1" strike="noStrike">
+                <a:solidFill>
+                  <a:srgbClr val="0070c0"/>
+                </a:solidFill>
+                <a:latin typeface="Calibri"/>
+                <a:ea typeface="DejaVu Sans"/>
+              </a:rPr>
+              <a:t>beginGame()</a:t>
+            </a:r>
+            <a:endParaRPr b="0" lang="en-SG" sz="1200" spc="-1" strike="noStrike">
+              <a:latin typeface="Arial"/>
+            </a:endParaRPr>
+          </a:p>
+        </p:txBody>
+      </p:sp>
+      <p:sp>
+        <p:nvSpPr>
+          <p:cNvPr id="83" name="CustomShape 46"/>
+          <p:cNvSpPr/>
+          <p:nvPr/>
+        </p:nvSpPr>
+        <p:spPr>
+          <a:xfrm>
+            <a:off x="11014200" y="3224160"/>
+            <a:ext cx="1814400" cy="923400"/>
+          </a:xfrm>
+          <a:prstGeom prst="roundRect">
+            <a:avLst>
+              <a:gd name="adj" fmla="val 3484"/>
+            </a:avLst>
+          </a:prstGeom>
+          <a:solidFill>
+            <a:srgbClr val="009999"/>
+          </a:solidFill>
+          <a:ln w="19080">
+            <a:solidFill>
+              <a:schemeClr val="tx1"/>
+            </a:solidFill>
+            <a:round/>
+          </a:ln>
+          <a:effectLst>
+            <a:outerShdw blurRad="40000" dir="5400000" dist="20000" rotWithShape="0">
+              <a:srgbClr val="000000">
+                <a:alpha val="38000"/>
+              </a:srgbClr>
+            </a:outerShdw>
+          </a:effectLst>
+        </p:spPr>
+        <p:style>
+          <a:lnRef idx="1">
+            <a:schemeClr val="accent2"/>
+          </a:lnRef>
+          <a:fillRef idx="2">
+            <a:schemeClr val="accent2"/>
+          </a:fillRef>
+          <a:effectRef idx="1">
+            <a:schemeClr val="accent2"/>
+          </a:effectRef>
+          <a:fontRef idx="minor"/>
+        </p:style>
+        <p:txBody>
+          <a:bodyPr lIns="90000" rIns="90000" tIns="45000" bIns="45000"/>
+          <a:p>
+            <a:pPr>
+              <a:lnSpc>
+                <a:spcPct val="100000"/>
+              </a:lnSpc>
+            </a:pPr>
+            <a:r>
+              <a:rPr b="1" lang="en-SG" sz="1200" spc="-1" strike="noStrike">
+                <a:solidFill>
+                  <a:srgbClr val="ffffff"/>
+                </a:solidFill>
+                <a:latin typeface="Calibri"/>
+                <a:ea typeface="DejaVu Sans"/>
+              </a:rPr>
+              <a:t>ref</a:t>
+            </a:r>
+            <a:endParaRPr b="0" lang="en-SG" sz="1200" spc="-1" strike="noStrike">
+              <a:latin typeface="Arial"/>
+            </a:endParaRPr>
+          </a:p>
+        </p:txBody>
+      </p:sp>
       <p:grpSp>
         <p:nvGrpSpPr>
-          <p:cNvPr id="68" name="Group 31"/>
+          <p:cNvPr id="84" name="Group 47"/>
           <p:cNvGrpSpPr/>
           <p:nvPr/>
         </p:nvGrpSpPr>
         <p:grpSpPr>
           <a:xfrm>
-            <a:off x="6301800" y="5250600"/>
-            <a:ext cx="1221480" cy="1508760"/>
-            <a:chOff x="6301800" y="5250600"/>
-            <a:chExt cx="1221480" cy="1508760"/>
+            <a:off x="11014200" y="3224160"/>
+            <a:ext cx="698040" cy="436680"/>
+            <a:chOff x="11014200" y="3224160"/>
+            <a:chExt cx="698040" cy="436680"/>
           </a:xfrm>
         </p:grpSpPr>
         <p:sp>
           <p:nvSpPr>
-            <p:cNvPr id="69" name="CustomShape 32"/>
+            <p:cNvPr id="85" name="Line 48"/>
             <p:cNvSpPr/>
             <p:nvPr/>
           </p:nvSpPr>
           <p:spPr>
             <a:xfrm>
-              <a:off x="6301800" y="5250600"/>
-              <a:ext cx="1221480" cy="589680"/>
+              <a:off x="11014200" y="3660480"/>
+              <a:ext cx="608760" cy="360"/>
+            </a:xfrm>
+            <a:prstGeom prst="line">
+              <a:avLst/>
+            </a:prstGeom>
+            <a:ln>
+              <a:solidFill>
+                <a:schemeClr val="tx1"/>
+              </a:solidFill>
+              <a:round/>
+            </a:ln>
+          </p:spPr>
+          <p:style>
+            <a:lnRef idx="1">
+              <a:schemeClr val="accent1"/>
+            </a:lnRef>
+            <a:fillRef idx="0">
+              <a:schemeClr val="accent1"/>
+            </a:fillRef>
+            <a:effectRef idx="0">
+              <a:schemeClr val="accent1"/>
+            </a:effectRef>
+            <a:fontRef idx="minor"/>
+          </p:style>
+        </p:sp>
+        <p:sp>
+          <p:nvSpPr>
+            <p:cNvPr id="86" name="Line 49"/>
+            <p:cNvSpPr/>
+            <p:nvPr/>
+          </p:nvSpPr>
+          <p:spPr>
+            <a:xfrm flipV="1">
+              <a:off x="11622960" y="3542760"/>
+              <a:ext cx="89280" cy="117720"/>
+            </a:xfrm>
+            <a:prstGeom prst="line">
+              <a:avLst/>
+            </a:prstGeom>
+            <a:ln>
+              <a:solidFill>
+                <a:schemeClr val="tx1"/>
+              </a:solidFill>
+              <a:round/>
+            </a:ln>
+          </p:spPr>
+          <p:style>
+            <a:lnRef idx="1">
+              <a:schemeClr val="accent1"/>
+            </a:lnRef>
+            <a:fillRef idx="0">
+              <a:schemeClr val="accent1"/>
+            </a:fillRef>
+            <a:effectRef idx="0">
+              <a:schemeClr val="accent1"/>
+            </a:effectRef>
+            <a:fontRef idx="minor"/>
+          </p:style>
+        </p:sp>
+        <p:sp>
+          <p:nvSpPr>
+            <p:cNvPr id="87" name="Line 50"/>
+            <p:cNvSpPr/>
+            <p:nvPr/>
+          </p:nvSpPr>
+          <p:spPr>
+            <a:xfrm flipV="1">
+              <a:off x="11707560" y="3224160"/>
+              <a:ext cx="360" cy="318600"/>
+            </a:xfrm>
+            <a:prstGeom prst="line">
+              <a:avLst/>
+            </a:prstGeom>
+            <a:ln>
+              <a:solidFill>
+                <a:schemeClr val="tx1"/>
+              </a:solidFill>
+              <a:round/>
+            </a:ln>
+          </p:spPr>
+          <p:style>
+            <a:lnRef idx="1">
+              <a:schemeClr val="accent1"/>
+            </a:lnRef>
+            <a:fillRef idx="0">
+              <a:schemeClr val="accent1"/>
+            </a:fillRef>
+            <a:effectRef idx="0">
+              <a:schemeClr val="accent1"/>
+            </a:effectRef>
+            <a:fontRef idx="minor"/>
+          </p:style>
+        </p:sp>
+      </p:grpSp>
+      <p:sp>
+        <p:nvSpPr>
+          <p:cNvPr id="88" name="CustomShape 51"/>
+          <p:cNvSpPr/>
+          <p:nvPr/>
+        </p:nvSpPr>
+        <p:spPr>
+          <a:xfrm>
+            <a:off x="11346120" y="3660840"/>
+            <a:ext cx="1814400" cy="486720"/>
+          </a:xfrm>
+          <a:prstGeom prst="rect">
+            <a:avLst/>
+          </a:prstGeom>
+          <a:noFill/>
+          <a:ln>
+            <a:noFill/>
+          </a:ln>
+        </p:spPr>
+        <p:style>
+          <a:lnRef idx="0"/>
+          <a:fillRef idx="0"/>
+          <a:effectRef idx="0"/>
+          <a:fontRef idx="minor"/>
+        </p:style>
+        <p:txBody>
+          <a:bodyPr lIns="90000" rIns="90000" tIns="45000" bIns="45000" anchor="ctr"/>
+          <a:p>
+            <a:pPr>
+              <a:lnSpc>
+                <a:spcPct val="100000"/>
+              </a:lnSpc>
+            </a:pPr>
+            <a:r>
+              <a:rPr b="0" lang="en-SG" sz="1400" spc="-1" strike="noStrike">
+                <a:solidFill>
+                  <a:srgbClr val="ffffff"/>
+                </a:solidFill>
+                <a:latin typeface="Arial"/>
+              </a:rPr>
+              <a:t>beginGame</a:t>
+            </a:r>
+            <a:endParaRPr b="0" lang="en-SG" sz="1400" spc="-1" strike="noStrike">
+              <a:latin typeface="Arial"/>
+            </a:endParaRPr>
+          </a:p>
+        </p:txBody>
+      </p:sp>
+    </p:spTree>
+  </p:cSld>
+  <p:timing>
+    <p:tnLst>
+      <p:par>
+        <p:cTn id="1" dur="indefinite" restart="never" nodeType="tmRoot">
+          <p:childTnLst>
+            <p:seq>
+              <p:cTn id="2" dur="indefinite" nodeType="mainSeq"/>
+              <p:prevCondLst>
+                <p:cond delay="0" evt="onPrev">
+                  <p:tgtEl>
+                    <p:sldTgt/>
+                  </p:tgtEl>
+                </p:cond>
+              </p:prevCondLst>
+              <p:nextCondLst>
+                <p:cond delay="0" evt="onNext">
+                  <p:tgtEl>
+                    <p:sldTgt/>
+                  </p:tgtEl>
+                </p:cond>
+              </p:nextCondLst>
+            </p:seq>
+          </p:childTnLst>
+        </p:cTn>
+      </p:par>
+    </p:tnLst>
+  </p:timing>
+</p:sld>
+</file>
+
+<file path=ppt/slides/slide2.xml><?xml version="1.0" encoding="utf-8"?>
+<p:sld xmlns:a="http://schemas.openxmlformats.org/drawingml/2006/main" xmlns:p="http://schemas.openxmlformats.org/presentationml/2006/main" xmlns:r="http://schemas.openxmlformats.org/officeDocument/2006/relationships" xmlns:p14="http://schemas.microsoft.com/office/powerpoint/2010/main" xmlns:p15="http://schemas.microsoft.com/office/powerpoint/2012/main" xmlns:mc="http://schemas.openxmlformats.org/markup-compatibility/2006">
+  <p:cSld>
+    <p:spTree>
+      <p:nvGrpSpPr>
+        <p:cNvPr id="1" name=""/>
+        <p:cNvGrpSpPr/>
+        <p:nvPr/>
+      </p:nvGrpSpPr>
+      <p:grpSpPr>
+        <a:xfrm>
+          <a:off x="0" y="0"/>
+          <a:ext cx="0" cy="0"/>
+          <a:chOff x="0" y="0"/>
+          <a:chExt cx="0" cy="0"/>
+        </a:xfrm>
+      </p:grpSpPr>
+      <p:sp>
+        <p:nvSpPr>
+          <p:cNvPr id="89" name="CustomShape 1"/>
+          <p:cNvSpPr/>
+          <p:nvPr/>
+        </p:nvSpPr>
+        <p:spPr>
+          <a:xfrm>
+            <a:off x="-1397520" y="-2931840"/>
+            <a:ext cx="10675800" cy="13218120"/>
+          </a:xfrm>
+          <a:prstGeom prst="roundRect">
+            <a:avLst>
+              <a:gd name="adj" fmla="val 3484"/>
+            </a:avLst>
+          </a:prstGeom>
+          <a:solidFill>
+            <a:schemeClr val="accent1">
+              <a:lumMod val="20000"/>
+              <a:lumOff val="80000"/>
+            </a:schemeClr>
+          </a:solidFill>
+          <a:ln w="19080">
+            <a:noFill/>
+          </a:ln>
+          <a:effectLst>
+            <a:outerShdw blurRad="40000" dir="5400000" dist="20000" rotWithShape="0">
+              <a:srgbClr val="000000">
+                <a:alpha val="38000"/>
+              </a:srgbClr>
+            </a:outerShdw>
+          </a:effectLst>
+        </p:spPr>
+        <p:style>
+          <a:lnRef idx="1">
+            <a:schemeClr val="accent2"/>
+          </a:lnRef>
+          <a:fillRef idx="2">
+            <a:schemeClr val="accent2"/>
+          </a:fillRef>
+          <a:effectRef idx="1">
+            <a:schemeClr val="accent2"/>
+          </a:effectRef>
+          <a:fontRef idx="minor"/>
+        </p:style>
+        <p:txBody>
+          <a:bodyPr lIns="90000" rIns="90000" tIns="45000" bIns="45000"/>
+          <a:p>
+            <a:pPr>
+              <a:lnSpc>
+                <a:spcPct val="100000"/>
+              </a:lnSpc>
+            </a:pPr>
+            <a:r>
+              <a:rPr b="1" lang="en-SG" sz="1200" spc="-1" strike="noStrike">
+                <a:solidFill>
+                  <a:srgbClr val="0070c0"/>
+                </a:solidFill>
+                <a:latin typeface="Calibri"/>
+                <a:ea typeface="DejaVu Sans"/>
+              </a:rPr>
+              <a:t>Logic</a:t>
+            </a:r>
+            <a:endParaRPr b="0" lang="en-SG" sz="1200" spc="-1" strike="noStrike">
+              <a:latin typeface="Arial"/>
+            </a:endParaRPr>
+          </a:p>
+        </p:txBody>
+      </p:sp>
+      <p:sp>
+        <p:nvSpPr>
+          <p:cNvPr id="90" name="Line 2"/>
+          <p:cNvSpPr/>
+          <p:nvPr/>
+        </p:nvSpPr>
+        <p:spPr>
+          <a:xfrm>
+            <a:off x="7188840" y="-20880"/>
+            <a:ext cx="12600" cy="9743040"/>
+          </a:xfrm>
+          <a:prstGeom prst="line">
+            <a:avLst/>
+          </a:prstGeom>
+          <a:ln w="19080">
+            <a:solidFill>
+              <a:srgbClr val="0070c0"/>
+            </a:solidFill>
+            <a:custDash>
+              <a:ds d="300000" sp="100000"/>
+            </a:custDash>
+            <a:round/>
+          </a:ln>
+        </p:spPr>
+        <p:style>
+          <a:lnRef idx="1">
+            <a:schemeClr val="accent1"/>
+          </a:lnRef>
+          <a:fillRef idx="2">
+            <a:schemeClr val="accent1"/>
+          </a:fillRef>
+          <a:effectRef idx="1">
+            <a:schemeClr val="accent1"/>
+          </a:effectRef>
+          <a:fontRef idx="minor"/>
+        </p:style>
+      </p:sp>
+      <p:sp>
+        <p:nvSpPr>
+          <p:cNvPr id="91" name="CustomShape 3"/>
+          <p:cNvSpPr/>
+          <p:nvPr/>
+        </p:nvSpPr>
+        <p:spPr>
+          <a:xfrm>
+            <a:off x="55080" y="-2324880"/>
+            <a:ext cx="1714680" cy="407880"/>
+          </a:xfrm>
+          <a:prstGeom prst="rect">
+            <a:avLst/>
+          </a:prstGeom>
+          <a:solidFill>
+            <a:srgbClr val="0070c0"/>
+          </a:solidFill>
+          <a:ln w="19080">
+            <a:solidFill>
+              <a:srgbClr val="0070c0"/>
+            </a:solidFill>
+            <a:round/>
+          </a:ln>
+          <a:effectLst>
+            <a:outerShdw blurRad="40000" dir="5400000" dist="20000" rotWithShape="0">
+              <a:srgbClr val="000000">
+                <a:alpha val="38000"/>
+              </a:srgbClr>
+            </a:outerShdw>
+          </a:effectLst>
+        </p:spPr>
+        <p:style>
+          <a:lnRef idx="1">
+            <a:schemeClr val="accent2"/>
+          </a:lnRef>
+          <a:fillRef idx="2">
+            <a:schemeClr val="accent2"/>
+          </a:fillRef>
+          <a:effectRef idx="1">
+            <a:schemeClr val="accent2"/>
+          </a:effectRef>
+          <a:fontRef idx="minor"/>
+        </p:style>
+        <p:txBody>
+          <a:bodyPr lIns="90000" rIns="90000" tIns="45000" bIns="45000" anchor="ctr"/>
+          <a:p>
+            <a:pPr algn="ctr">
+              <a:lnSpc>
+                <a:spcPct val="100000"/>
+              </a:lnSpc>
+            </a:pPr>
+            <a:r>
+              <a:rPr b="0" lang="en-SG" sz="1600" spc="-1" strike="noStrike">
+                <a:solidFill>
+                  <a:srgbClr val="ffffff"/>
+                </a:solidFill>
+                <a:latin typeface="Calibri"/>
+                <a:ea typeface="DejaVu Sans"/>
+              </a:rPr>
+              <a:t>:LogicManager</a:t>
+            </a:r>
+            <a:endParaRPr b="0" lang="en-SG" sz="1600" spc="-1" strike="noStrike">
+              <a:latin typeface="Arial"/>
+            </a:endParaRPr>
+          </a:p>
+        </p:txBody>
+      </p:sp>
+      <p:sp>
+        <p:nvSpPr>
+          <p:cNvPr id="92" name="Line 4"/>
+          <p:cNvSpPr/>
+          <p:nvPr/>
+        </p:nvSpPr>
+        <p:spPr>
+          <a:xfrm>
+            <a:off x="912600" y="-1896480"/>
+            <a:ext cx="19440" cy="11803680"/>
+          </a:xfrm>
+          <a:prstGeom prst="line">
+            <a:avLst/>
+          </a:prstGeom>
+          <a:ln w="19080">
+            <a:solidFill>
+              <a:srgbClr val="0070c0"/>
+            </a:solidFill>
+            <a:custDash>
+              <a:ds d="300000" sp="100000"/>
+            </a:custDash>
+            <a:round/>
+          </a:ln>
+        </p:spPr>
+        <p:style>
+          <a:lnRef idx="1">
+            <a:schemeClr val="accent1"/>
+          </a:lnRef>
+          <a:fillRef idx="2">
+            <a:schemeClr val="accent1"/>
+          </a:fillRef>
+          <a:effectRef idx="1">
+            <a:schemeClr val="accent1"/>
+          </a:effectRef>
+          <a:fontRef idx="minor"/>
+        </p:style>
+      </p:sp>
+      <p:sp>
+        <p:nvSpPr>
+          <p:cNvPr id="93" name="CustomShape 5"/>
+          <p:cNvSpPr/>
+          <p:nvPr/>
+        </p:nvSpPr>
+        <p:spPr>
+          <a:xfrm>
+            <a:off x="828000" y="-1483200"/>
+            <a:ext cx="178560" cy="11101680"/>
+          </a:xfrm>
+          <a:prstGeom prst="rect">
+            <a:avLst/>
+          </a:prstGeom>
+          <a:solidFill>
+            <a:srgbClr val="0070c0"/>
+          </a:solidFill>
+          <a:ln>
+            <a:solidFill>
+              <a:srgbClr val="0070c0"/>
+            </a:solidFill>
+            <a:round/>
+          </a:ln>
+          <a:effectLst>
+            <a:outerShdw blurRad="40000" dir="5400000" dist="20000" rotWithShape="0">
+              <a:srgbClr val="000000">
+                <a:alpha val="38000"/>
+              </a:srgbClr>
+            </a:outerShdw>
+          </a:effectLst>
+        </p:spPr>
+        <p:style>
+          <a:lnRef idx="1">
+            <a:schemeClr val="accent3"/>
+          </a:lnRef>
+          <a:fillRef idx="2">
+            <a:schemeClr val="accent3"/>
+          </a:fillRef>
+          <a:effectRef idx="1">
+            <a:schemeClr val="accent3"/>
+          </a:effectRef>
+          <a:fontRef idx="minor"/>
+        </p:style>
+      </p:sp>
+      <p:sp>
+        <p:nvSpPr>
+          <p:cNvPr id="94" name="CustomShape 6"/>
+          <p:cNvSpPr/>
+          <p:nvPr/>
+        </p:nvSpPr>
+        <p:spPr>
+          <a:xfrm>
+            <a:off x="2512440" y="-2467080"/>
+            <a:ext cx="1436400" cy="550080"/>
+          </a:xfrm>
+          <a:prstGeom prst="rect">
+            <a:avLst/>
+          </a:prstGeom>
+          <a:solidFill>
+            <a:srgbClr val="0070c0"/>
+          </a:solidFill>
+          <a:ln w="19080">
+            <a:solidFill>
+              <a:srgbClr val="0070c0"/>
+            </a:solidFill>
+            <a:round/>
+          </a:ln>
+          <a:effectLst>
+            <a:outerShdw blurRad="40000" dir="5400000" dist="20000" rotWithShape="0">
+              <a:srgbClr val="000000">
+                <a:alpha val="38000"/>
+              </a:srgbClr>
+            </a:outerShdw>
+          </a:effectLst>
+        </p:spPr>
+        <p:style>
+          <a:lnRef idx="1">
+            <a:schemeClr val="accent2"/>
+          </a:lnRef>
+          <a:fillRef idx="2">
+            <a:schemeClr val="accent2"/>
+          </a:fillRef>
+          <a:effectRef idx="1">
+            <a:schemeClr val="accent2"/>
+          </a:effectRef>
+          <a:fontRef idx="minor"/>
+        </p:style>
+        <p:txBody>
+          <a:bodyPr lIns="90000" rIns="90000" tIns="45000" bIns="45000" anchor="ctr"/>
+          <a:p>
+            <a:pPr algn="ctr">
+              <a:lnSpc>
+                <a:spcPct val="100000"/>
+              </a:lnSpc>
+            </a:pPr>
+            <a:r>
+              <a:rPr b="0" lang="en-SG" sz="1600" spc="-1" strike="noStrike">
+                <a:solidFill>
+                  <a:srgbClr val="ffffff"/>
+                </a:solidFill>
+                <a:latin typeface="Calibri"/>
+                <a:ea typeface="DejaVu Sans"/>
+              </a:rPr>
+              <a:t>:Battleship</a:t>
+            </a:r>
+            <a:endParaRPr b="0" lang="en-SG" sz="1600" spc="-1" strike="noStrike">
+              <a:latin typeface="Arial"/>
+            </a:endParaRPr>
+          </a:p>
+          <a:p>
+            <a:pPr algn="ctr">
+              <a:lnSpc>
+                <a:spcPct val="100000"/>
+              </a:lnSpc>
+            </a:pPr>
+            <a:r>
+              <a:rPr b="0" lang="en-SG" sz="1600" spc="-1" strike="noStrike">
+                <a:solidFill>
+                  <a:srgbClr val="ffffff"/>
+                </a:solidFill>
+                <a:latin typeface="Calibri"/>
+                <a:ea typeface="DejaVu Sans"/>
+              </a:rPr>
+              <a:t>Parser</a:t>
+            </a:r>
+            <a:endParaRPr b="0" lang="en-SG" sz="1600" spc="-1" strike="noStrike">
+              <a:latin typeface="Arial"/>
+            </a:endParaRPr>
+          </a:p>
+        </p:txBody>
+      </p:sp>
+      <p:sp>
+        <p:nvSpPr>
+          <p:cNvPr id="95" name="Line 7"/>
+          <p:cNvSpPr/>
+          <p:nvPr/>
+        </p:nvSpPr>
+        <p:spPr>
+          <a:xfrm>
+            <a:off x="3235320" y="-1896480"/>
+            <a:ext cx="720" cy="2545920"/>
+          </a:xfrm>
+          <a:prstGeom prst="line">
+            <a:avLst/>
+          </a:prstGeom>
+          <a:ln w="19080">
+            <a:solidFill>
+              <a:srgbClr val="0070c0"/>
+            </a:solidFill>
+            <a:custDash>
+              <a:ds d="300000" sp="100000"/>
+            </a:custDash>
+            <a:round/>
+          </a:ln>
+        </p:spPr>
+        <p:style>
+          <a:lnRef idx="1">
+            <a:schemeClr val="accent1"/>
+          </a:lnRef>
+          <a:fillRef idx="2">
+            <a:schemeClr val="accent1"/>
+          </a:fillRef>
+          <a:effectRef idx="1">
+            <a:schemeClr val="accent1"/>
+          </a:effectRef>
+          <a:fontRef idx="minor"/>
+        </p:style>
+      </p:sp>
+      <p:sp>
+        <p:nvSpPr>
+          <p:cNvPr id="96" name="CustomShape 8"/>
+          <p:cNvSpPr/>
+          <p:nvPr/>
+        </p:nvSpPr>
+        <p:spPr>
+          <a:xfrm>
+            <a:off x="3150720" y="-1356480"/>
+            <a:ext cx="181080" cy="1689840"/>
+          </a:xfrm>
+          <a:prstGeom prst="rect">
+            <a:avLst/>
+          </a:prstGeom>
+          <a:solidFill>
+            <a:srgbClr val="0070c0"/>
+          </a:solidFill>
+          <a:ln>
+            <a:solidFill>
+              <a:srgbClr val="0070c0"/>
+            </a:solidFill>
+            <a:round/>
+          </a:ln>
+          <a:effectLst>
+            <a:outerShdw blurRad="40000" dir="5400000" dist="20000" rotWithShape="0">
+              <a:srgbClr val="000000">
+                <a:alpha val="38000"/>
+              </a:srgbClr>
+            </a:outerShdw>
+          </a:effectLst>
+        </p:spPr>
+        <p:style>
+          <a:lnRef idx="1">
+            <a:schemeClr val="accent3"/>
+          </a:lnRef>
+          <a:fillRef idx="2">
+            <a:schemeClr val="accent3"/>
+          </a:fillRef>
+          <a:effectRef idx="1">
+            <a:schemeClr val="accent3"/>
+          </a:effectRef>
+          <a:fontRef idx="minor"/>
+        </p:style>
+      </p:sp>
+      <p:sp>
+        <p:nvSpPr>
+          <p:cNvPr id="97" name="Line 9"/>
+          <p:cNvSpPr/>
+          <p:nvPr/>
+        </p:nvSpPr>
+        <p:spPr>
+          <a:xfrm>
+            <a:off x="5078160" y="-1064520"/>
+            <a:ext cx="720" cy="1637640"/>
+          </a:xfrm>
+          <a:prstGeom prst="line">
+            <a:avLst/>
+          </a:prstGeom>
+          <a:ln w="19080">
+            <a:solidFill>
+              <a:srgbClr val="0070c0"/>
+            </a:solidFill>
+            <a:custDash>
+              <a:ds d="300000" sp="100000"/>
+            </a:custDash>
+            <a:round/>
+          </a:ln>
+        </p:spPr>
+        <p:style>
+          <a:lnRef idx="1">
+            <a:schemeClr val="accent1"/>
+          </a:lnRef>
+          <a:fillRef idx="2">
+            <a:schemeClr val="accent1"/>
+          </a:fillRef>
+          <a:effectRef idx="1">
+            <a:schemeClr val="accent1"/>
+          </a:effectRef>
+          <a:fontRef idx="minor"/>
+        </p:style>
+      </p:sp>
+      <p:sp>
+        <p:nvSpPr>
+          <p:cNvPr id="98" name="CustomShape 10"/>
+          <p:cNvSpPr/>
+          <p:nvPr/>
+        </p:nvSpPr>
+        <p:spPr>
+          <a:xfrm>
+            <a:off x="4988520" y="-1064520"/>
+            <a:ext cx="178920" cy="324720"/>
+          </a:xfrm>
+          <a:prstGeom prst="rect">
+            <a:avLst/>
+          </a:prstGeom>
+          <a:solidFill>
+            <a:srgbClr val="0070c0"/>
+          </a:solidFill>
+          <a:ln>
+            <a:solidFill>
+              <a:srgbClr val="0070c0"/>
+            </a:solidFill>
+            <a:round/>
+          </a:ln>
+          <a:effectLst>
+            <a:outerShdw blurRad="40000" dir="5400000" dist="20000" rotWithShape="0">
+              <a:srgbClr val="000000">
+                <a:alpha val="38000"/>
+              </a:srgbClr>
+            </a:outerShdw>
+          </a:effectLst>
+        </p:spPr>
+        <p:style>
+          <a:lnRef idx="1">
+            <a:schemeClr val="accent3"/>
+          </a:lnRef>
+          <a:fillRef idx="2">
+            <a:schemeClr val="accent3"/>
+          </a:fillRef>
+          <a:effectRef idx="1">
+            <a:schemeClr val="accent3"/>
+          </a:effectRef>
+          <a:fontRef idx="minor"/>
+        </p:style>
+      </p:sp>
+      <p:sp>
+        <p:nvSpPr>
+          <p:cNvPr id="99" name="CustomShape 11"/>
+          <p:cNvSpPr/>
+          <p:nvPr/>
+        </p:nvSpPr>
+        <p:spPr>
+          <a:xfrm>
+            <a:off x="-1408320" y="-1478880"/>
+            <a:ext cx="2235600" cy="360"/>
+          </a:xfrm>
+          <a:custGeom>
+            <a:avLst/>
+            <a:gdLst/>
+            <a:ahLst/>
+            <a:rect l="l" t="t" r="r" b="b"/>
+            <a:pathLst>
+              <a:path w="21600" h="21600">
+                <a:moveTo>
+                  <a:pt x="0" y="0"/>
+                </a:moveTo>
+                <a:lnTo>
+                  <a:pt x="21600" y="21600"/>
+                </a:lnTo>
+              </a:path>
+            </a:pathLst>
+          </a:custGeom>
+          <a:noFill/>
+          <a:ln w="19080">
+            <a:solidFill>
+              <a:srgbClr val="00b050"/>
+            </a:solidFill>
+            <a:round/>
+            <a:tailEnd len="med" type="triangle" w="med"/>
+          </a:ln>
+        </p:spPr>
+        <p:style>
+          <a:lnRef idx="1">
+            <a:schemeClr val="accent1"/>
+          </a:lnRef>
+          <a:fillRef idx="0">
+            <a:schemeClr val="accent1"/>
+          </a:fillRef>
+          <a:effectRef idx="0">
+            <a:schemeClr val="accent1"/>
+          </a:effectRef>
+          <a:fontRef idx="minor"/>
+        </p:style>
+      </p:sp>
+      <p:sp>
+        <p:nvSpPr>
+          <p:cNvPr id="100" name="CustomShape 12"/>
+          <p:cNvSpPr/>
+          <p:nvPr/>
+        </p:nvSpPr>
+        <p:spPr>
+          <a:xfrm>
+            <a:off x="-1551600" y="-1783080"/>
+            <a:ext cx="2148480" cy="213120"/>
+          </a:xfrm>
+          <a:prstGeom prst="rect">
+            <a:avLst/>
+          </a:prstGeom>
+          <a:noFill/>
+          <a:ln>
+            <a:noFill/>
+          </a:ln>
+        </p:spPr>
+        <p:style>
+          <a:lnRef idx="0"/>
+          <a:fillRef idx="0"/>
+          <a:effectRef idx="0"/>
+          <a:fontRef idx="minor"/>
+        </p:style>
+        <p:txBody>
+          <a:bodyPr lIns="0" rIns="0" tIns="0" bIns="0"/>
+          <a:p>
+            <a:pPr algn="r">
+              <a:lnSpc>
+                <a:spcPct val="100000"/>
+              </a:lnSpc>
+            </a:pPr>
+            <a:r>
+              <a:rPr b="0" lang="en-SG" sz="1400" spc="-1" strike="noStrike">
+                <a:solidFill>
+                  <a:srgbClr val="0070c0"/>
+                </a:solidFill>
+                <a:latin typeface="Calibri"/>
+                <a:ea typeface="DejaVu Sans"/>
+              </a:rPr>
+              <a:t>execute(“attack a1”)</a:t>
+            </a:r>
+            <a:endParaRPr b="0" lang="en-SG" sz="1400" spc="-1" strike="noStrike">
+              <a:latin typeface="Arial"/>
+            </a:endParaRPr>
+          </a:p>
+        </p:txBody>
+      </p:sp>
+      <p:sp>
+        <p:nvSpPr>
+          <p:cNvPr id="101" name="CustomShape 13"/>
+          <p:cNvSpPr/>
+          <p:nvPr/>
+        </p:nvSpPr>
+        <p:spPr>
+          <a:xfrm flipV="1">
+            <a:off x="3350880" y="-1214640"/>
+            <a:ext cx="787680" cy="360"/>
+          </a:xfrm>
+          <a:custGeom>
+            <a:avLst/>
+            <a:gdLst/>
+            <a:ahLst/>
+            <a:rect l="l" t="t" r="r" b="b"/>
+            <a:pathLst>
+              <a:path w="21600" h="21600">
+                <a:moveTo>
+                  <a:pt x="0" y="0"/>
+                </a:moveTo>
+                <a:lnTo>
+                  <a:pt x="21600" y="21600"/>
+                </a:lnTo>
+              </a:path>
+            </a:pathLst>
+          </a:custGeom>
+          <a:noFill/>
+          <a:ln w="19080">
+            <a:solidFill>
+              <a:srgbClr val="0070c0"/>
+            </a:solidFill>
+            <a:round/>
+            <a:tailEnd len="med" type="triangle" w="med"/>
+          </a:ln>
+        </p:spPr>
+        <p:style>
+          <a:lnRef idx="1">
+            <a:schemeClr val="accent1"/>
+          </a:lnRef>
+          <a:fillRef idx="0">
+            <a:schemeClr val="accent1"/>
+          </a:fillRef>
+          <a:effectRef idx="0">
+            <a:schemeClr val="accent1"/>
+          </a:effectRef>
+          <a:fontRef idx="minor"/>
+        </p:style>
+      </p:sp>
+      <p:sp>
+        <p:nvSpPr>
+          <p:cNvPr id="102" name="CustomShape 14"/>
+          <p:cNvSpPr/>
+          <p:nvPr/>
+        </p:nvSpPr>
+        <p:spPr>
+          <a:xfrm>
+            <a:off x="3454920" y="540360"/>
+            <a:ext cx="1007280" cy="213120"/>
+          </a:xfrm>
+          <a:prstGeom prst="rect">
+            <a:avLst/>
+          </a:prstGeom>
+          <a:noFill/>
+          <a:ln>
+            <a:noFill/>
+          </a:ln>
+        </p:spPr>
+        <p:style>
+          <a:lnRef idx="0"/>
+          <a:fillRef idx="0"/>
+          <a:effectRef idx="0"/>
+          <a:fontRef idx="minor"/>
+        </p:style>
+        <p:txBody>
+          <a:bodyPr lIns="0" rIns="0" tIns="0" bIns="0"/>
+          <a:p>
+            <a:pPr algn="r">
+              <a:lnSpc>
+                <a:spcPct val="100000"/>
+              </a:lnSpc>
+            </a:pPr>
+            <a:r>
+              <a:rPr b="0" lang="en-SG" sz="1400" spc="-1" strike="noStrike">
+                <a:solidFill>
+                  <a:srgbClr val="0070c0"/>
+                </a:solidFill>
+                <a:latin typeface="Calibri"/>
+                <a:ea typeface="DejaVu Sans"/>
+              </a:rPr>
+              <a:t>execute()</a:t>
+            </a:r>
+            <a:endParaRPr b="0" lang="en-SG" sz="1400" spc="-1" strike="noStrike">
+              <a:latin typeface="Arial"/>
+            </a:endParaRPr>
+          </a:p>
+        </p:txBody>
+      </p:sp>
+      <p:sp>
+        <p:nvSpPr>
+          <p:cNvPr id="103" name="CustomShape 15"/>
+          <p:cNvSpPr/>
+          <p:nvPr/>
+        </p:nvSpPr>
+        <p:spPr>
+          <a:xfrm>
+            <a:off x="3319200" y="-798120"/>
+            <a:ext cx="1665720" cy="360"/>
+          </a:xfrm>
+          <a:custGeom>
+            <a:avLst/>
+            <a:gdLst/>
+            <a:ahLst/>
+            <a:rect l="l" t="t" r="r" b="b"/>
+            <a:pathLst>
+              <a:path w="21600" h="21600">
+                <a:moveTo>
+                  <a:pt x="0" y="0"/>
+                </a:moveTo>
+                <a:lnTo>
+                  <a:pt x="21600" y="21600"/>
+                </a:lnTo>
+              </a:path>
+            </a:pathLst>
+          </a:custGeom>
+          <a:noFill/>
+          <a:ln w="19080">
+            <a:solidFill>
+              <a:srgbClr val="0070c0"/>
+            </a:solidFill>
+            <a:custDash>
+              <a:ds d="300000" sp="100000"/>
+            </a:custDash>
+            <a:round/>
+            <a:headEnd len="med" type="triangle" w="med"/>
+          </a:ln>
+        </p:spPr>
+        <p:style>
+          <a:lnRef idx="1">
+            <a:schemeClr val="accent1"/>
+          </a:lnRef>
+          <a:fillRef idx="0">
+            <a:schemeClr val="accent1"/>
+          </a:fillRef>
+          <a:effectRef idx="0">
+            <a:schemeClr val="accent1"/>
+          </a:effectRef>
+          <a:fontRef idx="minor"/>
+        </p:style>
+      </p:sp>
+      <p:sp>
+        <p:nvSpPr>
+          <p:cNvPr id="104" name="CustomShape 16"/>
+          <p:cNvSpPr/>
+          <p:nvPr/>
+        </p:nvSpPr>
+        <p:spPr>
+          <a:xfrm>
+            <a:off x="1015200" y="333720"/>
+            <a:ext cx="2135160" cy="360"/>
+          </a:xfrm>
+          <a:custGeom>
+            <a:avLst/>
+            <a:gdLst/>
+            <a:ahLst/>
+            <a:rect l="l" t="t" r="r" b="b"/>
+            <a:pathLst>
+              <a:path w="21600" h="21600">
+                <a:moveTo>
+                  <a:pt x="0" y="0"/>
+                </a:moveTo>
+                <a:lnTo>
+                  <a:pt x="21600" y="21600"/>
+                </a:lnTo>
+              </a:path>
+            </a:pathLst>
+          </a:custGeom>
+          <a:noFill/>
+          <a:ln w="19080">
+            <a:solidFill>
+              <a:srgbClr val="0070c0"/>
+            </a:solidFill>
+            <a:custDash>
+              <a:ds d="300000" sp="100000"/>
+            </a:custDash>
+            <a:round/>
+            <a:headEnd len="med" type="triangle" w="med"/>
+          </a:ln>
+        </p:spPr>
+        <p:style>
+          <a:lnRef idx="1">
+            <a:schemeClr val="accent1"/>
+          </a:lnRef>
+          <a:fillRef idx="0">
+            <a:schemeClr val="accent1"/>
+          </a:fillRef>
+          <a:effectRef idx="0">
+            <a:schemeClr val="accent1"/>
+          </a:effectRef>
+          <a:fontRef idx="minor"/>
+        </p:style>
+      </p:sp>
+      <p:sp>
+        <p:nvSpPr>
+          <p:cNvPr id="105" name="CustomShape 17"/>
+          <p:cNvSpPr/>
+          <p:nvPr/>
+        </p:nvSpPr>
+        <p:spPr>
+          <a:xfrm>
+            <a:off x="-581040" y="9618480"/>
+            <a:ext cx="1408680" cy="360"/>
+          </a:xfrm>
+          <a:custGeom>
+            <a:avLst/>
+            <a:gdLst/>
+            <a:ahLst/>
+            <a:rect l="l" t="t" r="r" b="b"/>
+            <a:pathLst>
+              <a:path w="21600" h="21600">
+                <a:moveTo>
+                  <a:pt x="0" y="0"/>
+                </a:moveTo>
+                <a:lnTo>
+                  <a:pt x="21600" y="21600"/>
+                </a:lnTo>
+              </a:path>
+            </a:pathLst>
+          </a:custGeom>
+          <a:noFill/>
+          <a:ln w="19080">
+            <a:solidFill>
+              <a:schemeClr val="accent1"/>
+            </a:solidFill>
+            <a:custDash>
+              <a:ds d="300000" sp="100000"/>
+            </a:custDash>
+            <a:round/>
+            <a:headEnd len="med" type="triangle" w="med"/>
+          </a:ln>
+        </p:spPr>
+        <p:style>
+          <a:lnRef idx="1">
+            <a:schemeClr val="accent1"/>
+          </a:lnRef>
+          <a:fillRef idx="0">
+            <a:schemeClr val="accent1"/>
+          </a:fillRef>
+          <a:effectRef idx="0">
+            <a:schemeClr val="accent1"/>
+          </a:effectRef>
+          <a:fontRef idx="minor"/>
+        </p:style>
+      </p:sp>
+      <p:sp>
+        <p:nvSpPr>
+          <p:cNvPr id="106" name="CustomShape 18"/>
+          <p:cNvSpPr/>
+          <p:nvPr/>
+        </p:nvSpPr>
+        <p:spPr>
+          <a:xfrm>
+            <a:off x="1056600" y="-1783800"/>
+            <a:ext cx="1923120" cy="425520"/>
+          </a:xfrm>
+          <a:prstGeom prst="rect">
+            <a:avLst/>
+          </a:prstGeom>
+          <a:noFill/>
+          <a:ln>
+            <a:noFill/>
+          </a:ln>
+        </p:spPr>
+        <p:style>
+          <a:lnRef idx="0"/>
+          <a:fillRef idx="0"/>
+          <a:effectRef idx="0"/>
+          <a:fontRef idx="minor"/>
+        </p:style>
+        <p:txBody>
+          <a:bodyPr lIns="0" rIns="0" tIns="0" bIns="0"/>
+          <a:p>
+            <a:pPr algn="r">
+              <a:lnSpc>
+                <a:spcPct val="100000"/>
+              </a:lnSpc>
+            </a:pPr>
+            <a:r>
+              <a:rPr b="0" lang="en-SG" sz="1400" spc="-1" strike="noStrike">
+                <a:solidFill>
+                  <a:srgbClr val="0070c0"/>
+                </a:solidFill>
+                <a:latin typeface="Calibri"/>
+                <a:ea typeface="DejaVu Sans"/>
+              </a:rPr>
+              <a:t>parseCommand(</a:t>
+            </a:r>
+            <a:endParaRPr b="0" lang="en-SG" sz="1400" spc="-1" strike="noStrike">
+              <a:latin typeface="Arial"/>
+            </a:endParaRPr>
+          </a:p>
+          <a:p>
+            <a:pPr algn="r">
+              <a:lnSpc>
+                <a:spcPct val="100000"/>
+              </a:lnSpc>
+            </a:pPr>
+            <a:r>
+              <a:rPr b="0" lang="en-SG" sz="1400" spc="-1" strike="noStrike">
+                <a:solidFill>
+                  <a:srgbClr val="0070c0"/>
+                </a:solidFill>
+                <a:latin typeface="Calibri"/>
+                <a:ea typeface="DejaVu Sans"/>
+              </a:rPr>
+              <a:t>“</a:t>
+            </a:r>
+            <a:r>
+              <a:rPr b="0" lang="en-SG" sz="1400" spc="-1" strike="noStrike">
+                <a:solidFill>
+                  <a:srgbClr val="0070c0"/>
+                </a:solidFill>
+                <a:latin typeface="Calibri"/>
+                <a:ea typeface="DejaVu Sans"/>
+              </a:rPr>
+              <a:t>attack a1”)</a:t>
+            </a:r>
+            <a:endParaRPr b="0" lang="en-SG" sz="1400" spc="-1" strike="noStrike">
+              <a:latin typeface="Arial"/>
+            </a:endParaRPr>
+          </a:p>
+        </p:txBody>
+      </p:sp>
+      <p:sp>
+        <p:nvSpPr>
+          <p:cNvPr id="107" name="CustomShape 19"/>
+          <p:cNvSpPr/>
+          <p:nvPr/>
+        </p:nvSpPr>
+        <p:spPr>
+          <a:xfrm>
+            <a:off x="4139280" y="-1716480"/>
+            <a:ext cx="1896120" cy="681480"/>
+          </a:xfrm>
+          <a:prstGeom prst="rect">
+            <a:avLst/>
+          </a:prstGeom>
+          <a:solidFill>
+            <a:srgbClr val="0070c0"/>
+          </a:solidFill>
+          <a:ln w="19080">
+            <a:solidFill>
+              <a:srgbClr val="0070c0"/>
+            </a:solidFill>
+            <a:round/>
+          </a:ln>
+          <a:effectLst>
+            <a:outerShdw blurRad="40000" dir="5400000" dist="20000" rotWithShape="0">
+              <a:srgbClr val="000000">
+                <a:alpha val="38000"/>
+              </a:srgbClr>
+            </a:outerShdw>
+          </a:effectLst>
+        </p:spPr>
+        <p:style>
+          <a:lnRef idx="1">
+            <a:schemeClr val="accent2"/>
+          </a:lnRef>
+          <a:fillRef idx="2">
+            <a:schemeClr val="accent2"/>
+          </a:fillRef>
+          <a:effectRef idx="1">
+            <a:schemeClr val="accent2"/>
+          </a:effectRef>
+          <a:fontRef idx="minor"/>
+        </p:style>
+        <p:txBody>
+          <a:bodyPr lIns="90000" rIns="90000" tIns="45000" bIns="45000" anchor="ctr"/>
+          <a:p>
+            <a:pPr algn="ctr">
+              <a:lnSpc>
+                <a:spcPct val="100000"/>
+              </a:lnSpc>
+            </a:pPr>
+            <a:r>
+              <a:rPr b="0" lang="en-SG" sz="1600" spc="-1" strike="noStrike">
+                <a:solidFill>
+                  <a:srgbClr val="ffffff"/>
+                </a:solidFill>
+                <a:latin typeface="Calibri"/>
+                <a:ea typeface="DejaVu Sans"/>
+              </a:rPr>
+              <a:t>:Attack</a:t>
+            </a:r>
+            <a:endParaRPr b="0" lang="en-SG" sz="1600" spc="-1" strike="noStrike">
+              <a:latin typeface="Arial"/>
+            </a:endParaRPr>
+          </a:p>
+          <a:p>
+            <a:pPr algn="ctr">
+              <a:lnSpc>
+                <a:spcPct val="100000"/>
+              </a:lnSpc>
+            </a:pPr>
+            <a:r>
+              <a:rPr b="0" lang="en-SG" sz="1600" spc="-1" strike="noStrike">
+                <a:solidFill>
+                  <a:srgbClr val="ffffff"/>
+                </a:solidFill>
+                <a:latin typeface="Calibri"/>
+                <a:ea typeface="DejaVu Sans"/>
+              </a:rPr>
+              <a:t>CommandParser</a:t>
+            </a:r>
+            <a:endParaRPr b="0" lang="en-SG" sz="1600" spc="-1" strike="noStrike">
+              <a:latin typeface="Arial"/>
+            </a:endParaRPr>
+          </a:p>
+        </p:txBody>
+      </p:sp>
+      <p:sp>
+        <p:nvSpPr>
+          <p:cNvPr id="108" name="CustomShape 20"/>
+          <p:cNvSpPr/>
+          <p:nvPr/>
+        </p:nvSpPr>
+        <p:spPr>
+          <a:xfrm>
+            <a:off x="1015200" y="809280"/>
+            <a:ext cx="6077160" cy="360"/>
+          </a:xfrm>
+          <a:custGeom>
+            <a:avLst/>
+            <a:gdLst/>
+            <a:ahLst/>
+            <a:rect l="l" t="t" r="r" b="b"/>
+            <a:pathLst>
+              <a:path w="21600" h="21600">
+                <a:moveTo>
+                  <a:pt x="0" y="0"/>
+                </a:moveTo>
+                <a:lnTo>
+                  <a:pt x="21600" y="21600"/>
+                </a:lnTo>
+              </a:path>
+            </a:pathLst>
+          </a:custGeom>
+          <a:noFill/>
+          <a:ln w="19080">
+            <a:solidFill>
+              <a:srgbClr val="0070c0"/>
+            </a:solidFill>
+            <a:round/>
+            <a:tailEnd len="med" type="triangle" w="med"/>
+          </a:ln>
+        </p:spPr>
+        <p:style>
+          <a:lnRef idx="1">
+            <a:schemeClr val="accent1"/>
+          </a:lnRef>
+          <a:fillRef idx="0">
+            <a:schemeClr val="accent1"/>
+          </a:fillRef>
+          <a:effectRef idx="0">
+            <a:schemeClr val="accent1"/>
+          </a:effectRef>
+          <a:fontRef idx="minor"/>
+        </p:style>
+      </p:sp>
+      <p:sp>
+        <p:nvSpPr>
+          <p:cNvPr id="109" name="CustomShape 21"/>
+          <p:cNvSpPr/>
+          <p:nvPr/>
+        </p:nvSpPr>
+        <p:spPr>
+          <a:xfrm>
+            <a:off x="1015200" y="-1358280"/>
+            <a:ext cx="2135160" cy="360"/>
+          </a:xfrm>
+          <a:custGeom>
+            <a:avLst/>
+            <a:gdLst/>
+            <a:ahLst/>
+            <a:rect l="l" t="t" r="r" b="b"/>
+            <a:pathLst>
+              <a:path w="21600" h="21600">
+                <a:moveTo>
+                  <a:pt x="0" y="0"/>
+                </a:moveTo>
+                <a:lnTo>
+                  <a:pt x="21600" y="21600"/>
+                </a:lnTo>
+              </a:path>
+            </a:pathLst>
+          </a:custGeom>
+          <a:noFill/>
+          <a:ln w="19080">
+            <a:solidFill>
+              <a:srgbClr val="0070c0"/>
+            </a:solidFill>
+            <a:round/>
+            <a:tailEnd len="med" type="triangle" w="med"/>
+          </a:ln>
+        </p:spPr>
+        <p:style>
+          <a:lnRef idx="1">
+            <a:schemeClr val="accent1"/>
+          </a:lnRef>
+          <a:fillRef idx="0">
+            <a:schemeClr val="accent1"/>
+          </a:fillRef>
+          <a:effectRef idx="0">
+            <a:schemeClr val="accent1"/>
+          </a:effectRef>
+          <a:fontRef idx="minor"/>
+        </p:style>
+      </p:sp>
+      <p:sp>
+        <p:nvSpPr>
+          <p:cNvPr id="110" name="CustomShape 22"/>
+          <p:cNvSpPr/>
+          <p:nvPr/>
+        </p:nvSpPr>
+        <p:spPr>
+          <a:xfrm>
+            <a:off x="1010160" y="9401760"/>
+            <a:ext cx="6082200" cy="360"/>
+          </a:xfrm>
+          <a:custGeom>
+            <a:avLst/>
+            <a:gdLst/>
+            <a:ahLst/>
+            <a:rect l="l" t="t" r="r" b="b"/>
+            <a:pathLst>
+              <a:path w="21600" h="21600">
+                <a:moveTo>
+                  <a:pt x="0" y="0"/>
+                </a:moveTo>
+                <a:lnTo>
+                  <a:pt x="21600" y="21600"/>
+                </a:lnTo>
+              </a:path>
+            </a:pathLst>
+          </a:custGeom>
+          <a:noFill/>
+          <a:ln w="19080">
+            <a:solidFill>
+              <a:srgbClr val="0070c0"/>
+            </a:solidFill>
+            <a:custDash>
+              <a:ds d="300000" sp="100000"/>
+            </a:custDash>
+            <a:round/>
+            <a:headEnd len="med" type="triangle" w="med"/>
+          </a:ln>
+        </p:spPr>
+        <p:style>
+          <a:lnRef idx="1">
+            <a:schemeClr val="accent1"/>
+          </a:lnRef>
+          <a:fillRef idx="0">
+            <a:schemeClr val="accent1"/>
+          </a:fillRef>
+          <a:effectRef idx="0">
+            <a:schemeClr val="accent1"/>
+          </a:effectRef>
+          <a:fontRef idx="minor"/>
+        </p:style>
+      </p:sp>
+      <p:sp>
+        <p:nvSpPr>
+          <p:cNvPr id="111" name="CustomShape 23"/>
+          <p:cNvSpPr/>
+          <p:nvPr/>
+        </p:nvSpPr>
+        <p:spPr>
+          <a:xfrm flipV="1">
+            <a:off x="3332160" y="-415440"/>
+            <a:ext cx="1664640" cy="360"/>
+          </a:xfrm>
+          <a:custGeom>
+            <a:avLst/>
+            <a:gdLst/>
+            <a:ahLst/>
+            <a:rect l="l" t="t" r="r" b="b"/>
+            <a:pathLst>
+              <a:path w="21600" h="21600">
+                <a:moveTo>
+                  <a:pt x="0" y="0"/>
+                </a:moveTo>
+                <a:lnTo>
+                  <a:pt x="21600" y="21600"/>
+                </a:lnTo>
+              </a:path>
+            </a:pathLst>
+          </a:custGeom>
+          <a:noFill/>
+          <a:ln w="19080">
+            <a:solidFill>
+              <a:srgbClr val="0070c0"/>
+            </a:solidFill>
+            <a:round/>
+            <a:tailEnd len="med" type="triangle" w="med"/>
+          </a:ln>
+        </p:spPr>
+        <p:style>
+          <a:lnRef idx="1">
+            <a:schemeClr val="accent1"/>
+          </a:lnRef>
+          <a:fillRef idx="0">
+            <a:schemeClr val="accent1"/>
+          </a:fillRef>
+          <a:effectRef idx="0">
+            <a:schemeClr val="accent1"/>
+          </a:effectRef>
+          <a:fontRef idx="minor"/>
+        </p:style>
+      </p:sp>
+      <p:sp>
+        <p:nvSpPr>
+          <p:cNvPr id="112" name="CustomShape 24"/>
+          <p:cNvSpPr/>
+          <p:nvPr/>
+        </p:nvSpPr>
+        <p:spPr>
+          <a:xfrm>
+            <a:off x="4983840" y="-424440"/>
+            <a:ext cx="183600" cy="681480"/>
+          </a:xfrm>
+          <a:prstGeom prst="rect">
+            <a:avLst/>
+          </a:prstGeom>
+          <a:solidFill>
+            <a:srgbClr val="0070c0"/>
+          </a:solidFill>
+          <a:ln>
+            <a:solidFill>
+              <a:srgbClr val="0070c0"/>
+            </a:solidFill>
+            <a:round/>
+          </a:ln>
+          <a:effectLst>
+            <a:outerShdw blurRad="40000" dir="5400000" dist="20000" rotWithShape="0">
+              <a:srgbClr val="000000">
+                <a:alpha val="38000"/>
+              </a:srgbClr>
+            </a:outerShdw>
+          </a:effectLst>
+        </p:spPr>
+        <p:style>
+          <a:lnRef idx="1">
+            <a:schemeClr val="accent3"/>
+          </a:lnRef>
+          <a:fillRef idx="2">
+            <a:schemeClr val="accent3"/>
+          </a:fillRef>
+          <a:effectRef idx="1">
+            <a:schemeClr val="accent3"/>
+          </a:effectRef>
+          <a:fontRef idx="minor"/>
+        </p:style>
+      </p:sp>
+      <p:sp>
+        <p:nvSpPr>
+          <p:cNvPr id="113" name="CustomShape 25"/>
+          <p:cNvSpPr/>
+          <p:nvPr/>
+        </p:nvSpPr>
+        <p:spPr>
+          <a:xfrm>
+            <a:off x="3475800" y="-677880"/>
+            <a:ext cx="1355400" cy="213120"/>
+          </a:xfrm>
+          <a:prstGeom prst="rect">
+            <a:avLst/>
+          </a:prstGeom>
+          <a:noFill/>
+          <a:ln>
+            <a:noFill/>
+          </a:ln>
+        </p:spPr>
+        <p:style>
+          <a:lnRef idx="0"/>
+          <a:fillRef idx="0"/>
+          <a:effectRef idx="0"/>
+          <a:fontRef idx="minor"/>
+        </p:style>
+        <p:txBody>
+          <a:bodyPr lIns="0" rIns="0" tIns="0" bIns="0"/>
+          <a:p>
+            <a:pPr algn="r">
+              <a:lnSpc>
+                <a:spcPct val="100000"/>
+              </a:lnSpc>
+            </a:pPr>
+            <a:r>
+              <a:rPr b="0" lang="en-SG" sz="1400" spc="-1" strike="noStrike">
+                <a:solidFill>
+                  <a:srgbClr val="0070c0"/>
+                </a:solidFill>
+                <a:latin typeface="Calibri"/>
+                <a:ea typeface="DejaVu Sans"/>
+              </a:rPr>
+              <a:t>parse(“a1”)</a:t>
+            </a:r>
+            <a:endParaRPr b="0" lang="en-SG" sz="1400" spc="-1" strike="noStrike">
+              <a:latin typeface="Arial"/>
+            </a:endParaRPr>
+          </a:p>
+        </p:txBody>
+      </p:sp>
+      <p:sp>
+        <p:nvSpPr>
+          <p:cNvPr id="114" name="CustomShape 26"/>
+          <p:cNvSpPr/>
+          <p:nvPr/>
+        </p:nvSpPr>
+        <p:spPr>
+          <a:xfrm flipV="1">
+            <a:off x="5180040" y="-309600"/>
+            <a:ext cx="1041480" cy="360"/>
+          </a:xfrm>
+          <a:custGeom>
+            <a:avLst/>
+            <a:gdLst/>
+            <a:ahLst/>
+            <a:rect l="l" t="t" r="r" b="b"/>
+            <a:pathLst>
+              <a:path w="21600" h="21600">
+                <a:moveTo>
+                  <a:pt x="0" y="0"/>
+                </a:moveTo>
+                <a:lnTo>
+                  <a:pt x="21600" y="21600"/>
+                </a:lnTo>
+              </a:path>
+            </a:pathLst>
+          </a:custGeom>
+          <a:noFill/>
+          <a:ln w="19080">
+            <a:solidFill>
+              <a:srgbClr val="0070c0"/>
+            </a:solidFill>
+            <a:round/>
+            <a:tailEnd len="med" type="triangle" w="med"/>
+          </a:ln>
+        </p:spPr>
+        <p:style>
+          <a:lnRef idx="1">
+            <a:schemeClr val="accent1"/>
+          </a:lnRef>
+          <a:fillRef idx="0">
+            <a:schemeClr val="accent1"/>
+          </a:fillRef>
+          <a:effectRef idx="0">
+            <a:schemeClr val="accent1"/>
+          </a:effectRef>
+          <a:fontRef idx="minor"/>
+        </p:style>
+      </p:sp>
+      <p:sp>
+        <p:nvSpPr>
+          <p:cNvPr id="115" name="CustomShape 27"/>
+          <p:cNvSpPr/>
+          <p:nvPr/>
+        </p:nvSpPr>
+        <p:spPr>
+          <a:xfrm>
+            <a:off x="5168160" y="182520"/>
+            <a:ext cx="1921320" cy="360"/>
+          </a:xfrm>
+          <a:custGeom>
+            <a:avLst/>
+            <a:gdLst/>
+            <a:ahLst/>
+            <a:rect l="l" t="t" r="r" b="b"/>
+            <a:pathLst>
+              <a:path w="21600" h="21600">
+                <a:moveTo>
+                  <a:pt x="0" y="0"/>
+                </a:moveTo>
+                <a:lnTo>
+                  <a:pt x="21600" y="21600"/>
+                </a:lnTo>
+              </a:path>
+            </a:pathLst>
+          </a:custGeom>
+          <a:noFill/>
+          <a:ln w="19080">
+            <a:solidFill>
+              <a:srgbClr val="0070c0"/>
+            </a:solidFill>
+            <a:custDash>
+              <a:ds d="300000" sp="100000"/>
+            </a:custDash>
+            <a:round/>
+            <a:headEnd len="med" type="triangle" w="med"/>
+          </a:ln>
+        </p:spPr>
+        <p:style>
+          <a:lnRef idx="1">
+            <a:schemeClr val="accent1"/>
+          </a:lnRef>
+          <a:fillRef idx="0">
+            <a:schemeClr val="accent1"/>
+          </a:fillRef>
+          <a:effectRef idx="0">
+            <a:schemeClr val="accent1"/>
+          </a:effectRef>
+          <a:fontRef idx="minor"/>
+        </p:style>
+      </p:sp>
+      <p:sp>
+        <p:nvSpPr>
+          <p:cNvPr id="116" name="CustomShape 28"/>
+          <p:cNvSpPr/>
+          <p:nvPr/>
+        </p:nvSpPr>
+        <p:spPr>
+          <a:xfrm>
+            <a:off x="3347280" y="237240"/>
+            <a:ext cx="1638000" cy="360"/>
+          </a:xfrm>
+          <a:custGeom>
+            <a:avLst/>
+            <a:gdLst/>
+            <a:ahLst/>
+            <a:rect l="l" t="t" r="r" b="b"/>
+            <a:pathLst>
+              <a:path w="21600" h="21600">
+                <a:moveTo>
+                  <a:pt x="0" y="0"/>
+                </a:moveTo>
+                <a:lnTo>
+                  <a:pt x="21600" y="21600"/>
+                </a:lnTo>
+              </a:path>
+            </a:pathLst>
+          </a:custGeom>
+          <a:noFill/>
+          <a:ln w="19080">
+            <a:solidFill>
+              <a:srgbClr val="0070c0"/>
+            </a:solidFill>
+            <a:custDash>
+              <a:ds d="300000" sp="100000"/>
+            </a:custDash>
+            <a:round/>
+            <a:headEnd len="med" type="triangle" w="med"/>
+          </a:ln>
+        </p:spPr>
+        <p:style>
+          <a:lnRef idx="1">
+            <a:schemeClr val="accent1"/>
+          </a:lnRef>
+          <a:fillRef idx="0">
+            <a:schemeClr val="accent1"/>
+          </a:fillRef>
+          <a:effectRef idx="0">
+            <a:schemeClr val="accent1"/>
+          </a:effectRef>
+          <a:fontRef idx="minor"/>
+        </p:style>
+      </p:sp>
+      <p:sp>
+        <p:nvSpPr>
+          <p:cNvPr id="117" name="CustomShape 29"/>
+          <p:cNvSpPr/>
+          <p:nvPr/>
+        </p:nvSpPr>
+        <p:spPr>
+          <a:xfrm>
+            <a:off x="7092720" y="798840"/>
+            <a:ext cx="186120" cy="8602560"/>
+          </a:xfrm>
+          <a:prstGeom prst="rect">
+            <a:avLst/>
+          </a:prstGeom>
+          <a:solidFill>
+            <a:srgbClr val="0070c0"/>
+          </a:solidFill>
+          <a:ln>
+            <a:solidFill>
+              <a:srgbClr val="0070c0"/>
+            </a:solidFill>
+            <a:round/>
+          </a:ln>
+          <a:effectLst>
+            <a:outerShdw blurRad="40000" dir="5400000" dist="20000" rotWithShape="0">
+              <a:srgbClr val="000000">
+                <a:alpha val="38000"/>
+              </a:srgbClr>
+            </a:outerShdw>
+          </a:effectLst>
+        </p:spPr>
+        <p:style>
+          <a:lnRef idx="1">
+            <a:schemeClr val="accent3"/>
+          </a:lnRef>
+          <a:fillRef idx="2">
+            <a:schemeClr val="accent3"/>
+          </a:fillRef>
+          <a:effectRef idx="1">
+            <a:schemeClr val="accent3"/>
+          </a:effectRef>
+          <a:fontRef idx="minor"/>
+        </p:style>
+      </p:sp>
+      <p:sp>
+        <p:nvSpPr>
+          <p:cNvPr id="118" name="CustomShape 30"/>
+          <p:cNvSpPr/>
+          <p:nvPr/>
+        </p:nvSpPr>
+        <p:spPr>
+          <a:xfrm>
+            <a:off x="7100280" y="-17640"/>
+            <a:ext cx="178560" cy="199080"/>
+          </a:xfrm>
+          <a:prstGeom prst="rect">
+            <a:avLst/>
+          </a:prstGeom>
+          <a:solidFill>
+            <a:srgbClr val="0070c0"/>
+          </a:solidFill>
+          <a:ln>
+            <a:solidFill>
+              <a:srgbClr val="0070c0"/>
+            </a:solidFill>
+            <a:round/>
+          </a:ln>
+          <a:effectLst>
+            <a:outerShdw blurRad="40000" dir="5400000" dist="20000" rotWithShape="0">
+              <a:srgbClr val="000000">
+                <a:alpha val="38000"/>
+              </a:srgbClr>
+            </a:outerShdw>
+          </a:effectLst>
+        </p:spPr>
+        <p:style>
+          <a:lnRef idx="1">
+            <a:schemeClr val="accent3"/>
+          </a:lnRef>
+          <a:fillRef idx="2">
+            <a:schemeClr val="accent3"/>
+          </a:fillRef>
+          <a:effectRef idx="1">
+            <a:schemeClr val="accent3"/>
+          </a:effectRef>
+          <a:fontRef idx="minor"/>
+        </p:style>
+      </p:sp>
+      <p:sp>
+        <p:nvSpPr>
+          <p:cNvPr id="119" name="CustomShape 31"/>
+          <p:cNvSpPr/>
+          <p:nvPr/>
+        </p:nvSpPr>
+        <p:spPr>
+          <a:xfrm>
+            <a:off x="6239160" y="-564840"/>
+            <a:ext cx="1896120" cy="543240"/>
+          </a:xfrm>
+          <a:prstGeom prst="rect">
+            <a:avLst/>
+          </a:prstGeom>
+          <a:solidFill>
+            <a:srgbClr val="0070c0"/>
+          </a:solidFill>
+          <a:ln w="19080">
+            <a:solidFill>
+              <a:srgbClr val="0070c0"/>
+            </a:solidFill>
+            <a:round/>
+          </a:ln>
+          <a:effectLst>
+            <a:outerShdw blurRad="40000" dir="5400000" dist="20000" rotWithShape="0">
+              <a:srgbClr val="000000">
+                <a:alpha val="38000"/>
+              </a:srgbClr>
+            </a:outerShdw>
+          </a:effectLst>
+        </p:spPr>
+        <p:style>
+          <a:lnRef idx="1">
+            <a:schemeClr val="accent2"/>
+          </a:lnRef>
+          <a:fillRef idx="2">
+            <a:schemeClr val="accent2"/>
+          </a:fillRef>
+          <a:effectRef idx="1">
+            <a:schemeClr val="accent2"/>
+          </a:effectRef>
+          <a:fontRef idx="minor"/>
+        </p:style>
+        <p:txBody>
+          <a:bodyPr lIns="90000" rIns="90000" tIns="45000" bIns="45000" anchor="ctr"/>
+          <a:p>
+            <a:pPr algn="ctr">
+              <a:lnSpc>
+                <a:spcPct val="100000"/>
+              </a:lnSpc>
+            </a:pPr>
+            <a:r>
+              <a:rPr b="0" lang="en-SG" sz="1600" spc="-1" strike="noStrike">
+                <a:solidFill>
+                  <a:srgbClr val="ffffff"/>
+                </a:solidFill>
+                <a:latin typeface="Calibri"/>
+                <a:ea typeface="DejaVu Sans"/>
+              </a:rPr>
+              <a:t>:Attack</a:t>
+            </a:r>
+            <a:endParaRPr b="0" lang="en-SG" sz="1600" spc="-1" strike="noStrike">
+              <a:latin typeface="Arial"/>
+            </a:endParaRPr>
+          </a:p>
+          <a:p>
+            <a:pPr algn="ctr">
+              <a:lnSpc>
+                <a:spcPct val="100000"/>
+              </a:lnSpc>
+            </a:pPr>
+            <a:r>
+              <a:rPr b="0" lang="en-SG" sz="1600" spc="-1" strike="noStrike">
+                <a:solidFill>
+                  <a:srgbClr val="ffffff"/>
+                </a:solidFill>
+                <a:latin typeface="Calibri"/>
+                <a:ea typeface="DejaVu Sans"/>
+              </a:rPr>
+              <a:t>Command</a:t>
+            </a:r>
+            <a:endParaRPr b="0" lang="en-SG" sz="1600" spc="-1" strike="noStrike">
+              <a:latin typeface="Arial"/>
+            </a:endParaRPr>
+          </a:p>
+        </p:txBody>
+      </p:sp>
+      <p:sp>
+        <p:nvSpPr>
+          <p:cNvPr id="120" name="CustomShape 32"/>
+          <p:cNvSpPr/>
+          <p:nvPr/>
+        </p:nvSpPr>
+        <p:spPr>
+          <a:xfrm>
+            <a:off x="7086960" y="9880200"/>
+            <a:ext cx="303840" cy="257400"/>
+          </a:xfrm>
+          <a:prstGeom prst="rect">
+            <a:avLst/>
+          </a:prstGeom>
+          <a:noFill/>
+          <a:ln>
+            <a:noFill/>
+          </a:ln>
+        </p:spPr>
+        <p:style>
+          <a:lnRef idx="0"/>
+          <a:fillRef idx="0"/>
+          <a:effectRef idx="0"/>
+          <a:fontRef idx="minor"/>
+        </p:style>
+        <p:txBody>
+          <a:bodyPr lIns="90000" rIns="90000" tIns="45000" bIns="45000"/>
+          <a:p>
+            <a:pPr>
+              <a:lnSpc>
+                <a:spcPct val="100000"/>
+              </a:lnSpc>
+            </a:pPr>
+            <a:r>
+              <a:rPr b="0" lang="en-SG" sz="1100" spc="-1" strike="noStrike">
+                <a:solidFill>
+                  <a:srgbClr val="002060"/>
+                </a:solidFill>
+                <a:latin typeface="Calibri"/>
+                <a:ea typeface="DejaVu Sans"/>
+              </a:rPr>
+              <a:t>X</a:t>
+            </a:r>
+            <a:endParaRPr b="0" lang="en-SG" sz="1100" spc="-1" strike="noStrike">
+              <a:latin typeface="Arial"/>
+            </a:endParaRPr>
+          </a:p>
+        </p:txBody>
+      </p:sp>
+      <p:grpSp>
+        <p:nvGrpSpPr>
+          <p:cNvPr id="121" name="Group 33"/>
+          <p:cNvGrpSpPr/>
+          <p:nvPr/>
+        </p:nvGrpSpPr>
+        <p:grpSpPr>
+          <a:xfrm>
+            <a:off x="7886520" y="8427240"/>
+            <a:ext cx="1163160" cy="974520"/>
+            <a:chOff x="7886520" y="8427240"/>
+            <a:chExt cx="1163160" cy="974520"/>
+          </a:xfrm>
+        </p:grpSpPr>
+        <p:sp>
+          <p:nvSpPr>
+            <p:cNvPr id="122" name="CustomShape 34"/>
+            <p:cNvSpPr/>
+            <p:nvPr/>
+          </p:nvSpPr>
+          <p:spPr>
+            <a:xfrm>
+              <a:off x="7886520" y="8427240"/>
+              <a:ext cx="1163160" cy="607320"/>
             </a:xfrm>
             <a:prstGeom prst="rect">
               <a:avLst/>
@@ -3501,3229 +6061,14 @@
         </p:sp>
         <p:sp>
           <p:nvSpPr>
-            <p:cNvPr id="70" name="Line 33"/>
-            <p:cNvSpPr/>
-            <p:nvPr/>
-          </p:nvSpPr>
-          <p:spPr>
-            <a:xfrm>
-              <a:off x="6945120" y="5845320"/>
-              <a:ext cx="360" cy="914040"/>
-            </a:xfrm>
-            <a:prstGeom prst="line">
-              <a:avLst/>
-            </a:prstGeom>
-            <a:ln w="19080">
-              <a:solidFill>
-                <a:srgbClr val="0070c0"/>
-              </a:solidFill>
-              <a:custDash>
-                <a:ds d="300000" sp="100000"/>
-              </a:custDash>
-              <a:round/>
-            </a:ln>
-          </p:spPr>
-          <p:style>
-            <a:lnRef idx="1">
-              <a:schemeClr val="accent1"/>
-            </a:lnRef>
-            <a:fillRef idx="2">
-              <a:schemeClr val="accent1"/>
-            </a:fillRef>
-            <a:effectRef idx="1">
-              <a:schemeClr val="accent1"/>
-            </a:effectRef>
-            <a:fontRef idx="minor"/>
-          </p:style>
-        </p:sp>
-        <p:sp>
-          <p:nvSpPr>
-            <p:cNvPr id="71" name="CustomShape 34"/>
-            <p:cNvSpPr/>
-            <p:nvPr/>
-          </p:nvSpPr>
-          <p:spPr>
-            <a:xfrm>
-              <a:off x="6880320" y="5845680"/>
-              <a:ext cx="128160" cy="212400"/>
-            </a:xfrm>
-            <a:prstGeom prst="rect">
-              <a:avLst/>
-            </a:prstGeom>
-            <a:solidFill>
-              <a:srgbClr val="0070c0"/>
-            </a:solidFill>
-            <a:ln>
-              <a:solidFill>
-                <a:srgbClr val="0070c0"/>
-              </a:solidFill>
-              <a:round/>
-            </a:ln>
-            <a:effectLst>
-              <a:outerShdw blurRad="40000" dir="5400000" dist="20000" rotWithShape="0">
-                <a:srgbClr val="000000">
-                  <a:alpha val="38000"/>
-                </a:srgbClr>
-              </a:outerShdw>
-            </a:effectLst>
-          </p:spPr>
-          <p:style>
-            <a:lnRef idx="1">
-              <a:schemeClr val="accent3"/>
-            </a:lnRef>
-            <a:fillRef idx="2">
-              <a:schemeClr val="accent3"/>
-            </a:fillRef>
-            <a:effectRef idx="1">
-              <a:schemeClr val="accent3"/>
-            </a:effectRef>
-            <a:fontRef idx="minor"/>
-          </p:style>
-        </p:sp>
-      </p:grpSp>
-      <p:sp>
-        <p:nvSpPr>
-          <p:cNvPr id="72" name="CustomShape 35"/>
-          <p:cNvSpPr/>
-          <p:nvPr/>
-        </p:nvSpPr>
-        <p:spPr>
-          <a:xfrm>
-            <a:off x="5640120" y="5575680"/>
-            <a:ext cx="623520" cy="360"/>
-          </a:xfrm>
-          <a:custGeom>
-            <a:avLst/>
-            <a:gdLst/>
-            <a:ahLst/>
-            <a:rect l="l" t="t" r="r" b="b"/>
-            <a:pathLst>
-              <a:path w="21600" h="21600">
-                <a:moveTo>
-                  <a:pt x="0" y="0"/>
-                </a:moveTo>
-                <a:lnTo>
-                  <a:pt x="21600" y="21600"/>
-                </a:lnTo>
-              </a:path>
-            </a:pathLst>
-          </a:custGeom>
-          <a:noFill/>
-          <a:ln w="19080">
-            <a:solidFill>
-              <a:srgbClr val="0070c0"/>
-            </a:solidFill>
-            <a:round/>
-            <a:tailEnd len="med" type="triangle" w="med"/>
-          </a:ln>
-        </p:spPr>
-        <p:style>
-          <a:lnRef idx="1">
-            <a:schemeClr val="accent1"/>
-          </a:lnRef>
-          <a:fillRef idx="0">
-            <a:schemeClr val="accent1"/>
-          </a:fillRef>
-          <a:effectRef idx="0">
-            <a:schemeClr val="accent1"/>
-          </a:effectRef>
-          <a:fontRef idx="minor"/>
-        </p:style>
-      </p:sp>
-      <p:sp>
-        <p:nvSpPr>
-          <p:cNvPr id="73" name="CustomShape 36"/>
-          <p:cNvSpPr/>
-          <p:nvPr/>
-        </p:nvSpPr>
-        <p:spPr>
-          <a:xfrm>
-            <a:off x="5671440" y="6064200"/>
-            <a:ext cx="1296720" cy="360"/>
-          </a:xfrm>
-          <a:custGeom>
-            <a:avLst/>
-            <a:gdLst/>
-            <a:ahLst/>
-            <a:rect l="l" t="t" r="r" b="b"/>
-            <a:pathLst>
-              <a:path w="21600" h="21600">
-                <a:moveTo>
-                  <a:pt x="0" y="0"/>
-                </a:moveTo>
-                <a:lnTo>
-                  <a:pt x="21600" y="21600"/>
-                </a:lnTo>
-              </a:path>
-            </a:pathLst>
-          </a:custGeom>
-          <a:noFill/>
-          <a:ln w="19080">
-            <a:solidFill>
-              <a:srgbClr val="0070c0"/>
-            </a:solidFill>
-            <a:custDash>
-              <a:ds d="300000" sp="100000"/>
-            </a:custDash>
-            <a:round/>
-            <a:headEnd len="med" type="triangle" w="med"/>
-          </a:ln>
-        </p:spPr>
-        <p:style>
-          <a:lnRef idx="1">
-            <a:schemeClr val="accent1"/>
-          </a:lnRef>
-          <a:fillRef idx="0">
-            <a:schemeClr val="accent1"/>
-          </a:fillRef>
-          <a:effectRef idx="0">
-            <a:schemeClr val="accent1"/>
-          </a:effectRef>
-          <a:fontRef idx="minor"/>
-        </p:style>
-      </p:sp>
-      <p:sp>
-        <p:nvSpPr>
-          <p:cNvPr id="74" name="CustomShape 37"/>
-          <p:cNvSpPr/>
-          <p:nvPr/>
-        </p:nvSpPr>
-        <p:spPr>
-          <a:xfrm>
-            <a:off x="6819840" y="6726240"/>
-            <a:ext cx="318960" cy="257400"/>
-          </a:xfrm>
-          <a:prstGeom prst="rect">
-            <a:avLst/>
-          </a:prstGeom>
-          <a:noFill/>
-          <a:ln>
-            <a:noFill/>
-          </a:ln>
-        </p:spPr>
-        <p:style>
-          <a:lnRef idx="0"/>
-          <a:fillRef idx="0"/>
-          <a:effectRef idx="0"/>
-          <a:fontRef idx="minor"/>
-        </p:style>
-        <p:txBody>
-          <a:bodyPr lIns="90000" rIns="90000" tIns="45000" bIns="45000"/>
-          <a:p>
-            <a:pPr>
-              <a:lnSpc>
-                <a:spcPct val="100000"/>
-              </a:lnSpc>
-            </a:pPr>
-            <a:r>
-              <a:rPr b="0" lang="en-SG" sz="1100" spc="-1" strike="noStrike">
-                <a:solidFill>
-                  <a:srgbClr val="002060"/>
-                </a:solidFill>
-                <a:latin typeface="Calibri"/>
-                <a:ea typeface="DejaVu Sans"/>
-              </a:rPr>
-              <a:t>X</a:t>
-            </a:r>
-            <a:endParaRPr b="0" lang="en-SG" sz="1100" spc="-1" strike="noStrike">
-              <a:latin typeface="Arial"/>
-            </a:endParaRPr>
-          </a:p>
-        </p:txBody>
-      </p:sp>
-      <p:sp>
-        <p:nvSpPr>
-          <p:cNvPr id="75" name="CustomShape 38"/>
-          <p:cNvSpPr/>
-          <p:nvPr/>
-        </p:nvSpPr>
-        <p:spPr>
-          <a:xfrm>
-            <a:off x="-1556640" y="1461960"/>
-            <a:ext cx="2347920" cy="360"/>
-          </a:xfrm>
-          <a:custGeom>
-            <a:avLst/>
-            <a:gdLst/>
-            <a:ahLst/>
-            <a:rect l="l" t="t" r="r" b="b"/>
-            <a:pathLst>
-              <a:path w="21600" h="21600">
-                <a:moveTo>
-                  <a:pt x="0" y="0"/>
-                </a:moveTo>
-                <a:lnTo>
-                  <a:pt x="21600" y="21600"/>
-                </a:lnTo>
-              </a:path>
-            </a:pathLst>
-          </a:custGeom>
-          <a:noFill/>
-          <a:ln w="19080">
-            <a:solidFill>
-              <a:srgbClr val="00b050"/>
-            </a:solidFill>
-            <a:round/>
-            <a:tailEnd len="med" type="triangle" w="med"/>
-          </a:ln>
-        </p:spPr>
-        <p:style>
-          <a:lnRef idx="1">
-            <a:schemeClr val="accent1"/>
-          </a:lnRef>
-          <a:fillRef idx="0">
-            <a:schemeClr val="accent1"/>
-          </a:fillRef>
-          <a:effectRef idx="0">
-            <a:schemeClr val="accent1"/>
-          </a:effectRef>
-          <a:fontRef idx="minor"/>
-        </p:style>
-      </p:sp>
-      <p:sp>
-        <p:nvSpPr>
-          <p:cNvPr id="76" name="CustomShape 39"/>
-          <p:cNvSpPr/>
-          <p:nvPr/>
-        </p:nvSpPr>
-        <p:spPr>
-          <a:xfrm>
-            <a:off x="-1631520" y="1115280"/>
-            <a:ext cx="2256480" cy="213120"/>
-          </a:xfrm>
-          <a:prstGeom prst="rect">
-            <a:avLst/>
-          </a:prstGeom>
-          <a:noFill/>
-          <a:ln>
-            <a:noFill/>
-          </a:ln>
-        </p:spPr>
-        <p:style>
-          <a:lnRef idx="0"/>
-          <a:fillRef idx="0"/>
-          <a:effectRef idx="0"/>
-          <a:fontRef idx="minor"/>
-        </p:style>
-        <p:txBody>
-          <a:bodyPr lIns="0" rIns="0" tIns="0" bIns="0"/>
-          <a:p>
-            <a:pPr algn="r">
-              <a:lnSpc>
-                <a:spcPct val="100000"/>
-              </a:lnSpc>
-            </a:pPr>
-            <a:r>
-              <a:rPr b="0" lang="en-SG" sz="1400" spc="-1" strike="noStrike">
-                <a:solidFill>
-                  <a:srgbClr val="0070c0"/>
-                </a:solidFill>
-                <a:latin typeface="Calibri"/>
-                <a:ea typeface="DejaVu Sans"/>
-              </a:rPr>
-              <a:t>execute(“start”)</a:t>
-            </a:r>
-            <a:endParaRPr b="0" lang="en-SG" sz="1400" spc="-1" strike="noStrike">
-              <a:latin typeface="Arial"/>
-            </a:endParaRPr>
-          </a:p>
-        </p:txBody>
-      </p:sp>
-      <p:sp>
-        <p:nvSpPr>
-          <p:cNvPr id="77" name="CustomShape 40"/>
-          <p:cNvSpPr/>
-          <p:nvPr/>
-        </p:nvSpPr>
-        <p:spPr>
-          <a:xfrm flipV="1">
-            <a:off x="5691960" y="3056040"/>
-            <a:ext cx="3192120" cy="360"/>
-          </a:xfrm>
-          <a:custGeom>
-            <a:avLst/>
-            <a:gdLst/>
-            <a:ahLst/>
-            <a:rect l="l" t="t" r="r" b="b"/>
-            <a:pathLst>
-              <a:path w="21600" h="21600">
-                <a:moveTo>
-                  <a:pt x="0" y="0"/>
-                </a:moveTo>
-                <a:lnTo>
-                  <a:pt x="21600" y="21600"/>
-                </a:lnTo>
-              </a:path>
-            </a:pathLst>
-          </a:custGeom>
-          <a:noFill/>
-          <a:ln w="19080">
-            <a:solidFill>
-              <a:srgbClr val="7030a0"/>
-            </a:solidFill>
-            <a:custDash>
-              <a:ds d="300000" sp="100000"/>
-            </a:custDash>
-            <a:round/>
-            <a:headEnd len="med" type="triangle" w="med"/>
-          </a:ln>
-        </p:spPr>
-        <p:style>
-          <a:lnRef idx="1">
-            <a:schemeClr val="accent1"/>
-          </a:lnRef>
-          <a:fillRef idx="0">
-            <a:schemeClr val="accent1"/>
-          </a:fillRef>
-          <a:effectRef idx="0">
-            <a:schemeClr val="accent1"/>
-          </a:effectRef>
-          <a:fontRef idx="minor"/>
-        </p:style>
-      </p:sp>
-      <p:sp>
-        <p:nvSpPr>
-          <p:cNvPr id="78" name="CustomShape 41"/>
-          <p:cNvSpPr/>
-          <p:nvPr/>
-        </p:nvSpPr>
-        <p:spPr>
-          <a:xfrm flipV="1">
-            <a:off x="5691960" y="2860920"/>
-            <a:ext cx="3192120" cy="360"/>
-          </a:xfrm>
-          <a:custGeom>
-            <a:avLst/>
-            <a:gdLst/>
-            <a:ahLst/>
-            <a:rect l="l" t="t" r="r" b="b"/>
-            <a:pathLst>
-              <a:path w="21600" h="21600">
-                <a:moveTo>
-                  <a:pt x="0" y="0"/>
-                </a:moveTo>
-                <a:lnTo>
-                  <a:pt x="21600" y="21600"/>
-                </a:lnTo>
-              </a:path>
-            </a:pathLst>
-          </a:custGeom>
-          <a:noFill/>
-          <a:ln w="19080">
-            <a:solidFill>
-              <a:srgbClr val="0070c0"/>
-            </a:solidFill>
-            <a:round/>
-            <a:tailEnd len="med" type="triangle" w="med"/>
-          </a:ln>
-        </p:spPr>
-        <p:style>
-          <a:lnRef idx="1">
-            <a:schemeClr val="accent1"/>
-          </a:lnRef>
-          <a:fillRef idx="0">
-            <a:schemeClr val="accent1"/>
-          </a:fillRef>
-          <a:effectRef idx="0">
-            <a:schemeClr val="accent1"/>
-          </a:effectRef>
-          <a:fontRef idx="minor"/>
-        </p:style>
-      </p:sp>
-      <p:sp>
-        <p:nvSpPr>
-          <p:cNvPr id="79" name="CustomShape 42"/>
-          <p:cNvSpPr/>
-          <p:nvPr/>
-        </p:nvSpPr>
-        <p:spPr>
-          <a:xfrm>
-            <a:off x="5833800" y="2612880"/>
-            <a:ext cx="2174400" cy="182520"/>
-          </a:xfrm>
-          <a:prstGeom prst="rect">
-            <a:avLst/>
-          </a:prstGeom>
-          <a:noFill/>
-          <a:ln>
-            <a:noFill/>
-          </a:ln>
-        </p:spPr>
-        <p:style>
-          <a:lnRef idx="0"/>
-          <a:fillRef idx="0"/>
-          <a:effectRef idx="0"/>
-          <a:fontRef idx="minor"/>
-        </p:style>
-        <p:txBody>
-          <a:bodyPr lIns="0" rIns="0" tIns="0" bIns="0"/>
-          <a:p>
-            <a:pPr algn="r">
-              <a:lnSpc>
-                <a:spcPct val="100000"/>
-              </a:lnSpc>
-            </a:pPr>
-            <a:r>
-              <a:rPr b="0" lang="en-SG" sz="1200" spc="-1" strike="noStrike">
-                <a:solidFill>
-                  <a:srgbClr val="0070c0"/>
-                </a:solidFill>
-                <a:latin typeface="Calibri"/>
-                <a:ea typeface="DejaVu Sans"/>
-              </a:rPr>
-              <a:t>setState(ENEMY_PUT_SHIP</a:t>
-            </a:r>
-            <a:r>
-              <a:rPr b="0" lang="en-SG" sz="1200" spc="-1" strike="noStrike">
-                <a:solidFill>
-                  <a:srgbClr val="0070c0"/>
-                </a:solidFill>
-                <a:latin typeface="Calibri"/>
-                <a:ea typeface="DejaVu Sans"/>
-              </a:rPr>
-              <a:t>)</a:t>
-            </a:r>
-            <a:endParaRPr b="0" lang="en-SG" sz="1200" spc="-1" strike="noStrike">
-              <a:latin typeface="Arial"/>
-            </a:endParaRPr>
-          </a:p>
-        </p:txBody>
-      </p:sp>
-      <p:sp>
-        <p:nvSpPr>
-          <p:cNvPr id="80" name="CustomShape 43"/>
-          <p:cNvSpPr/>
-          <p:nvPr/>
-        </p:nvSpPr>
-        <p:spPr>
-          <a:xfrm flipV="1">
-            <a:off x="5691960" y="5114160"/>
-            <a:ext cx="3192120" cy="2160"/>
-          </a:xfrm>
-          <a:custGeom>
-            <a:avLst/>
-            <a:gdLst/>
-            <a:ahLst/>
-            <a:rect l="l" t="t" r="r" b="b"/>
-            <a:pathLst>
-              <a:path w="21600" h="21600">
-                <a:moveTo>
-                  <a:pt x="0" y="0"/>
-                </a:moveTo>
-                <a:lnTo>
-                  <a:pt x="21600" y="21600"/>
-                </a:lnTo>
-              </a:path>
-            </a:pathLst>
-          </a:custGeom>
-          <a:noFill/>
-          <a:ln w="19080">
-            <a:solidFill>
-              <a:srgbClr val="7030a0"/>
-            </a:solidFill>
-            <a:custDash>
-              <a:ds d="300000" sp="100000"/>
-            </a:custDash>
-            <a:round/>
-            <a:headEnd len="med" type="triangle" w="med"/>
-          </a:ln>
-        </p:spPr>
-        <p:style>
-          <a:lnRef idx="1">
-            <a:schemeClr val="accent1"/>
-          </a:lnRef>
-          <a:fillRef idx="0">
-            <a:schemeClr val="accent1"/>
-          </a:fillRef>
-          <a:effectRef idx="0">
-            <a:schemeClr val="accent1"/>
-          </a:effectRef>
-          <a:fontRef idx="minor"/>
-        </p:style>
-      </p:sp>
-      <p:sp>
-        <p:nvSpPr>
-          <p:cNvPr id="81" name="CustomShape 44"/>
-          <p:cNvSpPr/>
-          <p:nvPr/>
-        </p:nvSpPr>
-        <p:spPr>
-          <a:xfrm flipV="1">
-            <a:off x="5691960" y="4927320"/>
-            <a:ext cx="3192120" cy="360"/>
-          </a:xfrm>
-          <a:custGeom>
-            <a:avLst/>
-            <a:gdLst/>
-            <a:ahLst/>
-            <a:rect l="l" t="t" r="r" b="b"/>
-            <a:pathLst>
-              <a:path w="21600" h="21600">
-                <a:moveTo>
-                  <a:pt x="0" y="0"/>
-                </a:moveTo>
-                <a:lnTo>
-                  <a:pt x="21600" y="21600"/>
-                </a:lnTo>
-              </a:path>
-            </a:pathLst>
-          </a:custGeom>
-          <a:noFill/>
-          <a:ln w="19080">
-            <a:solidFill>
-              <a:srgbClr val="0070c0"/>
-            </a:solidFill>
-            <a:round/>
-            <a:tailEnd len="med" type="triangle" w="med"/>
-          </a:ln>
-        </p:spPr>
-        <p:style>
-          <a:lnRef idx="1">
-            <a:schemeClr val="accent1"/>
-          </a:lnRef>
-          <a:fillRef idx="0">
-            <a:schemeClr val="accent1"/>
-          </a:fillRef>
-          <a:effectRef idx="0">
-            <a:schemeClr val="accent1"/>
-          </a:effectRef>
-          <a:fontRef idx="minor"/>
-        </p:style>
-      </p:sp>
-      <p:sp>
-        <p:nvSpPr>
-          <p:cNvPr id="82" name="CustomShape 45"/>
-          <p:cNvSpPr/>
-          <p:nvPr/>
-        </p:nvSpPr>
-        <p:spPr>
-          <a:xfrm>
-            <a:off x="5833800" y="4679280"/>
-            <a:ext cx="2174400" cy="182520"/>
-          </a:xfrm>
-          <a:prstGeom prst="rect">
-            <a:avLst/>
-          </a:prstGeom>
-          <a:noFill/>
-          <a:ln>
-            <a:noFill/>
-          </a:ln>
-        </p:spPr>
-        <p:style>
-          <a:lnRef idx="0"/>
-          <a:fillRef idx="0"/>
-          <a:effectRef idx="0"/>
-          <a:fontRef idx="minor"/>
-        </p:style>
-        <p:txBody>
-          <a:bodyPr lIns="0" rIns="0" tIns="0" bIns="0"/>
-          <a:p>
-            <a:pPr algn="r">
-              <a:lnSpc>
-                <a:spcPct val="100000"/>
-              </a:lnSpc>
-            </a:pPr>
-            <a:r>
-              <a:rPr b="0" lang="en-SG" sz="1200" spc="-1" strike="noStrike">
-                <a:solidFill>
-                  <a:srgbClr val="0070c0"/>
-                </a:solidFill>
-                <a:latin typeface="Calibri"/>
-                <a:ea typeface="DejaVu Sans"/>
-              </a:rPr>
-              <a:t>setState(PLAYER_ATT</a:t>
-            </a:r>
-            <a:r>
-              <a:rPr b="0" lang="en-SG" sz="1200" spc="-1" strike="noStrike">
-                <a:solidFill>
-                  <a:srgbClr val="0070c0"/>
-                </a:solidFill>
-                <a:latin typeface="Calibri"/>
-                <a:ea typeface="DejaVu Sans"/>
-              </a:rPr>
-              <a:t>ACK)</a:t>
-            </a:r>
-            <a:endParaRPr b="0" lang="en-SG" sz="1200" spc="-1" strike="noStrike">
-              <a:latin typeface="Arial"/>
-            </a:endParaRPr>
-          </a:p>
-        </p:txBody>
-      </p:sp>
-      <p:sp>
-        <p:nvSpPr>
-          <p:cNvPr id="83" name="CustomShape 46"/>
-          <p:cNvSpPr/>
-          <p:nvPr/>
-        </p:nvSpPr>
-        <p:spPr>
-          <a:xfrm>
-            <a:off x="12997440" y="30240"/>
-            <a:ext cx="2478960" cy="6983640"/>
-          </a:xfrm>
-          <a:prstGeom prst="roundRect">
-            <a:avLst>
-              <a:gd name="adj" fmla="val 3484"/>
-            </a:avLst>
-          </a:prstGeom>
-          <a:solidFill>
-            <a:srgbClr val="dddddd"/>
-          </a:solidFill>
-          <a:ln w="19080">
-            <a:noFill/>
-          </a:ln>
-          <a:effectLst>
-            <a:outerShdw blurRad="40000" dir="5400000" dist="20000" rotWithShape="0">
-              <a:srgbClr val="000000">
-                <a:alpha val="38000"/>
-              </a:srgbClr>
-            </a:outerShdw>
-          </a:effectLst>
-        </p:spPr>
-        <p:style>
-          <a:lnRef idx="1">
-            <a:schemeClr val="accent2"/>
-          </a:lnRef>
-          <a:fillRef idx="2">
-            <a:schemeClr val="accent2"/>
-          </a:fillRef>
-          <a:effectRef idx="1">
-            <a:schemeClr val="accent2"/>
-          </a:effectRef>
-          <a:fontRef idx="minor"/>
-        </p:style>
-        <p:txBody>
-          <a:bodyPr lIns="90000" rIns="90000" tIns="45000" bIns="45000"/>
-          <a:p>
-            <a:pPr>
-              <a:lnSpc>
-                <a:spcPct val="100000"/>
-              </a:lnSpc>
-            </a:pPr>
-            <a:r>
-              <a:rPr b="1" lang="en-SG" sz="1200" spc="-1" strike="noStrike">
-                <a:solidFill>
-                  <a:srgbClr val="808080"/>
-                </a:solidFill>
-                <a:latin typeface="Calibri"/>
-                <a:ea typeface="DejaVu Sans"/>
-              </a:rPr>
-              <a:t>AI</a:t>
-            </a:r>
-            <a:endParaRPr b="0" lang="en-SG" sz="1200" spc="-1" strike="noStrike">
-              <a:latin typeface="Arial"/>
-            </a:endParaRPr>
-          </a:p>
-        </p:txBody>
-      </p:sp>
-      <p:sp>
-        <p:nvSpPr>
-          <p:cNvPr id="84" name="CustomShape 47"/>
-          <p:cNvSpPr/>
-          <p:nvPr/>
-        </p:nvSpPr>
-        <p:spPr>
-          <a:xfrm>
-            <a:off x="13189320" y="404640"/>
-            <a:ext cx="2141640" cy="735840"/>
-          </a:xfrm>
-          <a:prstGeom prst="rect">
-            <a:avLst/>
-          </a:prstGeom>
-          <a:solidFill>
-            <a:srgbClr val="808080"/>
-          </a:solidFill>
-          <a:ln w="19080">
-            <a:solidFill>
-              <a:srgbClr val="7030a0"/>
-            </a:solidFill>
-            <a:round/>
-          </a:ln>
-          <a:effectLst>
-            <a:outerShdw blurRad="40000" dir="5400000" dist="20000" rotWithShape="0">
-              <a:srgbClr val="000000">
-                <a:alpha val="38000"/>
-              </a:srgbClr>
-            </a:outerShdw>
-          </a:effectLst>
-        </p:spPr>
-        <p:style>
-          <a:lnRef idx="1">
-            <a:schemeClr val="accent2"/>
-          </a:lnRef>
-          <a:fillRef idx="2">
-            <a:schemeClr val="accent2"/>
-          </a:fillRef>
-          <a:effectRef idx="1">
-            <a:schemeClr val="accent2"/>
-          </a:effectRef>
-          <a:fontRef idx="minor"/>
-        </p:style>
-        <p:txBody>
-          <a:bodyPr lIns="90000" rIns="90000" tIns="45000" bIns="45000" anchor="ctr"/>
-          <a:p>
-            <a:pPr algn="ctr">
-              <a:lnSpc>
-                <a:spcPct val="100000"/>
-              </a:lnSpc>
-            </a:pPr>
-            <a:r>
-              <a:rPr b="0" lang="en-SG" sz="1600" spc="-1" strike="noStrike">
-                <a:solidFill>
-                  <a:srgbClr val="ffffff"/>
-                </a:solidFill>
-                <a:latin typeface="Calibri"/>
-                <a:ea typeface="DejaVu Sans"/>
-              </a:rPr>
-              <a:t>:Enemy</a:t>
-            </a:r>
-            <a:endParaRPr b="0" lang="en-SG" sz="1600" spc="-1" strike="noStrike">
-              <a:latin typeface="Arial"/>
-            </a:endParaRPr>
-          </a:p>
-        </p:txBody>
-      </p:sp>
-      <p:sp>
-        <p:nvSpPr>
-          <p:cNvPr id="85" name="Line 48"/>
-          <p:cNvSpPr/>
-          <p:nvPr/>
-        </p:nvSpPr>
-        <p:spPr>
-          <a:xfrm>
-            <a:off x="14286960" y="1140840"/>
-            <a:ext cx="1080" cy="5906880"/>
-          </a:xfrm>
-          <a:prstGeom prst="line">
-            <a:avLst/>
-          </a:prstGeom>
-          <a:ln w="19080">
-            <a:solidFill>
-              <a:srgbClr val="7030a0"/>
-            </a:solidFill>
-            <a:custDash>
-              <a:ds d="300000" sp="100000"/>
-            </a:custDash>
-            <a:round/>
-          </a:ln>
-        </p:spPr>
-        <p:style>
-          <a:lnRef idx="1">
-            <a:schemeClr val="accent1"/>
-          </a:lnRef>
-          <a:fillRef idx="2">
-            <a:schemeClr val="accent1"/>
-          </a:fillRef>
-          <a:effectRef idx="1">
-            <a:schemeClr val="accent1"/>
-          </a:effectRef>
-          <a:fontRef idx="minor"/>
-        </p:style>
-      </p:sp>
-      <p:sp>
-        <p:nvSpPr>
-          <p:cNvPr id="86" name="CustomShape 49"/>
-          <p:cNvSpPr/>
-          <p:nvPr/>
-        </p:nvSpPr>
-        <p:spPr>
-          <a:xfrm>
-            <a:off x="14194080" y="3371760"/>
-            <a:ext cx="208080" cy="840240"/>
-          </a:xfrm>
-          <a:prstGeom prst="rect">
-            <a:avLst/>
-          </a:prstGeom>
-          <a:solidFill>
-            <a:srgbClr val="808080"/>
-          </a:solidFill>
-          <a:ln>
-            <a:solidFill>
-              <a:srgbClr val="7030a0"/>
-            </a:solidFill>
-            <a:round/>
-          </a:ln>
-          <a:effectLst>
-            <a:outerShdw blurRad="40000" dir="5400000" dist="20000" rotWithShape="0">
-              <a:srgbClr val="000000">
-                <a:alpha val="38000"/>
-              </a:srgbClr>
-            </a:outerShdw>
-          </a:effectLst>
-        </p:spPr>
-        <p:style>
-          <a:lnRef idx="1">
-            <a:schemeClr val="accent3"/>
-          </a:lnRef>
-          <a:fillRef idx="2">
-            <a:schemeClr val="accent3"/>
-          </a:fillRef>
-          <a:effectRef idx="1">
-            <a:schemeClr val="accent3"/>
-          </a:effectRef>
-          <a:fontRef idx="minor"/>
-        </p:style>
-      </p:sp>
-      <p:sp>
-        <p:nvSpPr>
-          <p:cNvPr id="87" name="CustomShape 50"/>
-          <p:cNvSpPr/>
-          <p:nvPr/>
-        </p:nvSpPr>
-        <p:spPr>
-          <a:xfrm flipV="1">
-            <a:off x="5692320" y="3224520"/>
-            <a:ext cx="5862240" cy="360"/>
-          </a:xfrm>
-          <a:custGeom>
-            <a:avLst/>
-            <a:gdLst/>
-            <a:ahLst/>
-            <a:rect l="l" t="t" r="r" b="b"/>
-            <a:pathLst>
-              <a:path w="21600" h="21600">
-                <a:moveTo>
-                  <a:pt x="0" y="0"/>
-                </a:moveTo>
-                <a:lnTo>
-                  <a:pt x="21600" y="21600"/>
-                </a:lnTo>
-              </a:path>
-            </a:pathLst>
-          </a:custGeom>
-          <a:noFill/>
-          <a:ln w="19080">
-            <a:solidFill>
-              <a:srgbClr val="0070c0"/>
-            </a:solidFill>
-            <a:round/>
-            <a:tailEnd len="med" type="triangle" w="med"/>
-          </a:ln>
-        </p:spPr>
-        <p:style>
-          <a:lnRef idx="1">
-            <a:schemeClr val="accent1"/>
-          </a:lnRef>
-          <a:fillRef idx="0">
-            <a:schemeClr val="accent1"/>
-          </a:fillRef>
-          <a:effectRef idx="0">
-            <a:schemeClr val="accent1"/>
-          </a:effectRef>
-          <a:fontRef idx="minor"/>
-        </p:style>
-      </p:sp>
-      <p:sp>
-        <p:nvSpPr>
-          <p:cNvPr id="88" name="CustomShape 51"/>
-          <p:cNvSpPr/>
-          <p:nvPr/>
-        </p:nvSpPr>
-        <p:spPr>
-          <a:xfrm flipV="1">
-            <a:off x="5692320" y="4519440"/>
-            <a:ext cx="5834160" cy="3240"/>
-          </a:xfrm>
-          <a:custGeom>
-            <a:avLst/>
-            <a:gdLst/>
-            <a:ahLst/>
-            <a:rect l="l" t="t" r="r" b="b"/>
-            <a:pathLst>
-              <a:path w="21600" h="21600">
-                <a:moveTo>
-                  <a:pt x="0" y="0"/>
-                </a:moveTo>
-                <a:lnTo>
-                  <a:pt x="21600" y="21600"/>
-                </a:lnTo>
-              </a:path>
-            </a:pathLst>
-          </a:custGeom>
-          <a:noFill/>
-          <a:ln w="19080">
-            <a:solidFill>
-              <a:srgbClr val="009999"/>
-            </a:solidFill>
-            <a:custDash>
-              <a:ds d="300000" sp="100000"/>
-            </a:custDash>
-            <a:round/>
-            <a:headEnd len="med" type="triangle" w="med"/>
-          </a:ln>
-        </p:spPr>
-        <p:style>
-          <a:lnRef idx="1">
-            <a:schemeClr val="accent1"/>
-          </a:lnRef>
-          <a:fillRef idx="0">
-            <a:schemeClr val="accent1"/>
-          </a:fillRef>
-          <a:effectRef idx="0">
-            <a:schemeClr val="accent1"/>
-          </a:effectRef>
-          <a:fontRef idx="minor"/>
-        </p:style>
-      </p:sp>
-      <p:sp>
-        <p:nvSpPr>
-          <p:cNvPr id="89" name="CustomShape 52"/>
-          <p:cNvSpPr/>
-          <p:nvPr/>
-        </p:nvSpPr>
-        <p:spPr>
-          <a:xfrm>
-            <a:off x="9253800" y="3011760"/>
-            <a:ext cx="2174400" cy="182520"/>
-          </a:xfrm>
-          <a:prstGeom prst="rect">
-            <a:avLst/>
-          </a:prstGeom>
-          <a:noFill/>
-          <a:ln>
-            <a:noFill/>
-          </a:ln>
-        </p:spPr>
-        <p:style>
-          <a:lnRef idx="0"/>
-          <a:fillRef idx="0"/>
-          <a:effectRef idx="0"/>
-          <a:fontRef idx="minor"/>
-        </p:style>
-        <p:txBody>
-          <a:bodyPr lIns="0" rIns="0" tIns="0" bIns="0"/>
-          <a:p>
-            <a:pPr algn="r">
-              <a:lnSpc>
-                <a:spcPct val="100000"/>
-              </a:lnSpc>
-            </a:pPr>
-            <a:r>
-              <a:rPr b="0" lang="en-SG" sz="1200" spc="-1" strike="noStrike">
-                <a:solidFill>
-                  <a:srgbClr val="0070c0"/>
-                </a:solidFill>
-                <a:latin typeface="Calibri"/>
-                <a:ea typeface="DejaVu Sans"/>
-              </a:rPr>
-              <a:t>begi</a:t>
-            </a:r>
-            <a:r>
-              <a:rPr b="0" lang="en-SG" sz="1200" spc="-1" strike="noStrike">
-                <a:solidFill>
-                  <a:srgbClr val="0070c0"/>
-                </a:solidFill>
-                <a:latin typeface="Calibri"/>
-                <a:ea typeface="DejaVu Sans"/>
-              </a:rPr>
-              <a:t>nGa</a:t>
-            </a:r>
-            <a:r>
-              <a:rPr b="0" lang="en-SG" sz="1200" spc="-1" strike="noStrike">
-                <a:solidFill>
-                  <a:srgbClr val="0070c0"/>
-                </a:solidFill>
-                <a:latin typeface="Calibri"/>
-                <a:ea typeface="DejaVu Sans"/>
-              </a:rPr>
-              <a:t>me()</a:t>
-            </a:r>
-            <a:endParaRPr b="0" lang="en-SG" sz="1200" spc="-1" strike="noStrike">
-              <a:latin typeface="Arial"/>
-            </a:endParaRPr>
-          </a:p>
-        </p:txBody>
-      </p:sp>
-      <p:sp>
-        <p:nvSpPr>
-          <p:cNvPr id="90" name="CustomShape 53"/>
-          <p:cNvSpPr/>
-          <p:nvPr/>
-        </p:nvSpPr>
-        <p:spPr>
-          <a:xfrm flipV="1">
-            <a:off x="11763360" y="3369960"/>
-            <a:ext cx="2430360" cy="360"/>
-          </a:xfrm>
-          <a:custGeom>
-            <a:avLst/>
-            <a:gdLst/>
-            <a:ahLst/>
-            <a:rect l="l" t="t" r="r" b="b"/>
-            <a:pathLst>
-              <a:path w="21600" h="21600">
-                <a:moveTo>
-                  <a:pt x="0" y="0"/>
-                </a:moveTo>
-                <a:lnTo>
-                  <a:pt x="21600" y="21600"/>
-                </a:lnTo>
-              </a:path>
-            </a:pathLst>
-          </a:custGeom>
-          <a:noFill/>
-          <a:ln w="19080">
-            <a:solidFill>
-              <a:srgbClr val="009999"/>
-            </a:solidFill>
-            <a:round/>
-            <a:tailEnd len="med" type="triangle" w="med"/>
-          </a:ln>
-        </p:spPr>
-        <p:style>
-          <a:lnRef idx="1">
-            <a:schemeClr val="accent1"/>
-          </a:lnRef>
-          <a:fillRef idx="0">
-            <a:schemeClr val="accent1"/>
-          </a:fillRef>
-          <a:effectRef idx="0">
-            <a:schemeClr val="accent1"/>
-          </a:effectRef>
-          <a:fontRef idx="minor"/>
-        </p:style>
-      </p:sp>
-      <p:sp>
-        <p:nvSpPr>
-          <p:cNvPr id="91" name="CustomShape 54"/>
-          <p:cNvSpPr/>
-          <p:nvPr/>
-        </p:nvSpPr>
-        <p:spPr>
-          <a:xfrm>
-            <a:off x="11763360" y="4206600"/>
-            <a:ext cx="2430360" cy="5040"/>
-          </a:xfrm>
-          <a:custGeom>
-            <a:avLst/>
-            <a:gdLst/>
-            <a:ahLst/>
-            <a:rect l="l" t="t" r="r" b="b"/>
-            <a:pathLst>
-              <a:path w="21600" h="21600">
-                <a:moveTo>
-                  <a:pt x="0" y="0"/>
-                </a:moveTo>
-                <a:lnTo>
-                  <a:pt x="21600" y="21600"/>
-                </a:lnTo>
-              </a:path>
-            </a:pathLst>
-          </a:custGeom>
-          <a:noFill/>
-          <a:ln w="19080">
-            <a:solidFill>
-              <a:srgbClr val="808080"/>
-            </a:solidFill>
-            <a:custDash>
-              <a:ds d="300000" sp="100000"/>
-            </a:custDash>
-            <a:round/>
-            <a:headEnd len="med" type="triangle" w="med"/>
-          </a:ln>
-        </p:spPr>
-        <p:style>
-          <a:lnRef idx="1">
-            <a:schemeClr val="accent1"/>
-          </a:lnRef>
-          <a:fillRef idx="0">
-            <a:schemeClr val="accent1"/>
-          </a:fillRef>
-          <a:effectRef idx="0">
-            <a:schemeClr val="accent1"/>
-          </a:effectRef>
-          <a:fontRef idx="minor"/>
-        </p:style>
-      </p:sp>
-      <p:sp>
-        <p:nvSpPr>
-          <p:cNvPr id="92" name="CustomShape 55"/>
-          <p:cNvSpPr/>
-          <p:nvPr/>
-        </p:nvSpPr>
-        <p:spPr>
-          <a:xfrm>
-            <a:off x="11873160" y="3091680"/>
-            <a:ext cx="2174400" cy="182520"/>
-          </a:xfrm>
-          <a:prstGeom prst="rect">
-            <a:avLst/>
-          </a:prstGeom>
-          <a:noFill/>
-          <a:ln>
-            <a:noFill/>
-          </a:ln>
-        </p:spPr>
-        <p:style>
-          <a:lnRef idx="0"/>
-          <a:fillRef idx="0"/>
-          <a:effectRef idx="0"/>
-          <a:fontRef idx="minor"/>
-        </p:style>
-        <p:txBody>
-          <a:bodyPr lIns="0" rIns="0" tIns="0" bIns="0"/>
-          <a:p>
-            <a:pPr algn="r">
-              <a:lnSpc>
-                <a:spcPct val="100000"/>
-              </a:lnSpc>
-            </a:pPr>
-            <a:r>
-              <a:rPr b="0" lang="en-SG" sz="1200" spc="-1" strike="noStrike">
-                <a:solidFill>
-                  <a:srgbClr val="0070c0"/>
-                </a:solidFill>
-                <a:latin typeface="Calibri"/>
-                <a:ea typeface="DejaVu Sans"/>
-              </a:rPr>
-              <a:t>p</a:t>
-            </a:r>
-            <a:r>
-              <a:rPr b="0" lang="en-SG" sz="1200" spc="-1" strike="noStrike">
-                <a:solidFill>
-                  <a:srgbClr val="0070c0"/>
-                </a:solidFill>
-                <a:latin typeface="Calibri"/>
-                <a:ea typeface="DejaVu Sans"/>
-              </a:rPr>
-              <a:t>r</a:t>
-            </a:r>
-            <a:r>
-              <a:rPr b="0" lang="en-SG" sz="1200" spc="-1" strike="noStrike">
-                <a:solidFill>
-                  <a:srgbClr val="0070c0"/>
-                </a:solidFill>
-                <a:latin typeface="Calibri"/>
-                <a:ea typeface="DejaVu Sans"/>
-              </a:rPr>
-              <a:t>e</a:t>
-            </a:r>
-            <a:r>
-              <a:rPr b="0" lang="en-SG" sz="1200" spc="-1" strike="noStrike">
-                <a:solidFill>
-                  <a:srgbClr val="0070c0"/>
-                </a:solidFill>
-                <a:latin typeface="Calibri"/>
-                <a:ea typeface="DejaVu Sans"/>
-              </a:rPr>
-              <a:t>p</a:t>
-            </a:r>
-            <a:r>
-              <a:rPr b="0" lang="en-SG" sz="1200" spc="-1" strike="noStrike">
-                <a:solidFill>
-                  <a:srgbClr val="0070c0"/>
-                </a:solidFill>
-                <a:latin typeface="Calibri"/>
-                <a:ea typeface="DejaVu Sans"/>
-              </a:rPr>
-              <a:t>E</a:t>
-            </a:r>
-            <a:r>
-              <a:rPr b="0" lang="en-SG" sz="1200" spc="-1" strike="noStrike">
-                <a:solidFill>
-                  <a:srgbClr val="0070c0"/>
-                </a:solidFill>
-                <a:latin typeface="Calibri"/>
-                <a:ea typeface="DejaVu Sans"/>
-              </a:rPr>
-              <a:t>n</a:t>
-            </a:r>
-            <a:r>
-              <a:rPr b="0" lang="en-SG" sz="1200" spc="-1" strike="noStrike">
-                <a:solidFill>
-                  <a:srgbClr val="0070c0"/>
-                </a:solidFill>
-                <a:latin typeface="Calibri"/>
-                <a:ea typeface="DejaVu Sans"/>
-              </a:rPr>
-              <a:t>e</a:t>
-            </a:r>
-            <a:r>
-              <a:rPr b="0" lang="en-SG" sz="1200" spc="-1" strike="noStrike">
-                <a:solidFill>
-                  <a:srgbClr val="0070c0"/>
-                </a:solidFill>
-                <a:latin typeface="Calibri"/>
-                <a:ea typeface="DejaVu Sans"/>
-              </a:rPr>
-              <a:t>m</a:t>
-            </a:r>
-            <a:r>
-              <a:rPr b="0" lang="en-SG" sz="1200" spc="-1" strike="noStrike">
-                <a:solidFill>
-                  <a:srgbClr val="0070c0"/>
-                </a:solidFill>
-                <a:latin typeface="Calibri"/>
-                <a:ea typeface="DejaVu Sans"/>
-              </a:rPr>
-              <a:t>y</a:t>
-            </a:r>
-            <a:r>
-              <a:rPr b="0" lang="en-SG" sz="1200" spc="-1" strike="noStrike">
-                <a:solidFill>
-                  <a:srgbClr val="0070c0"/>
-                </a:solidFill>
-                <a:latin typeface="Calibri"/>
-                <a:ea typeface="DejaVu Sans"/>
-              </a:rPr>
-              <a:t>(</a:t>
-            </a:r>
-            <a:r>
-              <a:rPr b="0" lang="en-SG" sz="1200" spc="-1" strike="noStrike">
-                <a:solidFill>
-                  <a:srgbClr val="0070c0"/>
-                </a:solidFill>
-                <a:latin typeface="Calibri"/>
-                <a:ea typeface="DejaVu Sans"/>
-              </a:rPr>
-              <a:t>)</a:t>
-            </a:r>
-            <a:endParaRPr b="0" lang="en-SG" sz="1200" spc="-1" strike="noStrike">
-              <a:latin typeface="Arial"/>
-            </a:endParaRPr>
-          </a:p>
-        </p:txBody>
-      </p:sp>
-    </p:spTree>
-  </p:cSld>
-  <p:timing>
-    <p:tnLst>
-      <p:par>
-        <p:cTn id="1" dur="indefinite" restart="never" nodeType="tmRoot">
-          <p:childTnLst>
-            <p:seq>
-              <p:cTn id="2" dur="indefinite" nodeType="mainSeq"/>
-              <p:prevCondLst>
-                <p:cond delay="0" evt="onPrev">
-                  <p:tgtEl>
-                    <p:sldTgt/>
-                  </p:tgtEl>
-                </p:cond>
-              </p:prevCondLst>
-              <p:nextCondLst>
-                <p:cond delay="0" evt="onNext">
-                  <p:tgtEl>
-                    <p:sldTgt/>
-                  </p:tgtEl>
-                </p:cond>
-              </p:nextCondLst>
-            </p:seq>
-          </p:childTnLst>
-        </p:cTn>
-      </p:par>
-    </p:tnLst>
-  </p:timing>
-</p:sld>
-</file>
-
-<file path=ppt/slides/slide2.xml><?xml version="1.0" encoding="utf-8"?>
-<p:sld xmlns:a="http://schemas.openxmlformats.org/drawingml/2006/main" xmlns:p="http://schemas.openxmlformats.org/presentationml/2006/main" xmlns:r="http://schemas.openxmlformats.org/officeDocument/2006/relationships" xmlns:p14="http://schemas.microsoft.com/office/powerpoint/2010/main" xmlns:p15="http://schemas.microsoft.com/office/powerpoint/2012/main" xmlns:mc="http://schemas.openxmlformats.org/markup-compatibility/2006">
-  <p:cSld>
-    <p:spTree>
-      <p:nvGrpSpPr>
-        <p:cNvPr id="1" name=""/>
-        <p:cNvGrpSpPr/>
-        <p:nvPr/>
-      </p:nvGrpSpPr>
-      <p:grpSpPr>
-        <a:xfrm>
-          <a:off x="0" y="0"/>
-          <a:ext cx="0" cy="0"/>
-          <a:chOff x="0" y="0"/>
-          <a:chExt cx="0" cy="0"/>
-        </a:xfrm>
-      </p:grpSpPr>
-      <p:sp>
-        <p:nvSpPr>
-          <p:cNvPr id="93" name="CustomShape 1"/>
-          <p:cNvSpPr/>
-          <p:nvPr/>
-        </p:nvSpPr>
-        <p:spPr>
-          <a:xfrm>
-            <a:off x="-1397520" y="-2931840"/>
-            <a:ext cx="10676160" cy="13218480"/>
-          </a:xfrm>
-          <a:prstGeom prst="roundRect">
-            <a:avLst>
-              <a:gd name="adj" fmla="val 3484"/>
-            </a:avLst>
-          </a:prstGeom>
-          <a:solidFill>
-            <a:schemeClr val="accent1">
-              <a:lumMod val="20000"/>
-              <a:lumOff val="80000"/>
-            </a:schemeClr>
-          </a:solidFill>
-          <a:ln w="19080">
-            <a:noFill/>
-          </a:ln>
-          <a:effectLst>
-            <a:outerShdw blurRad="40000" dir="5400000" dist="20000" rotWithShape="0">
-              <a:srgbClr val="000000">
-                <a:alpha val="38000"/>
-              </a:srgbClr>
-            </a:outerShdw>
-          </a:effectLst>
-        </p:spPr>
-        <p:style>
-          <a:lnRef idx="1">
-            <a:schemeClr val="accent2"/>
-          </a:lnRef>
-          <a:fillRef idx="2">
-            <a:schemeClr val="accent2"/>
-          </a:fillRef>
-          <a:effectRef idx="1">
-            <a:schemeClr val="accent2"/>
-          </a:effectRef>
-          <a:fontRef idx="minor"/>
-        </p:style>
-        <p:txBody>
-          <a:bodyPr lIns="90000" rIns="90000" tIns="45000" bIns="45000"/>
-          <a:p>
-            <a:pPr>
-              <a:lnSpc>
-                <a:spcPct val="100000"/>
-              </a:lnSpc>
-            </a:pPr>
-            <a:r>
-              <a:rPr b="1" lang="en-SG" sz="1200" spc="-1" strike="noStrike">
-                <a:solidFill>
-                  <a:srgbClr val="0070c0"/>
-                </a:solidFill>
-                <a:latin typeface="Calibri"/>
-              </a:rPr>
-              <a:t>Logic</a:t>
-            </a:r>
-            <a:endParaRPr b="0" lang="en-SG" sz="1200" spc="-1" strike="noStrike">
-              <a:latin typeface="Arial"/>
-            </a:endParaRPr>
-          </a:p>
-        </p:txBody>
-      </p:sp>
-      <p:sp>
-        <p:nvSpPr>
-          <p:cNvPr id="94" name="Line 2"/>
-          <p:cNvSpPr/>
-          <p:nvPr/>
-        </p:nvSpPr>
-        <p:spPr>
-          <a:xfrm>
-            <a:off x="7188840" y="-20880"/>
-            <a:ext cx="12600" cy="9743040"/>
-          </a:xfrm>
-          <a:prstGeom prst="line">
-            <a:avLst/>
-          </a:prstGeom>
-          <a:ln w="19080">
-            <a:solidFill>
-              <a:srgbClr val="0070c0"/>
-            </a:solidFill>
-            <a:custDash>
-              <a:ds d="300000" sp="100000"/>
-            </a:custDash>
-            <a:round/>
-          </a:ln>
-        </p:spPr>
-        <p:style>
-          <a:lnRef idx="1">
-            <a:schemeClr val="accent1"/>
-          </a:lnRef>
-          <a:fillRef idx="2">
-            <a:schemeClr val="accent1"/>
-          </a:fillRef>
-          <a:effectRef idx="1">
-            <a:schemeClr val="accent1"/>
-          </a:effectRef>
-          <a:fontRef idx="minor"/>
-        </p:style>
-      </p:sp>
-      <p:sp>
-        <p:nvSpPr>
-          <p:cNvPr id="95" name="CustomShape 3"/>
-          <p:cNvSpPr/>
-          <p:nvPr/>
-        </p:nvSpPr>
-        <p:spPr>
-          <a:xfrm>
-            <a:off x="55080" y="-2324880"/>
-            <a:ext cx="1715040" cy="408240"/>
-          </a:xfrm>
-          <a:prstGeom prst="rect">
-            <a:avLst/>
-          </a:prstGeom>
-          <a:solidFill>
-            <a:srgbClr val="0070c0"/>
-          </a:solidFill>
-          <a:ln w="19080">
-            <a:solidFill>
-              <a:srgbClr val="0070c0"/>
-            </a:solidFill>
-            <a:round/>
-          </a:ln>
-          <a:effectLst>
-            <a:outerShdw blurRad="40000" dir="5400000" dist="20000" rotWithShape="0">
-              <a:srgbClr val="000000">
-                <a:alpha val="38000"/>
-              </a:srgbClr>
-            </a:outerShdw>
-          </a:effectLst>
-        </p:spPr>
-        <p:style>
-          <a:lnRef idx="1">
-            <a:schemeClr val="accent2"/>
-          </a:lnRef>
-          <a:fillRef idx="2">
-            <a:schemeClr val="accent2"/>
-          </a:fillRef>
-          <a:effectRef idx="1">
-            <a:schemeClr val="accent2"/>
-          </a:effectRef>
-          <a:fontRef idx="minor"/>
-        </p:style>
-        <p:txBody>
-          <a:bodyPr lIns="90000" rIns="90000" tIns="45000" bIns="45000" anchor="ctr"/>
-          <a:p>
-            <a:pPr algn="ctr">
-              <a:lnSpc>
-                <a:spcPct val="100000"/>
-              </a:lnSpc>
-            </a:pPr>
-            <a:r>
-              <a:rPr b="0" lang="en-SG" sz="1600" spc="-1" strike="noStrike">
-                <a:solidFill>
-                  <a:srgbClr val="ffffff"/>
-                </a:solidFill>
-                <a:latin typeface="Calibri"/>
-              </a:rPr>
-              <a:t>:LogicManager</a:t>
-            </a:r>
-            <a:endParaRPr b="0" lang="en-SG" sz="1600" spc="-1" strike="noStrike">
-              <a:latin typeface="Arial"/>
-            </a:endParaRPr>
-          </a:p>
-        </p:txBody>
-      </p:sp>
-      <p:sp>
-        <p:nvSpPr>
-          <p:cNvPr id="96" name="Line 4"/>
-          <p:cNvSpPr/>
-          <p:nvPr/>
-        </p:nvSpPr>
-        <p:spPr>
-          <a:xfrm>
-            <a:off x="912600" y="-1896480"/>
-            <a:ext cx="19440" cy="11803680"/>
-          </a:xfrm>
-          <a:prstGeom prst="line">
-            <a:avLst/>
-          </a:prstGeom>
-          <a:ln w="19080">
-            <a:solidFill>
-              <a:srgbClr val="0070c0"/>
-            </a:solidFill>
-            <a:custDash>
-              <a:ds d="300000" sp="100000"/>
-            </a:custDash>
-            <a:round/>
-          </a:ln>
-        </p:spPr>
-        <p:style>
-          <a:lnRef idx="1">
-            <a:schemeClr val="accent1"/>
-          </a:lnRef>
-          <a:fillRef idx="2">
-            <a:schemeClr val="accent1"/>
-          </a:fillRef>
-          <a:effectRef idx="1">
-            <a:schemeClr val="accent1"/>
-          </a:effectRef>
-          <a:fontRef idx="minor"/>
-        </p:style>
-      </p:sp>
-      <p:sp>
-        <p:nvSpPr>
-          <p:cNvPr id="97" name="CustomShape 5"/>
-          <p:cNvSpPr/>
-          <p:nvPr/>
-        </p:nvSpPr>
-        <p:spPr>
-          <a:xfrm>
-            <a:off x="828000" y="-1483200"/>
-            <a:ext cx="178920" cy="11102040"/>
-          </a:xfrm>
-          <a:prstGeom prst="rect">
-            <a:avLst/>
-          </a:prstGeom>
-          <a:solidFill>
-            <a:srgbClr val="0070c0"/>
-          </a:solidFill>
-          <a:ln>
-            <a:solidFill>
-              <a:srgbClr val="0070c0"/>
-            </a:solidFill>
-            <a:round/>
-          </a:ln>
-          <a:effectLst>
-            <a:outerShdw blurRad="40000" dir="5400000" dist="20000" rotWithShape="0">
-              <a:srgbClr val="000000">
-                <a:alpha val="38000"/>
-              </a:srgbClr>
-            </a:outerShdw>
-          </a:effectLst>
-        </p:spPr>
-        <p:style>
-          <a:lnRef idx="1">
-            <a:schemeClr val="accent3"/>
-          </a:lnRef>
-          <a:fillRef idx="2">
-            <a:schemeClr val="accent3"/>
-          </a:fillRef>
-          <a:effectRef idx="1">
-            <a:schemeClr val="accent3"/>
-          </a:effectRef>
-          <a:fontRef idx="minor"/>
-        </p:style>
-      </p:sp>
-      <p:sp>
-        <p:nvSpPr>
-          <p:cNvPr id="98" name="CustomShape 6"/>
-          <p:cNvSpPr/>
-          <p:nvPr/>
-        </p:nvSpPr>
-        <p:spPr>
-          <a:xfrm>
-            <a:off x="2512440" y="-2467080"/>
-            <a:ext cx="1436760" cy="550440"/>
-          </a:xfrm>
-          <a:prstGeom prst="rect">
-            <a:avLst/>
-          </a:prstGeom>
-          <a:solidFill>
-            <a:srgbClr val="0070c0"/>
-          </a:solidFill>
-          <a:ln w="19080">
-            <a:solidFill>
-              <a:srgbClr val="0070c0"/>
-            </a:solidFill>
-            <a:round/>
-          </a:ln>
-          <a:effectLst>
-            <a:outerShdw blurRad="40000" dir="5400000" dist="20000" rotWithShape="0">
-              <a:srgbClr val="000000">
-                <a:alpha val="38000"/>
-              </a:srgbClr>
-            </a:outerShdw>
-          </a:effectLst>
-        </p:spPr>
-        <p:style>
-          <a:lnRef idx="1">
-            <a:schemeClr val="accent2"/>
-          </a:lnRef>
-          <a:fillRef idx="2">
-            <a:schemeClr val="accent2"/>
-          </a:fillRef>
-          <a:effectRef idx="1">
-            <a:schemeClr val="accent2"/>
-          </a:effectRef>
-          <a:fontRef idx="minor"/>
-        </p:style>
-        <p:txBody>
-          <a:bodyPr lIns="90000" rIns="90000" tIns="45000" bIns="45000" anchor="ctr"/>
-          <a:p>
-            <a:pPr algn="ctr">
-              <a:lnSpc>
-                <a:spcPct val="100000"/>
-              </a:lnSpc>
-            </a:pPr>
-            <a:r>
-              <a:rPr b="0" lang="en-SG" sz="1600" spc="-1" strike="noStrike">
-                <a:solidFill>
-                  <a:srgbClr val="ffffff"/>
-                </a:solidFill>
-                <a:latin typeface="Calibri"/>
-              </a:rPr>
-              <a:t>:Address</a:t>
-            </a:r>
-            <a:endParaRPr b="0" lang="en-SG" sz="1600" spc="-1" strike="noStrike">
-              <a:latin typeface="Arial"/>
-            </a:endParaRPr>
-          </a:p>
-          <a:p>
-            <a:pPr algn="ctr">
-              <a:lnSpc>
-                <a:spcPct val="100000"/>
-              </a:lnSpc>
-            </a:pPr>
-            <a:r>
-              <a:rPr b="0" lang="en-SG" sz="1600" spc="-1" strike="noStrike">
-                <a:solidFill>
-                  <a:srgbClr val="ffffff"/>
-                </a:solidFill>
-                <a:latin typeface="Calibri"/>
-              </a:rPr>
-              <a:t>BookParser</a:t>
-            </a:r>
-            <a:endParaRPr b="0" lang="en-SG" sz="1600" spc="-1" strike="noStrike">
-              <a:latin typeface="Arial"/>
-            </a:endParaRPr>
-          </a:p>
-        </p:txBody>
-      </p:sp>
-      <p:sp>
-        <p:nvSpPr>
-          <p:cNvPr id="99" name="Line 7"/>
-          <p:cNvSpPr/>
-          <p:nvPr/>
-        </p:nvSpPr>
-        <p:spPr>
-          <a:xfrm>
-            <a:off x="3235320" y="-1896480"/>
-            <a:ext cx="720" cy="2545920"/>
-          </a:xfrm>
-          <a:prstGeom prst="line">
-            <a:avLst/>
-          </a:prstGeom>
-          <a:ln w="19080">
-            <a:solidFill>
-              <a:srgbClr val="0070c0"/>
-            </a:solidFill>
-            <a:custDash>
-              <a:ds d="300000" sp="100000"/>
-            </a:custDash>
-            <a:round/>
-          </a:ln>
-        </p:spPr>
-        <p:style>
-          <a:lnRef idx="1">
-            <a:schemeClr val="accent1"/>
-          </a:lnRef>
-          <a:fillRef idx="2">
-            <a:schemeClr val="accent1"/>
-          </a:fillRef>
-          <a:effectRef idx="1">
-            <a:schemeClr val="accent1"/>
-          </a:effectRef>
-          <a:fontRef idx="minor"/>
-        </p:style>
-      </p:sp>
-      <p:sp>
-        <p:nvSpPr>
-          <p:cNvPr id="100" name="CustomShape 8"/>
-          <p:cNvSpPr/>
-          <p:nvPr/>
-        </p:nvSpPr>
-        <p:spPr>
-          <a:xfrm>
-            <a:off x="3150720" y="-1356480"/>
-            <a:ext cx="181440" cy="1690200"/>
-          </a:xfrm>
-          <a:prstGeom prst="rect">
-            <a:avLst/>
-          </a:prstGeom>
-          <a:solidFill>
-            <a:srgbClr val="0070c0"/>
-          </a:solidFill>
-          <a:ln>
-            <a:solidFill>
-              <a:srgbClr val="0070c0"/>
-            </a:solidFill>
-            <a:round/>
-          </a:ln>
-          <a:effectLst>
-            <a:outerShdw blurRad="40000" dir="5400000" dist="20000" rotWithShape="0">
-              <a:srgbClr val="000000">
-                <a:alpha val="38000"/>
-              </a:srgbClr>
-            </a:outerShdw>
-          </a:effectLst>
-        </p:spPr>
-        <p:style>
-          <a:lnRef idx="1">
-            <a:schemeClr val="accent3"/>
-          </a:lnRef>
-          <a:fillRef idx="2">
-            <a:schemeClr val="accent3"/>
-          </a:fillRef>
-          <a:effectRef idx="1">
-            <a:schemeClr val="accent3"/>
-          </a:effectRef>
-          <a:fontRef idx="minor"/>
-        </p:style>
-      </p:sp>
-      <p:sp>
-        <p:nvSpPr>
-          <p:cNvPr id="101" name="Line 9"/>
-          <p:cNvSpPr/>
-          <p:nvPr/>
-        </p:nvSpPr>
-        <p:spPr>
-          <a:xfrm>
-            <a:off x="5078160" y="-1064520"/>
-            <a:ext cx="720" cy="1637640"/>
-          </a:xfrm>
-          <a:prstGeom prst="line">
-            <a:avLst/>
-          </a:prstGeom>
-          <a:ln w="19080">
-            <a:solidFill>
-              <a:srgbClr val="0070c0"/>
-            </a:solidFill>
-            <a:custDash>
-              <a:ds d="300000" sp="100000"/>
-            </a:custDash>
-            <a:round/>
-          </a:ln>
-        </p:spPr>
-        <p:style>
-          <a:lnRef idx="1">
-            <a:schemeClr val="accent1"/>
-          </a:lnRef>
-          <a:fillRef idx="2">
-            <a:schemeClr val="accent1"/>
-          </a:fillRef>
-          <a:effectRef idx="1">
-            <a:schemeClr val="accent1"/>
-          </a:effectRef>
-          <a:fontRef idx="minor"/>
-        </p:style>
-      </p:sp>
-      <p:sp>
-        <p:nvSpPr>
-          <p:cNvPr id="102" name="CustomShape 10"/>
-          <p:cNvSpPr/>
-          <p:nvPr/>
-        </p:nvSpPr>
-        <p:spPr>
-          <a:xfrm>
-            <a:off x="4988520" y="-1064520"/>
-            <a:ext cx="179280" cy="325080"/>
-          </a:xfrm>
-          <a:prstGeom prst="rect">
-            <a:avLst/>
-          </a:prstGeom>
-          <a:solidFill>
-            <a:srgbClr val="0070c0"/>
-          </a:solidFill>
-          <a:ln>
-            <a:solidFill>
-              <a:srgbClr val="0070c0"/>
-            </a:solidFill>
-            <a:round/>
-          </a:ln>
-          <a:effectLst>
-            <a:outerShdw blurRad="40000" dir="5400000" dist="20000" rotWithShape="0">
-              <a:srgbClr val="000000">
-                <a:alpha val="38000"/>
-              </a:srgbClr>
-            </a:outerShdw>
-          </a:effectLst>
-        </p:spPr>
-        <p:style>
-          <a:lnRef idx="1">
-            <a:schemeClr val="accent3"/>
-          </a:lnRef>
-          <a:fillRef idx="2">
-            <a:schemeClr val="accent3"/>
-          </a:fillRef>
-          <a:effectRef idx="1">
-            <a:schemeClr val="accent3"/>
-          </a:effectRef>
-          <a:fontRef idx="minor"/>
-        </p:style>
-      </p:sp>
-      <p:sp>
-        <p:nvSpPr>
-          <p:cNvPr id="103" name="CustomShape 11"/>
-          <p:cNvSpPr/>
-          <p:nvPr/>
-        </p:nvSpPr>
-        <p:spPr>
-          <a:xfrm>
-            <a:off x="-1408320" y="-1478880"/>
-            <a:ext cx="2235960" cy="360"/>
-          </a:xfrm>
-          <a:custGeom>
-            <a:avLst/>
-            <a:gdLst/>
-            <a:ahLst/>
-            <a:rect l="l" t="t" r="r" b="b"/>
-            <a:pathLst>
-              <a:path w="21600" h="21600">
-                <a:moveTo>
-                  <a:pt x="0" y="0"/>
-                </a:moveTo>
-                <a:lnTo>
-                  <a:pt x="21600" y="21600"/>
-                </a:lnTo>
-              </a:path>
-            </a:pathLst>
-          </a:custGeom>
-          <a:noFill/>
-          <a:ln w="19080">
-            <a:solidFill>
-              <a:srgbClr val="00b050"/>
-            </a:solidFill>
-            <a:round/>
-            <a:tailEnd len="med" type="triangle" w="med"/>
-          </a:ln>
-        </p:spPr>
-        <p:style>
-          <a:lnRef idx="1">
-            <a:schemeClr val="accent1"/>
-          </a:lnRef>
-          <a:fillRef idx="0">
-            <a:schemeClr val="accent1"/>
-          </a:fillRef>
-          <a:effectRef idx="0">
-            <a:schemeClr val="accent1"/>
-          </a:effectRef>
-          <a:fontRef idx="minor"/>
-        </p:style>
-      </p:sp>
-      <p:sp>
-        <p:nvSpPr>
-          <p:cNvPr id="104" name="CustomShape 12"/>
-          <p:cNvSpPr/>
-          <p:nvPr/>
-        </p:nvSpPr>
-        <p:spPr>
-          <a:xfrm>
-            <a:off x="-1551600" y="-1783080"/>
-            <a:ext cx="2148840" cy="213480"/>
-          </a:xfrm>
-          <a:prstGeom prst="rect">
-            <a:avLst/>
-          </a:prstGeom>
-          <a:noFill/>
-          <a:ln>
-            <a:noFill/>
-          </a:ln>
-        </p:spPr>
-        <p:style>
-          <a:lnRef idx="0"/>
-          <a:fillRef idx="0"/>
-          <a:effectRef idx="0"/>
-          <a:fontRef idx="minor"/>
-        </p:style>
-        <p:txBody>
-          <a:bodyPr lIns="0" rIns="0" tIns="0" bIns="0"/>
-          <a:p>
-            <a:pPr algn="r">
-              <a:lnSpc>
-                <a:spcPct val="100000"/>
-              </a:lnSpc>
-            </a:pPr>
-            <a:r>
-              <a:rPr b="0" lang="en-SG" sz="1400" spc="-1" strike="noStrike">
-                <a:solidFill>
-                  <a:srgbClr val="0070c0"/>
-                </a:solidFill>
-                <a:latin typeface="Calibri"/>
-              </a:rPr>
-              <a:t>execute(“attack a1”)</a:t>
-            </a:r>
-            <a:endParaRPr b="0" lang="en-SG" sz="1400" spc="-1" strike="noStrike">
-              <a:latin typeface="Arial"/>
-            </a:endParaRPr>
-          </a:p>
-        </p:txBody>
-      </p:sp>
-      <p:sp>
-        <p:nvSpPr>
-          <p:cNvPr id="105" name="CustomShape 13"/>
-          <p:cNvSpPr/>
-          <p:nvPr/>
-        </p:nvSpPr>
-        <p:spPr>
-          <a:xfrm flipV="1">
-            <a:off x="3350880" y="-1213920"/>
-            <a:ext cx="788040" cy="360"/>
-          </a:xfrm>
-          <a:custGeom>
-            <a:avLst/>
-            <a:gdLst/>
-            <a:ahLst/>
-            <a:rect l="l" t="t" r="r" b="b"/>
-            <a:pathLst>
-              <a:path w="21600" h="21600">
-                <a:moveTo>
-                  <a:pt x="0" y="0"/>
-                </a:moveTo>
-                <a:lnTo>
-                  <a:pt x="21600" y="21600"/>
-                </a:lnTo>
-              </a:path>
-            </a:pathLst>
-          </a:custGeom>
-          <a:noFill/>
-          <a:ln w="19080">
-            <a:solidFill>
-              <a:srgbClr val="0070c0"/>
-            </a:solidFill>
-            <a:round/>
-            <a:tailEnd len="med" type="triangle" w="med"/>
-          </a:ln>
-        </p:spPr>
-        <p:style>
-          <a:lnRef idx="1">
-            <a:schemeClr val="accent1"/>
-          </a:lnRef>
-          <a:fillRef idx="0">
-            <a:schemeClr val="accent1"/>
-          </a:fillRef>
-          <a:effectRef idx="0">
-            <a:schemeClr val="accent1"/>
-          </a:effectRef>
-          <a:fontRef idx="minor"/>
-        </p:style>
-      </p:sp>
-      <p:sp>
-        <p:nvSpPr>
-          <p:cNvPr id="106" name="CustomShape 14"/>
-          <p:cNvSpPr/>
-          <p:nvPr/>
-        </p:nvSpPr>
-        <p:spPr>
-          <a:xfrm>
-            <a:off x="3454920" y="540360"/>
-            <a:ext cx="1007640" cy="213480"/>
-          </a:xfrm>
-          <a:prstGeom prst="rect">
-            <a:avLst/>
-          </a:prstGeom>
-          <a:noFill/>
-          <a:ln>
-            <a:noFill/>
-          </a:ln>
-        </p:spPr>
-        <p:style>
-          <a:lnRef idx="0"/>
-          <a:fillRef idx="0"/>
-          <a:effectRef idx="0"/>
-          <a:fontRef idx="minor"/>
-        </p:style>
-        <p:txBody>
-          <a:bodyPr lIns="0" rIns="0" tIns="0" bIns="0"/>
-          <a:p>
-            <a:pPr algn="r">
-              <a:lnSpc>
-                <a:spcPct val="100000"/>
-              </a:lnSpc>
-            </a:pPr>
-            <a:r>
-              <a:rPr b="0" lang="en-SG" sz="1400" spc="-1" strike="noStrike">
-                <a:solidFill>
-                  <a:srgbClr val="0070c0"/>
-                </a:solidFill>
-                <a:latin typeface="Calibri"/>
-              </a:rPr>
-              <a:t>execute()</a:t>
-            </a:r>
-            <a:endParaRPr b="0" lang="en-SG" sz="1400" spc="-1" strike="noStrike">
-              <a:latin typeface="Arial"/>
-            </a:endParaRPr>
-          </a:p>
-        </p:txBody>
-      </p:sp>
-      <p:sp>
-        <p:nvSpPr>
-          <p:cNvPr id="107" name="CustomShape 15"/>
-          <p:cNvSpPr/>
-          <p:nvPr/>
-        </p:nvSpPr>
-        <p:spPr>
-          <a:xfrm>
-            <a:off x="3319200" y="-798120"/>
-            <a:ext cx="1666080" cy="360"/>
-          </a:xfrm>
-          <a:custGeom>
-            <a:avLst/>
-            <a:gdLst/>
-            <a:ahLst/>
-            <a:rect l="l" t="t" r="r" b="b"/>
-            <a:pathLst>
-              <a:path w="21600" h="21600">
-                <a:moveTo>
-                  <a:pt x="0" y="0"/>
-                </a:moveTo>
-                <a:lnTo>
-                  <a:pt x="21600" y="21600"/>
-                </a:lnTo>
-              </a:path>
-            </a:pathLst>
-          </a:custGeom>
-          <a:noFill/>
-          <a:ln w="19080">
-            <a:solidFill>
-              <a:srgbClr val="0070c0"/>
-            </a:solidFill>
-            <a:custDash>
-              <a:ds d="300000" sp="100000"/>
-            </a:custDash>
-            <a:round/>
-            <a:headEnd len="med" type="triangle" w="med"/>
-          </a:ln>
-        </p:spPr>
-        <p:style>
-          <a:lnRef idx="1">
-            <a:schemeClr val="accent1"/>
-          </a:lnRef>
-          <a:fillRef idx="0">
-            <a:schemeClr val="accent1"/>
-          </a:fillRef>
-          <a:effectRef idx="0">
-            <a:schemeClr val="accent1"/>
-          </a:effectRef>
-          <a:fontRef idx="minor"/>
-        </p:style>
-      </p:sp>
-      <p:sp>
-        <p:nvSpPr>
-          <p:cNvPr id="108" name="CustomShape 16"/>
-          <p:cNvSpPr/>
-          <p:nvPr/>
-        </p:nvSpPr>
-        <p:spPr>
-          <a:xfrm>
-            <a:off x="1015200" y="333720"/>
-            <a:ext cx="2135520" cy="360"/>
-          </a:xfrm>
-          <a:custGeom>
-            <a:avLst/>
-            <a:gdLst/>
-            <a:ahLst/>
-            <a:rect l="l" t="t" r="r" b="b"/>
-            <a:pathLst>
-              <a:path w="21600" h="21600">
-                <a:moveTo>
-                  <a:pt x="0" y="0"/>
-                </a:moveTo>
-                <a:lnTo>
-                  <a:pt x="21600" y="21600"/>
-                </a:lnTo>
-              </a:path>
-            </a:pathLst>
-          </a:custGeom>
-          <a:noFill/>
-          <a:ln w="19080">
-            <a:solidFill>
-              <a:srgbClr val="0070c0"/>
-            </a:solidFill>
-            <a:custDash>
-              <a:ds d="300000" sp="100000"/>
-            </a:custDash>
-            <a:round/>
-            <a:headEnd len="med" type="triangle" w="med"/>
-          </a:ln>
-        </p:spPr>
-        <p:style>
-          <a:lnRef idx="1">
-            <a:schemeClr val="accent1"/>
-          </a:lnRef>
-          <a:fillRef idx="0">
-            <a:schemeClr val="accent1"/>
-          </a:fillRef>
-          <a:effectRef idx="0">
-            <a:schemeClr val="accent1"/>
-          </a:effectRef>
-          <a:fontRef idx="minor"/>
-        </p:style>
-      </p:sp>
-      <p:sp>
-        <p:nvSpPr>
-          <p:cNvPr id="109" name="CustomShape 17"/>
-          <p:cNvSpPr/>
-          <p:nvPr/>
-        </p:nvSpPr>
-        <p:spPr>
-          <a:xfrm>
-            <a:off x="-581040" y="9618480"/>
-            <a:ext cx="1409040" cy="360"/>
-          </a:xfrm>
-          <a:custGeom>
-            <a:avLst/>
-            <a:gdLst/>
-            <a:ahLst/>
-            <a:rect l="l" t="t" r="r" b="b"/>
-            <a:pathLst>
-              <a:path w="21600" h="21600">
-                <a:moveTo>
-                  <a:pt x="0" y="0"/>
-                </a:moveTo>
-                <a:lnTo>
-                  <a:pt x="21600" y="21600"/>
-                </a:lnTo>
-              </a:path>
-            </a:pathLst>
-          </a:custGeom>
-          <a:noFill/>
-          <a:ln w="19080">
-            <a:solidFill>
-              <a:schemeClr val="accent1"/>
-            </a:solidFill>
-            <a:custDash>
-              <a:ds d="300000" sp="100000"/>
-            </a:custDash>
-            <a:round/>
-            <a:headEnd len="med" type="triangle" w="med"/>
-          </a:ln>
-        </p:spPr>
-        <p:style>
-          <a:lnRef idx="1">
-            <a:schemeClr val="accent1"/>
-          </a:lnRef>
-          <a:fillRef idx="0">
-            <a:schemeClr val="accent1"/>
-          </a:fillRef>
-          <a:effectRef idx="0">
-            <a:schemeClr val="accent1"/>
-          </a:effectRef>
-          <a:fontRef idx="minor"/>
-        </p:style>
-      </p:sp>
-      <p:sp>
-        <p:nvSpPr>
-          <p:cNvPr id="110" name="CustomShape 18"/>
-          <p:cNvSpPr/>
-          <p:nvPr/>
-        </p:nvSpPr>
-        <p:spPr>
-          <a:xfrm>
-            <a:off x="1056600" y="-1783800"/>
-            <a:ext cx="1923480" cy="425880"/>
-          </a:xfrm>
-          <a:prstGeom prst="rect">
-            <a:avLst/>
-          </a:prstGeom>
-          <a:noFill/>
-          <a:ln>
-            <a:noFill/>
-          </a:ln>
-        </p:spPr>
-        <p:style>
-          <a:lnRef idx="0"/>
-          <a:fillRef idx="0"/>
-          <a:effectRef idx="0"/>
-          <a:fontRef idx="minor"/>
-        </p:style>
-        <p:txBody>
-          <a:bodyPr lIns="0" rIns="0" tIns="0" bIns="0"/>
-          <a:p>
-            <a:pPr algn="r">
-              <a:lnSpc>
-                <a:spcPct val="100000"/>
-              </a:lnSpc>
-            </a:pPr>
-            <a:r>
-              <a:rPr b="0" lang="en-SG" sz="1400" spc="-1" strike="noStrike">
-                <a:solidFill>
-                  <a:srgbClr val="0070c0"/>
-                </a:solidFill>
-                <a:latin typeface="Calibri"/>
-              </a:rPr>
-              <a:t>parseCommand(</a:t>
-            </a:r>
-            <a:endParaRPr b="0" lang="en-SG" sz="1400" spc="-1" strike="noStrike">
-              <a:latin typeface="Arial"/>
-            </a:endParaRPr>
-          </a:p>
-          <a:p>
-            <a:pPr algn="r">
-              <a:lnSpc>
-                <a:spcPct val="100000"/>
-              </a:lnSpc>
-            </a:pPr>
-            <a:r>
-              <a:rPr b="0" lang="en-SG" sz="1400" spc="-1" strike="noStrike">
-                <a:solidFill>
-                  <a:srgbClr val="0070c0"/>
-                </a:solidFill>
-                <a:latin typeface="Calibri"/>
-              </a:rPr>
-              <a:t>“</a:t>
-            </a:r>
-            <a:r>
-              <a:rPr b="0" lang="en-SG" sz="1400" spc="-1" strike="noStrike">
-                <a:solidFill>
-                  <a:srgbClr val="0070c0"/>
-                </a:solidFill>
-                <a:latin typeface="Calibri"/>
-              </a:rPr>
-              <a:t>attack a1”)</a:t>
-            </a:r>
-            <a:endParaRPr b="0" lang="en-SG" sz="1400" spc="-1" strike="noStrike">
-              <a:latin typeface="Arial"/>
-            </a:endParaRPr>
-          </a:p>
-        </p:txBody>
-      </p:sp>
-      <p:sp>
-        <p:nvSpPr>
-          <p:cNvPr id="111" name="CustomShape 19"/>
-          <p:cNvSpPr/>
-          <p:nvPr/>
-        </p:nvSpPr>
-        <p:spPr>
-          <a:xfrm>
-            <a:off x="4139280" y="-1716480"/>
-            <a:ext cx="1896480" cy="681840"/>
-          </a:xfrm>
-          <a:prstGeom prst="rect">
-            <a:avLst/>
-          </a:prstGeom>
-          <a:solidFill>
-            <a:srgbClr val="0070c0"/>
-          </a:solidFill>
-          <a:ln w="19080">
-            <a:solidFill>
-              <a:srgbClr val="0070c0"/>
-            </a:solidFill>
-            <a:round/>
-          </a:ln>
-          <a:effectLst>
-            <a:outerShdw blurRad="40000" dir="5400000" dist="20000" rotWithShape="0">
-              <a:srgbClr val="000000">
-                <a:alpha val="38000"/>
-              </a:srgbClr>
-            </a:outerShdw>
-          </a:effectLst>
-        </p:spPr>
-        <p:style>
-          <a:lnRef idx="1">
-            <a:schemeClr val="accent2"/>
-          </a:lnRef>
-          <a:fillRef idx="2">
-            <a:schemeClr val="accent2"/>
-          </a:fillRef>
-          <a:effectRef idx="1">
-            <a:schemeClr val="accent2"/>
-          </a:effectRef>
-          <a:fontRef idx="minor"/>
-        </p:style>
-        <p:txBody>
-          <a:bodyPr lIns="90000" rIns="90000" tIns="45000" bIns="45000" anchor="ctr"/>
-          <a:p>
-            <a:pPr algn="ctr">
-              <a:lnSpc>
-                <a:spcPct val="100000"/>
-              </a:lnSpc>
-            </a:pPr>
-            <a:r>
-              <a:rPr b="0" lang="en-SG" sz="1600" spc="-1" strike="noStrike">
-                <a:solidFill>
-                  <a:srgbClr val="ffffff"/>
-                </a:solidFill>
-                <a:latin typeface="Calibri"/>
-              </a:rPr>
-              <a:t>:Attack</a:t>
-            </a:r>
-            <a:endParaRPr b="0" lang="en-SG" sz="1600" spc="-1" strike="noStrike">
-              <a:latin typeface="Arial"/>
-            </a:endParaRPr>
-          </a:p>
-          <a:p>
-            <a:pPr algn="ctr">
-              <a:lnSpc>
-                <a:spcPct val="100000"/>
-              </a:lnSpc>
-            </a:pPr>
-            <a:r>
-              <a:rPr b="0" lang="en-SG" sz="1600" spc="-1" strike="noStrike">
-                <a:solidFill>
-                  <a:srgbClr val="ffffff"/>
-                </a:solidFill>
-                <a:latin typeface="Calibri"/>
-              </a:rPr>
-              <a:t>CommandParser</a:t>
-            </a:r>
-            <a:endParaRPr b="0" lang="en-SG" sz="1600" spc="-1" strike="noStrike">
-              <a:latin typeface="Arial"/>
-            </a:endParaRPr>
-          </a:p>
-        </p:txBody>
-      </p:sp>
-      <p:sp>
-        <p:nvSpPr>
-          <p:cNvPr id="112" name="CustomShape 20"/>
-          <p:cNvSpPr/>
-          <p:nvPr/>
-        </p:nvSpPr>
-        <p:spPr>
-          <a:xfrm>
-            <a:off x="1015200" y="809280"/>
-            <a:ext cx="6077520" cy="720"/>
-          </a:xfrm>
-          <a:custGeom>
-            <a:avLst/>
-            <a:gdLst/>
-            <a:ahLst/>
-            <a:rect l="l" t="t" r="r" b="b"/>
-            <a:pathLst>
-              <a:path w="21600" h="21600">
-                <a:moveTo>
-                  <a:pt x="0" y="0"/>
-                </a:moveTo>
-                <a:lnTo>
-                  <a:pt x="21600" y="21600"/>
-                </a:lnTo>
-              </a:path>
-            </a:pathLst>
-          </a:custGeom>
-          <a:noFill/>
-          <a:ln w="19080">
-            <a:solidFill>
-              <a:srgbClr val="0070c0"/>
-            </a:solidFill>
-            <a:round/>
-            <a:tailEnd len="med" type="triangle" w="med"/>
-          </a:ln>
-        </p:spPr>
-        <p:style>
-          <a:lnRef idx="1">
-            <a:schemeClr val="accent1"/>
-          </a:lnRef>
-          <a:fillRef idx="0">
-            <a:schemeClr val="accent1"/>
-          </a:fillRef>
-          <a:effectRef idx="0">
-            <a:schemeClr val="accent1"/>
-          </a:effectRef>
-          <a:fontRef idx="minor"/>
-        </p:style>
-      </p:sp>
-      <p:sp>
-        <p:nvSpPr>
-          <p:cNvPr id="113" name="CustomShape 21"/>
-          <p:cNvSpPr/>
-          <p:nvPr/>
-        </p:nvSpPr>
-        <p:spPr>
-          <a:xfrm>
-            <a:off x="1015200" y="-1358280"/>
-            <a:ext cx="2135520" cy="360"/>
-          </a:xfrm>
-          <a:custGeom>
-            <a:avLst/>
-            <a:gdLst/>
-            <a:ahLst/>
-            <a:rect l="l" t="t" r="r" b="b"/>
-            <a:pathLst>
-              <a:path w="21600" h="21600">
-                <a:moveTo>
-                  <a:pt x="0" y="0"/>
-                </a:moveTo>
-                <a:lnTo>
-                  <a:pt x="21600" y="21600"/>
-                </a:lnTo>
-              </a:path>
-            </a:pathLst>
-          </a:custGeom>
-          <a:noFill/>
-          <a:ln w="19080">
-            <a:solidFill>
-              <a:srgbClr val="0070c0"/>
-            </a:solidFill>
-            <a:round/>
-            <a:tailEnd len="med" type="triangle" w="med"/>
-          </a:ln>
-        </p:spPr>
-        <p:style>
-          <a:lnRef idx="1">
-            <a:schemeClr val="accent1"/>
-          </a:lnRef>
-          <a:fillRef idx="0">
-            <a:schemeClr val="accent1"/>
-          </a:fillRef>
-          <a:effectRef idx="0">
-            <a:schemeClr val="accent1"/>
-          </a:effectRef>
-          <a:fontRef idx="minor"/>
-        </p:style>
-      </p:sp>
-      <p:sp>
-        <p:nvSpPr>
-          <p:cNvPr id="114" name="CustomShape 22"/>
-          <p:cNvSpPr/>
-          <p:nvPr/>
-        </p:nvSpPr>
-        <p:spPr>
-          <a:xfrm>
-            <a:off x="1010160" y="9401760"/>
-            <a:ext cx="6082560" cy="360"/>
-          </a:xfrm>
-          <a:custGeom>
-            <a:avLst/>
-            <a:gdLst/>
-            <a:ahLst/>
-            <a:rect l="l" t="t" r="r" b="b"/>
-            <a:pathLst>
-              <a:path w="21600" h="21600">
-                <a:moveTo>
-                  <a:pt x="0" y="0"/>
-                </a:moveTo>
-                <a:lnTo>
-                  <a:pt x="21600" y="21600"/>
-                </a:lnTo>
-              </a:path>
-            </a:pathLst>
-          </a:custGeom>
-          <a:noFill/>
-          <a:ln w="19080">
-            <a:solidFill>
-              <a:srgbClr val="0070c0"/>
-            </a:solidFill>
-            <a:custDash>
-              <a:ds d="300000" sp="100000"/>
-            </a:custDash>
-            <a:round/>
-            <a:headEnd len="med" type="triangle" w="med"/>
-          </a:ln>
-        </p:spPr>
-        <p:style>
-          <a:lnRef idx="1">
-            <a:schemeClr val="accent1"/>
-          </a:lnRef>
-          <a:fillRef idx="0">
-            <a:schemeClr val="accent1"/>
-          </a:fillRef>
-          <a:effectRef idx="0">
-            <a:schemeClr val="accent1"/>
-          </a:effectRef>
-          <a:fontRef idx="minor"/>
-        </p:style>
-      </p:sp>
-      <p:sp>
-        <p:nvSpPr>
-          <p:cNvPr id="115" name="CustomShape 23"/>
-          <p:cNvSpPr/>
-          <p:nvPr/>
-        </p:nvSpPr>
-        <p:spPr>
-          <a:xfrm flipV="1">
-            <a:off x="3332160" y="-414720"/>
-            <a:ext cx="1665000" cy="720"/>
-          </a:xfrm>
-          <a:custGeom>
-            <a:avLst/>
-            <a:gdLst/>
-            <a:ahLst/>
-            <a:rect l="l" t="t" r="r" b="b"/>
-            <a:pathLst>
-              <a:path w="21600" h="21600">
-                <a:moveTo>
-                  <a:pt x="0" y="0"/>
-                </a:moveTo>
-                <a:lnTo>
-                  <a:pt x="21600" y="21600"/>
-                </a:lnTo>
-              </a:path>
-            </a:pathLst>
-          </a:custGeom>
-          <a:noFill/>
-          <a:ln w="19080">
-            <a:solidFill>
-              <a:srgbClr val="0070c0"/>
-            </a:solidFill>
-            <a:round/>
-            <a:tailEnd len="med" type="triangle" w="med"/>
-          </a:ln>
-        </p:spPr>
-        <p:style>
-          <a:lnRef idx="1">
-            <a:schemeClr val="accent1"/>
-          </a:lnRef>
-          <a:fillRef idx="0">
-            <a:schemeClr val="accent1"/>
-          </a:fillRef>
-          <a:effectRef idx="0">
-            <a:schemeClr val="accent1"/>
-          </a:effectRef>
-          <a:fontRef idx="minor"/>
-        </p:style>
-      </p:sp>
-      <p:sp>
-        <p:nvSpPr>
-          <p:cNvPr id="116" name="CustomShape 24"/>
-          <p:cNvSpPr/>
-          <p:nvPr/>
-        </p:nvSpPr>
-        <p:spPr>
-          <a:xfrm>
-            <a:off x="4983840" y="-424440"/>
-            <a:ext cx="183960" cy="681840"/>
-          </a:xfrm>
-          <a:prstGeom prst="rect">
-            <a:avLst/>
-          </a:prstGeom>
-          <a:solidFill>
-            <a:srgbClr val="0070c0"/>
-          </a:solidFill>
-          <a:ln>
-            <a:solidFill>
-              <a:srgbClr val="0070c0"/>
-            </a:solidFill>
-            <a:round/>
-          </a:ln>
-          <a:effectLst>
-            <a:outerShdw blurRad="40000" dir="5400000" dist="20000" rotWithShape="0">
-              <a:srgbClr val="000000">
-                <a:alpha val="38000"/>
-              </a:srgbClr>
-            </a:outerShdw>
-          </a:effectLst>
-        </p:spPr>
-        <p:style>
-          <a:lnRef idx="1">
-            <a:schemeClr val="accent3"/>
-          </a:lnRef>
-          <a:fillRef idx="2">
-            <a:schemeClr val="accent3"/>
-          </a:fillRef>
-          <a:effectRef idx="1">
-            <a:schemeClr val="accent3"/>
-          </a:effectRef>
-          <a:fontRef idx="minor"/>
-        </p:style>
-      </p:sp>
-      <p:sp>
-        <p:nvSpPr>
-          <p:cNvPr id="117" name="CustomShape 25"/>
-          <p:cNvSpPr/>
-          <p:nvPr/>
-        </p:nvSpPr>
-        <p:spPr>
-          <a:xfrm>
-            <a:off x="3475800" y="-677880"/>
-            <a:ext cx="1355760" cy="213480"/>
-          </a:xfrm>
-          <a:prstGeom prst="rect">
-            <a:avLst/>
-          </a:prstGeom>
-          <a:noFill/>
-          <a:ln>
-            <a:noFill/>
-          </a:ln>
-        </p:spPr>
-        <p:style>
-          <a:lnRef idx="0"/>
-          <a:fillRef idx="0"/>
-          <a:effectRef idx="0"/>
-          <a:fontRef idx="minor"/>
-        </p:style>
-        <p:txBody>
-          <a:bodyPr lIns="0" rIns="0" tIns="0" bIns="0"/>
-          <a:p>
-            <a:pPr algn="r">
-              <a:lnSpc>
-                <a:spcPct val="100000"/>
-              </a:lnSpc>
-            </a:pPr>
-            <a:r>
-              <a:rPr b="0" lang="en-SG" sz="1400" spc="-1" strike="noStrike">
-                <a:solidFill>
-                  <a:srgbClr val="0070c0"/>
-                </a:solidFill>
-                <a:latin typeface="Calibri"/>
-              </a:rPr>
-              <a:t>parse(“a1”)</a:t>
-            </a:r>
-            <a:endParaRPr b="0" lang="en-SG" sz="1400" spc="-1" strike="noStrike">
-              <a:latin typeface="Arial"/>
-            </a:endParaRPr>
-          </a:p>
-        </p:txBody>
-      </p:sp>
-      <p:sp>
-        <p:nvSpPr>
-          <p:cNvPr id="118" name="CustomShape 26"/>
-          <p:cNvSpPr/>
-          <p:nvPr/>
-        </p:nvSpPr>
-        <p:spPr>
-          <a:xfrm flipV="1">
-            <a:off x="5180040" y="-308880"/>
-            <a:ext cx="1041840" cy="720"/>
-          </a:xfrm>
-          <a:custGeom>
-            <a:avLst/>
-            <a:gdLst/>
-            <a:ahLst/>
-            <a:rect l="l" t="t" r="r" b="b"/>
-            <a:pathLst>
-              <a:path w="21600" h="21600">
-                <a:moveTo>
-                  <a:pt x="0" y="0"/>
-                </a:moveTo>
-                <a:lnTo>
-                  <a:pt x="21600" y="21600"/>
-                </a:lnTo>
-              </a:path>
-            </a:pathLst>
-          </a:custGeom>
-          <a:noFill/>
-          <a:ln w="19080">
-            <a:solidFill>
-              <a:srgbClr val="0070c0"/>
-            </a:solidFill>
-            <a:round/>
-            <a:tailEnd len="med" type="triangle" w="med"/>
-          </a:ln>
-        </p:spPr>
-        <p:style>
-          <a:lnRef idx="1">
-            <a:schemeClr val="accent1"/>
-          </a:lnRef>
-          <a:fillRef idx="0">
-            <a:schemeClr val="accent1"/>
-          </a:fillRef>
-          <a:effectRef idx="0">
-            <a:schemeClr val="accent1"/>
-          </a:effectRef>
-          <a:fontRef idx="minor"/>
-        </p:style>
-      </p:sp>
-      <p:sp>
-        <p:nvSpPr>
-          <p:cNvPr id="119" name="CustomShape 27"/>
-          <p:cNvSpPr/>
-          <p:nvPr/>
-        </p:nvSpPr>
-        <p:spPr>
-          <a:xfrm>
-            <a:off x="5168160" y="182520"/>
-            <a:ext cx="1921680" cy="360"/>
-          </a:xfrm>
-          <a:custGeom>
-            <a:avLst/>
-            <a:gdLst/>
-            <a:ahLst/>
-            <a:rect l="l" t="t" r="r" b="b"/>
-            <a:pathLst>
-              <a:path w="21600" h="21600">
-                <a:moveTo>
-                  <a:pt x="0" y="0"/>
-                </a:moveTo>
-                <a:lnTo>
-                  <a:pt x="21600" y="21600"/>
-                </a:lnTo>
-              </a:path>
-            </a:pathLst>
-          </a:custGeom>
-          <a:noFill/>
-          <a:ln w="19080">
-            <a:solidFill>
-              <a:srgbClr val="0070c0"/>
-            </a:solidFill>
-            <a:custDash>
-              <a:ds d="300000" sp="100000"/>
-            </a:custDash>
-            <a:round/>
-            <a:headEnd len="med" type="triangle" w="med"/>
-          </a:ln>
-        </p:spPr>
-        <p:style>
-          <a:lnRef idx="1">
-            <a:schemeClr val="accent1"/>
-          </a:lnRef>
-          <a:fillRef idx="0">
-            <a:schemeClr val="accent1"/>
-          </a:fillRef>
-          <a:effectRef idx="0">
-            <a:schemeClr val="accent1"/>
-          </a:effectRef>
-          <a:fontRef idx="minor"/>
-        </p:style>
-      </p:sp>
-      <p:sp>
-        <p:nvSpPr>
-          <p:cNvPr id="120" name="CustomShape 28"/>
-          <p:cNvSpPr/>
-          <p:nvPr/>
-        </p:nvSpPr>
-        <p:spPr>
-          <a:xfrm>
-            <a:off x="3347280" y="237240"/>
-            <a:ext cx="1638360" cy="720"/>
-          </a:xfrm>
-          <a:custGeom>
-            <a:avLst/>
-            <a:gdLst/>
-            <a:ahLst/>
-            <a:rect l="l" t="t" r="r" b="b"/>
-            <a:pathLst>
-              <a:path w="21600" h="21600">
-                <a:moveTo>
-                  <a:pt x="0" y="0"/>
-                </a:moveTo>
-                <a:lnTo>
-                  <a:pt x="21600" y="21600"/>
-                </a:lnTo>
-              </a:path>
-            </a:pathLst>
-          </a:custGeom>
-          <a:noFill/>
-          <a:ln w="19080">
-            <a:solidFill>
-              <a:srgbClr val="0070c0"/>
-            </a:solidFill>
-            <a:custDash>
-              <a:ds d="300000" sp="100000"/>
-            </a:custDash>
-            <a:round/>
-            <a:headEnd len="med" type="triangle" w="med"/>
-          </a:ln>
-        </p:spPr>
-        <p:style>
-          <a:lnRef idx="1">
-            <a:schemeClr val="accent1"/>
-          </a:lnRef>
-          <a:fillRef idx="0">
-            <a:schemeClr val="accent1"/>
-          </a:fillRef>
-          <a:effectRef idx="0">
-            <a:schemeClr val="accent1"/>
-          </a:effectRef>
-          <a:fontRef idx="minor"/>
-        </p:style>
-      </p:sp>
-      <p:sp>
-        <p:nvSpPr>
-          <p:cNvPr id="121" name="CustomShape 29"/>
-          <p:cNvSpPr/>
-          <p:nvPr/>
-        </p:nvSpPr>
-        <p:spPr>
-          <a:xfrm>
-            <a:off x="7092720" y="798840"/>
-            <a:ext cx="186480" cy="8602920"/>
-          </a:xfrm>
-          <a:prstGeom prst="rect">
-            <a:avLst/>
-          </a:prstGeom>
-          <a:solidFill>
-            <a:srgbClr val="0070c0"/>
-          </a:solidFill>
-          <a:ln>
-            <a:solidFill>
-              <a:srgbClr val="0070c0"/>
-            </a:solidFill>
-            <a:round/>
-          </a:ln>
-          <a:effectLst>
-            <a:outerShdw blurRad="40000" dir="5400000" dist="20000" rotWithShape="0">
-              <a:srgbClr val="000000">
-                <a:alpha val="38000"/>
-              </a:srgbClr>
-            </a:outerShdw>
-          </a:effectLst>
-        </p:spPr>
-        <p:style>
-          <a:lnRef idx="1">
-            <a:schemeClr val="accent3"/>
-          </a:lnRef>
-          <a:fillRef idx="2">
-            <a:schemeClr val="accent3"/>
-          </a:fillRef>
-          <a:effectRef idx="1">
-            <a:schemeClr val="accent3"/>
-          </a:effectRef>
-          <a:fontRef idx="minor"/>
-        </p:style>
-      </p:sp>
-      <p:sp>
-        <p:nvSpPr>
-          <p:cNvPr id="122" name="CustomShape 30"/>
-          <p:cNvSpPr/>
-          <p:nvPr/>
-        </p:nvSpPr>
-        <p:spPr>
-          <a:xfrm>
-            <a:off x="7100280" y="-17640"/>
-            <a:ext cx="178920" cy="199440"/>
-          </a:xfrm>
-          <a:prstGeom prst="rect">
-            <a:avLst/>
-          </a:prstGeom>
-          <a:solidFill>
-            <a:srgbClr val="0070c0"/>
-          </a:solidFill>
-          <a:ln>
-            <a:solidFill>
-              <a:srgbClr val="0070c0"/>
-            </a:solidFill>
-            <a:round/>
-          </a:ln>
-          <a:effectLst>
-            <a:outerShdw blurRad="40000" dir="5400000" dist="20000" rotWithShape="0">
-              <a:srgbClr val="000000">
-                <a:alpha val="38000"/>
-              </a:srgbClr>
-            </a:outerShdw>
-          </a:effectLst>
-        </p:spPr>
-        <p:style>
-          <a:lnRef idx="1">
-            <a:schemeClr val="accent3"/>
-          </a:lnRef>
-          <a:fillRef idx="2">
-            <a:schemeClr val="accent3"/>
-          </a:fillRef>
-          <a:effectRef idx="1">
-            <a:schemeClr val="accent3"/>
-          </a:effectRef>
-          <a:fontRef idx="minor"/>
-        </p:style>
-      </p:sp>
-      <p:sp>
-        <p:nvSpPr>
-          <p:cNvPr id="123" name="CustomShape 31"/>
-          <p:cNvSpPr/>
-          <p:nvPr/>
-        </p:nvSpPr>
-        <p:spPr>
-          <a:xfrm>
-            <a:off x="6239160" y="-564840"/>
-            <a:ext cx="1896480" cy="543600"/>
-          </a:xfrm>
-          <a:prstGeom prst="rect">
-            <a:avLst/>
-          </a:prstGeom>
-          <a:solidFill>
-            <a:srgbClr val="0070c0"/>
-          </a:solidFill>
-          <a:ln w="19080">
-            <a:solidFill>
-              <a:srgbClr val="0070c0"/>
-            </a:solidFill>
-            <a:round/>
-          </a:ln>
-          <a:effectLst>
-            <a:outerShdw blurRad="40000" dir="5400000" dist="20000" rotWithShape="0">
-              <a:srgbClr val="000000">
-                <a:alpha val="38000"/>
-              </a:srgbClr>
-            </a:outerShdw>
-          </a:effectLst>
-        </p:spPr>
-        <p:style>
-          <a:lnRef idx="1">
-            <a:schemeClr val="accent2"/>
-          </a:lnRef>
-          <a:fillRef idx="2">
-            <a:schemeClr val="accent2"/>
-          </a:fillRef>
-          <a:effectRef idx="1">
-            <a:schemeClr val="accent2"/>
-          </a:effectRef>
-          <a:fontRef idx="minor"/>
-        </p:style>
-        <p:txBody>
-          <a:bodyPr lIns="90000" rIns="90000" tIns="45000" bIns="45000" anchor="ctr"/>
-          <a:p>
-            <a:pPr algn="ctr">
-              <a:lnSpc>
-                <a:spcPct val="100000"/>
-              </a:lnSpc>
-            </a:pPr>
-            <a:r>
-              <a:rPr b="0" lang="en-SG" sz="1600" spc="-1" strike="noStrike">
-                <a:solidFill>
-                  <a:srgbClr val="ffffff"/>
-                </a:solidFill>
-                <a:latin typeface="Calibri"/>
-              </a:rPr>
-              <a:t>:Attack</a:t>
-            </a:r>
-            <a:endParaRPr b="0" lang="en-SG" sz="1600" spc="-1" strike="noStrike">
-              <a:latin typeface="Arial"/>
-            </a:endParaRPr>
-          </a:p>
-          <a:p>
-            <a:pPr algn="ctr">
-              <a:lnSpc>
-                <a:spcPct val="100000"/>
-              </a:lnSpc>
-            </a:pPr>
-            <a:r>
-              <a:rPr b="0" lang="en-SG" sz="1600" spc="-1" strike="noStrike">
-                <a:solidFill>
-                  <a:srgbClr val="ffffff"/>
-                </a:solidFill>
-                <a:latin typeface="Calibri"/>
-              </a:rPr>
-              <a:t>Command</a:t>
-            </a:r>
-            <a:endParaRPr b="0" lang="en-SG" sz="1600" spc="-1" strike="noStrike">
-              <a:latin typeface="Arial"/>
-            </a:endParaRPr>
-          </a:p>
-        </p:txBody>
-      </p:sp>
-      <p:sp>
-        <p:nvSpPr>
-          <p:cNvPr id="124" name="CustomShape 32"/>
-          <p:cNvSpPr/>
-          <p:nvPr/>
-        </p:nvSpPr>
-        <p:spPr>
-          <a:xfrm>
-            <a:off x="7086960" y="9880200"/>
-            <a:ext cx="304200" cy="257760"/>
-          </a:xfrm>
-          <a:prstGeom prst="rect">
-            <a:avLst/>
-          </a:prstGeom>
-          <a:noFill/>
-          <a:ln>
-            <a:noFill/>
-          </a:ln>
-        </p:spPr>
-        <p:style>
-          <a:lnRef idx="0"/>
-          <a:fillRef idx="0"/>
-          <a:effectRef idx="0"/>
-          <a:fontRef idx="minor"/>
-        </p:style>
-        <p:txBody>
-          <a:bodyPr lIns="90000" rIns="90000" tIns="45000" bIns="45000"/>
-          <a:p>
-            <a:pPr>
-              <a:lnSpc>
-                <a:spcPct val="100000"/>
-              </a:lnSpc>
-            </a:pPr>
-            <a:r>
-              <a:rPr b="0" lang="en-SG" sz="1100" spc="-1" strike="noStrike">
-                <a:solidFill>
-                  <a:srgbClr val="002060"/>
-                </a:solidFill>
-                <a:latin typeface="Calibri"/>
-              </a:rPr>
-              <a:t>X</a:t>
-            </a:r>
-            <a:endParaRPr b="0" lang="en-SG" sz="1100" spc="-1" strike="noStrike">
-              <a:latin typeface="Arial"/>
-            </a:endParaRPr>
-          </a:p>
-        </p:txBody>
-      </p:sp>
-      <p:grpSp>
-        <p:nvGrpSpPr>
-          <p:cNvPr id="125" name="Group 33"/>
-          <p:cNvGrpSpPr/>
-          <p:nvPr/>
-        </p:nvGrpSpPr>
-        <p:grpSpPr>
-          <a:xfrm>
-            <a:off x="7886520" y="8427240"/>
-            <a:ext cx="1163520" cy="974520"/>
-            <a:chOff x="7886520" y="8427240"/>
-            <a:chExt cx="1163520" cy="974520"/>
-          </a:xfrm>
-        </p:grpSpPr>
-        <p:sp>
-          <p:nvSpPr>
-            <p:cNvPr id="126" name="CustomShape 34"/>
-            <p:cNvSpPr/>
-            <p:nvPr/>
-          </p:nvSpPr>
-          <p:spPr>
-            <a:xfrm>
-              <a:off x="7886520" y="8427240"/>
-              <a:ext cx="1163520" cy="607680"/>
-            </a:xfrm>
-            <a:prstGeom prst="rect">
-              <a:avLst/>
-            </a:prstGeom>
-            <a:solidFill>
-              <a:srgbClr val="0070c0"/>
-            </a:solidFill>
-            <a:ln w="19080">
-              <a:solidFill>
-                <a:srgbClr val="0070c0"/>
-              </a:solidFill>
-              <a:round/>
-            </a:ln>
-            <a:effectLst>
-              <a:outerShdw blurRad="40000" dir="5400000" dist="20000" rotWithShape="0">
-                <a:srgbClr val="000000">
-                  <a:alpha val="38000"/>
-                </a:srgbClr>
-              </a:outerShdw>
-            </a:effectLst>
-          </p:spPr>
-          <p:style>
-            <a:lnRef idx="1">
-              <a:schemeClr val="accent2"/>
-            </a:lnRef>
-            <a:fillRef idx="2">
-              <a:schemeClr val="accent2"/>
-            </a:fillRef>
-            <a:effectRef idx="1">
-              <a:schemeClr val="accent2"/>
-            </a:effectRef>
-            <a:fontRef idx="minor"/>
-          </p:style>
-          <p:txBody>
-            <a:bodyPr lIns="90000" rIns="90000" tIns="45000" bIns="45000" anchor="ctr"/>
-            <a:p>
-              <a:pPr algn="ctr">
-                <a:lnSpc>
-                  <a:spcPct val="100000"/>
-                </a:lnSpc>
-              </a:pPr>
-              <a:r>
-                <a:rPr b="0" lang="en-SG" sz="1400" spc="-1" strike="noStrike">
-                  <a:solidFill>
-                    <a:srgbClr val="ffffff"/>
-                  </a:solidFill>
-                  <a:latin typeface="Calibri"/>
-                </a:rPr>
-                <a:t>:</a:t>
-              </a:r>
-              <a:r>
-                <a:rPr b="0" lang="en-SG" sz="1400" spc="-1" strike="noStrike">
-                  <a:solidFill>
-                    <a:srgbClr val="ffffff"/>
-                  </a:solidFill>
-                  <a:latin typeface="Calibri"/>
-                </a:rPr>
-                <a:t>C</a:t>
-              </a:r>
-              <a:r>
-                <a:rPr b="0" lang="en-SG" sz="1400" spc="-1" strike="noStrike">
-                  <a:solidFill>
-                    <a:srgbClr val="ffffff"/>
-                  </a:solidFill>
-                  <a:latin typeface="Calibri"/>
-                </a:rPr>
-                <a:t>o</a:t>
-              </a:r>
-              <a:r>
-                <a:rPr b="0" lang="en-SG" sz="1400" spc="-1" strike="noStrike">
-                  <a:solidFill>
-                    <a:srgbClr val="ffffff"/>
-                  </a:solidFill>
-                  <a:latin typeface="Calibri"/>
-                </a:rPr>
-                <a:t>m</a:t>
-              </a:r>
-              <a:r>
-                <a:rPr b="0" lang="en-SG" sz="1400" spc="-1" strike="noStrike">
-                  <a:solidFill>
-                    <a:srgbClr val="ffffff"/>
-                  </a:solidFill>
-                  <a:latin typeface="Calibri"/>
-                </a:rPr>
-                <a:t>m</a:t>
-              </a:r>
-              <a:r>
-                <a:rPr b="0" lang="en-SG" sz="1400" spc="-1" strike="noStrike">
-                  <a:solidFill>
-                    <a:srgbClr val="ffffff"/>
-                  </a:solidFill>
-                  <a:latin typeface="Calibri"/>
-                </a:rPr>
-                <a:t>a</a:t>
-              </a:r>
-              <a:r>
-                <a:rPr b="0" lang="en-SG" sz="1400" spc="-1" strike="noStrike">
-                  <a:solidFill>
-                    <a:srgbClr val="ffffff"/>
-                  </a:solidFill>
-                  <a:latin typeface="Calibri"/>
-                </a:rPr>
-                <a:t>n</a:t>
-              </a:r>
-              <a:r>
-                <a:rPr b="0" lang="en-SG" sz="1400" spc="-1" strike="noStrike">
-                  <a:solidFill>
-                    <a:srgbClr val="ffffff"/>
-                  </a:solidFill>
-                  <a:latin typeface="Calibri"/>
-                </a:rPr>
-                <a:t>d</a:t>
-              </a:r>
-              <a:endParaRPr b="0" lang="en-SG" sz="1400" spc="-1" strike="noStrike">
-                <a:latin typeface="Arial"/>
-              </a:endParaRPr>
-            </a:p>
-            <a:p>
-              <a:pPr algn="ctr">
-                <a:lnSpc>
-                  <a:spcPct val="100000"/>
-                </a:lnSpc>
-              </a:pPr>
-              <a:r>
-                <a:rPr b="0" lang="en-SG" sz="1400" spc="-1" strike="noStrike">
-                  <a:solidFill>
-                    <a:srgbClr val="ffffff"/>
-                  </a:solidFill>
-                  <a:latin typeface="Calibri"/>
-                </a:rPr>
-                <a:t>R</a:t>
-              </a:r>
-              <a:r>
-                <a:rPr b="0" lang="en-SG" sz="1400" spc="-1" strike="noStrike">
-                  <a:solidFill>
-                    <a:srgbClr val="ffffff"/>
-                  </a:solidFill>
-                  <a:latin typeface="Calibri"/>
-                </a:rPr>
-                <a:t>e</a:t>
-              </a:r>
-              <a:r>
-                <a:rPr b="0" lang="en-SG" sz="1400" spc="-1" strike="noStrike">
-                  <a:solidFill>
-                    <a:srgbClr val="ffffff"/>
-                  </a:solidFill>
-                  <a:latin typeface="Calibri"/>
-                </a:rPr>
-                <a:t>s</a:t>
-              </a:r>
-              <a:r>
-                <a:rPr b="0" lang="en-SG" sz="1400" spc="-1" strike="noStrike">
-                  <a:solidFill>
-                    <a:srgbClr val="ffffff"/>
-                  </a:solidFill>
-                  <a:latin typeface="Calibri"/>
-                </a:rPr>
-                <a:t>u</a:t>
-              </a:r>
-              <a:r>
-                <a:rPr b="0" lang="en-SG" sz="1400" spc="-1" strike="noStrike">
-                  <a:solidFill>
-                    <a:srgbClr val="ffffff"/>
-                  </a:solidFill>
-                  <a:latin typeface="Calibri"/>
-                </a:rPr>
-                <a:t>l</a:t>
-              </a:r>
-              <a:r>
-                <a:rPr b="0" lang="en-SG" sz="1400" spc="-1" strike="noStrike">
-                  <a:solidFill>
-                    <a:srgbClr val="ffffff"/>
-                  </a:solidFill>
-                  <a:latin typeface="Calibri"/>
-                </a:rPr>
-                <a:t>t</a:t>
-              </a:r>
-              <a:endParaRPr b="0" lang="en-SG" sz="1400" spc="-1" strike="noStrike">
-                <a:latin typeface="Arial"/>
-              </a:endParaRPr>
-            </a:p>
-          </p:txBody>
-        </p:sp>
-        <p:sp>
-          <p:nvSpPr>
-            <p:cNvPr id="127" name="CustomShape 35"/>
+            <p:cNvPr id="123" name="CustomShape 35"/>
             <p:cNvSpPr/>
             <p:nvPr/>
           </p:nvSpPr>
           <p:spPr>
             <a:xfrm>
               <a:off x="8438040" y="9040320"/>
-              <a:ext cx="122040" cy="219240"/>
+              <a:ext cx="121680" cy="218880"/>
             </a:xfrm>
             <a:prstGeom prst="rect">
               <a:avLst/>
@@ -6760,14 +6105,14 @@
         </p:sp>
         <p:sp>
           <p:nvSpPr>
-            <p:cNvPr id="128" name="Line 36"/>
+            <p:cNvPr id="124" name="Line 36"/>
             <p:cNvSpPr/>
             <p:nvPr/>
           </p:nvSpPr>
           <p:spPr>
             <a:xfrm>
               <a:off x="8499240" y="9039600"/>
-              <a:ext cx="0" cy="362160"/>
+              <a:ext cx="360" cy="362160"/>
             </a:xfrm>
             <a:prstGeom prst="line">
               <a:avLst/>
@@ -6798,14 +6143,14 @@
       </p:grpSp>
       <p:sp>
         <p:nvSpPr>
-          <p:cNvPr id="129" name="CustomShape 37"/>
+          <p:cNvPr id="125" name="CustomShape 37"/>
           <p:cNvSpPr/>
           <p:nvPr/>
         </p:nvSpPr>
         <p:spPr>
           <a:xfrm>
             <a:off x="7279200" y="8747280"/>
-            <a:ext cx="594000" cy="360"/>
+            <a:ext cx="593640" cy="360"/>
           </a:xfrm>
           <a:custGeom>
             <a:avLst/>
@@ -6847,14 +6192,14 @@
       </p:sp>
       <p:sp>
         <p:nvSpPr>
-          <p:cNvPr id="130" name="CustomShape 38"/>
+          <p:cNvPr id="126" name="CustomShape 38"/>
           <p:cNvSpPr/>
           <p:nvPr/>
         </p:nvSpPr>
         <p:spPr>
           <a:xfrm flipV="1">
             <a:off x="7279200" y="9248400"/>
-            <a:ext cx="1158840" cy="1080"/>
+            <a:ext cx="1158480" cy="720"/>
           </a:xfrm>
           <a:custGeom>
             <a:avLst/>
@@ -6899,14 +6244,14 @@
       </p:sp>
       <p:sp>
         <p:nvSpPr>
-          <p:cNvPr id="131" name="CustomShape 39"/>
+          <p:cNvPr id="127" name="CustomShape 39"/>
           <p:cNvSpPr/>
           <p:nvPr/>
         </p:nvSpPr>
         <p:spPr>
           <a:xfrm>
             <a:off x="9438480" y="-2900880"/>
-            <a:ext cx="2478960" cy="13187520"/>
+            <a:ext cx="2478600" cy="13187160"/>
           </a:xfrm>
           <a:prstGeom prst="roundRect">
             <a:avLst>
@@ -6968,14 +6313,14 @@
       </p:sp>
       <p:sp>
         <p:nvSpPr>
-          <p:cNvPr id="132" name="CustomShape 40"/>
+          <p:cNvPr id="128" name="CustomShape 40"/>
           <p:cNvSpPr/>
           <p:nvPr/>
         </p:nvSpPr>
         <p:spPr>
           <a:xfrm>
             <a:off x="9630360" y="-2526480"/>
-            <a:ext cx="2141640" cy="735840"/>
+            <a:ext cx="2141280" cy="735480"/>
           </a:xfrm>
           <a:prstGeom prst="rect">
             <a:avLst/>
@@ -7025,57 +6370,7 @@
                 <a:latin typeface="Calibri"/>
                 <a:ea typeface="DejaVu Sans"/>
               </a:rPr>
-              <a:t>:</a:t>
-            </a:r>
-            <a:r>
-              <a:rPr b="0" lang="en-SG" sz="1600" spc="-1" strike="noStrike">
-                <a:solidFill>
-                  <a:srgbClr val="ffffff"/>
-                </a:solidFill>
-                <a:latin typeface="Calibri"/>
-                <a:ea typeface="DejaVu Sans"/>
-              </a:rPr>
-              <a:t>M</a:t>
-            </a:r>
-            <a:r>
-              <a:rPr b="0" lang="en-SG" sz="1600" spc="-1" strike="noStrike">
-                <a:solidFill>
-                  <a:srgbClr val="ffffff"/>
-                </a:solidFill>
-                <a:latin typeface="Calibri"/>
-                <a:ea typeface="DejaVu Sans"/>
-              </a:rPr>
-              <a:t>o</a:t>
-            </a:r>
-            <a:r>
-              <a:rPr b="0" lang="en-SG" sz="1600" spc="-1" strike="noStrike">
-                <a:solidFill>
-                  <a:srgbClr val="ffffff"/>
-                </a:solidFill>
-                <a:latin typeface="Calibri"/>
-                <a:ea typeface="DejaVu Sans"/>
-              </a:rPr>
-              <a:t>d</a:t>
-            </a:r>
-            <a:r>
-              <a:rPr b="0" lang="en-SG" sz="1600" spc="-1" strike="noStrike">
-                <a:solidFill>
-                  <a:srgbClr val="ffffff"/>
-                </a:solidFill>
-                <a:latin typeface="Calibri"/>
-                <a:ea typeface="DejaVu Sans"/>
-              </a:rPr>
-              <a:t>e</a:t>
-            </a:r>
-            <a:r>
-              <a:rPr b="0" lang="en-SG" sz="1600" spc="-1" strike="noStrike">
-                <a:solidFill>
-                  <a:srgbClr val="ffffff"/>
-                </a:solidFill>
-                <a:latin typeface="Calibri"/>
-                <a:ea typeface="DejaVu Sans"/>
-              </a:rPr>
-              <a:t>l</a:t>
+              <a:t>:Model</a:t>
             </a:r>
             <a:endParaRPr b="0" lang="en-SG" sz="1600" spc="-1" strike="noStrike">
               <a:latin typeface="Arial"/>
@@ -7085,14 +6380,14 @@
       </p:sp>
       <p:sp>
         <p:nvSpPr>
-          <p:cNvPr id="133" name="Line 41"/>
+          <p:cNvPr id="129" name="Line 41"/>
           <p:cNvSpPr/>
           <p:nvPr/>
         </p:nvSpPr>
         <p:spPr>
           <a:xfrm>
             <a:off x="10728000" y="-1790280"/>
-            <a:ext cx="0" cy="11801520"/>
+            <a:ext cx="360" cy="11801520"/>
           </a:xfrm>
           <a:prstGeom prst="line">
             <a:avLst/>
@@ -7122,14 +6417,14 @@
       </p:sp>
       <p:sp>
         <p:nvSpPr>
-          <p:cNvPr id="134" name="CustomShape 42"/>
+          <p:cNvPr id="130" name="CustomShape 42"/>
           <p:cNvSpPr/>
           <p:nvPr/>
         </p:nvSpPr>
         <p:spPr>
           <a:xfrm>
             <a:off x="10644480" y="922680"/>
-            <a:ext cx="208080" cy="188280"/>
+            <a:ext cx="207720" cy="187920"/>
           </a:xfrm>
           <a:prstGeom prst="rect">
             <a:avLst/>
@@ -7166,14 +6461,14 @@
       </p:sp>
       <p:sp>
         <p:nvSpPr>
-          <p:cNvPr id="135" name="CustomShape 43"/>
+          <p:cNvPr id="131" name="CustomShape 43"/>
           <p:cNvSpPr/>
           <p:nvPr/>
         </p:nvSpPr>
         <p:spPr>
           <a:xfrm>
             <a:off x="7189200" y="939960"/>
-            <a:ext cx="3455280" cy="360"/>
+            <a:ext cx="3454920" cy="360"/>
           </a:xfrm>
           <a:custGeom>
             <a:avLst/>
@@ -7215,14 +6510,14 @@
       </p:sp>
       <p:sp>
         <p:nvSpPr>
-          <p:cNvPr id="136" name="CustomShape 44"/>
+          <p:cNvPr id="132" name="CustomShape 44"/>
           <p:cNvSpPr/>
           <p:nvPr/>
         </p:nvSpPr>
         <p:spPr>
           <a:xfrm flipV="1">
-            <a:off x="7279200" y="1116720"/>
-            <a:ext cx="3389760" cy="5040"/>
+            <a:off x="7279200" y="1116000"/>
+            <a:ext cx="3389400" cy="4680"/>
           </a:xfrm>
           <a:custGeom>
             <a:avLst/>
@@ -7269,14 +6564,14 @@
       </p:sp>
       <p:sp>
         <p:nvSpPr>
-          <p:cNvPr id="137" name="CustomShape 45"/>
+          <p:cNvPr id="133" name="CustomShape 45"/>
           <p:cNvSpPr/>
           <p:nvPr/>
         </p:nvSpPr>
         <p:spPr>
           <a:xfrm>
             <a:off x="8205480" y="659520"/>
-            <a:ext cx="1007640" cy="213480"/>
+            <a:ext cx="1007280" cy="213120"/>
           </a:xfrm>
           <a:prstGeom prst="rect">
             <a:avLst/>
@@ -7306,6 +6601,7 @@
                   <a:srgbClr val="0070c0"/>
                 </a:solidFill>
                 <a:latin typeface="Calibri"/>
+                <a:ea typeface="DejaVu Sans"/>
               </a:rPr>
               <a:t>getBattle()</a:t>
             </a:r>
@@ -7317,14 +6613,14 @@
       </p:sp>
       <p:sp>
         <p:nvSpPr>
-          <p:cNvPr id="138" name="CustomShape 46"/>
+          <p:cNvPr id="134" name="CustomShape 46"/>
           <p:cNvSpPr/>
           <p:nvPr/>
         </p:nvSpPr>
         <p:spPr>
           <a:xfrm>
             <a:off x="12097080" y="-2910600"/>
-            <a:ext cx="2478960" cy="13188240"/>
+            <a:ext cx="2478600" cy="13187880"/>
           </a:xfrm>
           <a:prstGeom prst="roundRect">
             <a:avLst>
@@ -7383,14 +6679,14 @@
       </p:sp>
       <p:sp>
         <p:nvSpPr>
-          <p:cNvPr id="139" name="CustomShape 47"/>
+          <p:cNvPr id="135" name="CustomShape 47"/>
           <p:cNvSpPr/>
           <p:nvPr/>
         </p:nvSpPr>
         <p:spPr>
           <a:xfrm>
             <a:off x="12288960" y="-2536200"/>
-            <a:ext cx="2141640" cy="735840"/>
+            <a:ext cx="2141280" cy="735480"/>
           </a:xfrm>
           <a:prstGeom prst="rect">
             <a:avLst/>
@@ -7450,7 +6746,7 @@
       </p:sp>
       <p:sp>
         <p:nvSpPr>
-          <p:cNvPr id="140" name="Line 48"/>
+          <p:cNvPr id="136" name="Line 48"/>
           <p:cNvSpPr/>
           <p:nvPr/>
         </p:nvSpPr>
@@ -7487,14 +6783,14 @@
       </p:sp>
       <p:sp>
         <p:nvSpPr>
-          <p:cNvPr id="141" name="CustomShape 49"/>
+          <p:cNvPr id="137" name="CustomShape 49"/>
           <p:cNvSpPr/>
           <p:nvPr/>
         </p:nvSpPr>
         <p:spPr>
           <a:xfrm>
             <a:off x="7279200" y="1268280"/>
-            <a:ext cx="5518080" cy="9360"/>
+            <a:ext cx="5517720" cy="9000"/>
           </a:xfrm>
           <a:custGeom>
             <a:avLst/>
@@ -7536,14 +6832,14 @@
       </p:sp>
       <p:sp>
         <p:nvSpPr>
-          <p:cNvPr id="142" name="CustomShape 50"/>
+          <p:cNvPr id="138" name="CustomShape 50"/>
           <p:cNvSpPr/>
           <p:nvPr/>
         </p:nvSpPr>
         <p:spPr>
           <a:xfrm>
             <a:off x="11055240" y="1041120"/>
-            <a:ext cx="2049480" cy="213480"/>
+            <a:ext cx="2049120" cy="213120"/>
           </a:xfrm>
           <a:prstGeom prst="rect">
             <a:avLst/>
@@ -7573,188 +6869,9 @@
                   <a:srgbClr val="0070c0"/>
                 </a:solidFill>
                 <a:latin typeface="Calibri"/>
+                <a:ea typeface="DejaVu Sans"/>
               </a:rPr>
-              <a:t>p</a:t>
-            </a:r>
-            <a:r>
-              <a:rPr b="0" lang="en-SG" sz="1400" spc="-1" strike="noStrike">
-                <a:solidFill>
-                  <a:srgbClr val="0070c0"/>
-                </a:solidFill>
-                <a:latin typeface="Calibri"/>
-              </a:rPr>
-              <a:t>l</a:t>
-            </a:r>
-            <a:r>
-              <a:rPr b="0" lang="en-SG" sz="1400" spc="-1" strike="noStrike">
-                <a:solidFill>
-                  <a:srgbClr val="0070c0"/>
-                </a:solidFill>
-                <a:latin typeface="Calibri"/>
-              </a:rPr>
-              <a:t>a</a:t>
-            </a:r>
-            <a:r>
-              <a:rPr b="0" lang="en-SG" sz="1400" spc="-1" strike="noStrike">
-                <a:solidFill>
-                  <a:srgbClr val="0070c0"/>
-                </a:solidFill>
-                <a:latin typeface="Calibri"/>
-              </a:rPr>
-              <a:t>y</a:t>
-            </a:r>
-            <a:r>
-              <a:rPr b="0" lang="en-SG" sz="1400" spc="-1" strike="noStrike">
-                <a:solidFill>
-                  <a:srgbClr val="0070c0"/>
-                </a:solidFill>
-                <a:latin typeface="Calibri"/>
-              </a:rPr>
-              <a:t>e</a:t>
-            </a:r>
-            <a:r>
-              <a:rPr b="0" lang="en-SG" sz="1400" spc="-1" strike="noStrike">
-                <a:solidFill>
-                  <a:srgbClr val="0070c0"/>
-                </a:solidFill>
-                <a:latin typeface="Calibri"/>
-              </a:rPr>
-              <a:t>r</a:t>
-            </a:r>
-            <a:r>
-              <a:rPr b="0" lang="en-SG" sz="1400" spc="-1" strike="noStrike">
-                <a:solidFill>
-                  <a:srgbClr val="0070c0"/>
-                </a:solidFill>
-                <a:latin typeface="Calibri"/>
-              </a:rPr>
-              <a:t>P</a:t>
-            </a:r>
-            <a:r>
-              <a:rPr b="0" lang="en-SG" sz="1400" spc="-1" strike="noStrike">
-                <a:solidFill>
-                  <a:srgbClr val="0070c0"/>
-                </a:solidFill>
-                <a:latin typeface="Calibri"/>
-              </a:rPr>
-              <a:t>e</a:t>
-            </a:r>
-            <a:r>
-              <a:rPr b="0" lang="en-SG" sz="1400" spc="-1" strike="noStrike">
-                <a:solidFill>
-                  <a:srgbClr val="0070c0"/>
-                </a:solidFill>
-                <a:latin typeface="Calibri"/>
-              </a:rPr>
-              <a:t>r</a:t>
-            </a:r>
-            <a:r>
-              <a:rPr b="0" lang="en-SG" sz="1400" spc="-1" strike="noStrike">
-                <a:solidFill>
-                  <a:srgbClr val="0070c0"/>
-                </a:solidFill>
-                <a:latin typeface="Calibri"/>
-              </a:rPr>
-              <a:t>f</a:t>
-            </a:r>
-            <a:r>
-              <a:rPr b="0" lang="en-SG" sz="1400" spc="-1" strike="noStrike">
-                <a:solidFill>
-                  <a:srgbClr val="0070c0"/>
-                </a:solidFill>
-                <a:latin typeface="Calibri"/>
-              </a:rPr>
-              <a:t>o</a:t>
-            </a:r>
-            <a:r>
-              <a:rPr b="0" lang="en-SG" sz="1400" spc="-1" strike="noStrike">
-                <a:solidFill>
-                  <a:srgbClr val="0070c0"/>
-                </a:solidFill>
-                <a:latin typeface="Calibri"/>
-              </a:rPr>
-              <a:t>r</a:t>
-            </a:r>
-            <a:r>
-              <a:rPr b="0" lang="en-SG" sz="1400" spc="-1" strike="noStrike">
-                <a:solidFill>
-                  <a:srgbClr val="0070c0"/>
-                </a:solidFill>
-                <a:latin typeface="Calibri"/>
-              </a:rPr>
-              <a:t>m</a:t>
-            </a:r>
-            <a:r>
-              <a:rPr b="0" lang="en-SG" sz="1400" spc="-1" strike="noStrike">
-                <a:solidFill>
-                  <a:srgbClr val="0070c0"/>
-                </a:solidFill>
-                <a:latin typeface="Calibri"/>
-              </a:rPr>
-              <a:t>A</a:t>
-            </a:r>
-            <a:r>
-              <a:rPr b="0" lang="en-SG" sz="1400" spc="-1" strike="noStrike">
-                <a:solidFill>
-                  <a:srgbClr val="0070c0"/>
-                </a:solidFill>
-                <a:latin typeface="Calibri"/>
-              </a:rPr>
-              <a:t>t</a:t>
-            </a:r>
-            <a:r>
-              <a:rPr b="0" lang="en-SG" sz="1400" spc="-1" strike="noStrike">
-                <a:solidFill>
-                  <a:srgbClr val="0070c0"/>
-                </a:solidFill>
-                <a:latin typeface="Calibri"/>
-              </a:rPr>
-              <a:t>t</a:t>
-            </a:r>
-            <a:r>
-              <a:rPr b="0" lang="en-SG" sz="1400" spc="-1" strike="noStrike">
-                <a:solidFill>
-                  <a:srgbClr val="0070c0"/>
-                </a:solidFill>
-                <a:latin typeface="Calibri"/>
-              </a:rPr>
-              <a:t>a</a:t>
-            </a:r>
-            <a:r>
-              <a:rPr b="0" lang="en-SG" sz="1400" spc="-1" strike="noStrike">
-                <a:solidFill>
-                  <a:srgbClr val="0070c0"/>
-                </a:solidFill>
-                <a:latin typeface="Calibri"/>
-              </a:rPr>
-              <a:t>c</a:t>
-            </a:r>
-            <a:r>
-              <a:rPr b="0" lang="en-SG" sz="1400" spc="-1" strike="noStrike">
-                <a:solidFill>
-                  <a:srgbClr val="0070c0"/>
-                </a:solidFill>
-                <a:latin typeface="Calibri"/>
-              </a:rPr>
-              <a:t>k</a:t>
-            </a:r>
-            <a:r>
-              <a:rPr b="0" lang="en-SG" sz="1400" spc="-1" strike="noStrike">
-                <a:solidFill>
-                  <a:srgbClr val="0070c0"/>
-                </a:solidFill>
-                <a:latin typeface="Calibri"/>
-              </a:rPr>
-              <a:t>(</a:t>
-            </a:r>
-            <a:r>
-              <a:rPr b="0" lang="en-SG" sz="1400" spc="-1" strike="noStrike">
-                <a:solidFill>
-                  <a:srgbClr val="0070c0"/>
-                </a:solidFill>
-                <a:latin typeface="Calibri"/>
-              </a:rPr>
-              <a:t>)</a:t>
+              <a:t>playerPerformAttack()</a:t>
             </a:r>
             <a:endParaRPr b="0" lang="en-SG" sz="1400" spc="-1" strike="noStrike">
               <a:latin typeface="Arial"/>
@@ -7764,14 +6881,14 @@
       </p:sp>
       <p:sp>
         <p:nvSpPr>
-          <p:cNvPr id="143" name="CustomShape 51"/>
+          <p:cNvPr id="139" name="CustomShape 51"/>
           <p:cNvSpPr/>
           <p:nvPr/>
         </p:nvSpPr>
         <p:spPr>
           <a:xfrm>
             <a:off x="12761280" y="1268280"/>
-            <a:ext cx="1814760" cy="923760"/>
+            <a:ext cx="1814400" cy="923400"/>
           </a:xfrm>
           <a:prstGeom prst="roundRect">
             <a:avLst>
@@ -7821,13 +6938,11 @@
                   <a:srgbClr val="ffffff"/>
                 </a:solidFill>
                 <a:latin typeface="Calibri"/>
+                <a:ea typeface="DejaVu Sans"/>
               </a:rPr>
               <a:t>ref</a:t>
             </a:r>
             <a:endParaRPr b="0" lang="en-SG" sz="1200" spc="-1" strike="noStrike">
-              <a:solidFill>
-                <a:srgbClr val="ffffff"/>
-              </a:solidFill>
               <a:latin typeface="Arial"/>
             </a:endParaRPr>
           </a:p>
@@ -7835,7 +6950,7 @@
       </p:sp>
       <p:grpSp>
         <p:nvGrpSpPr>
-          <p:cNvPr id="144" name="Group 52"/>
+          <p:cNvPr id="140" name="Group 52"/>
           <p:cNvGrpSpPr/>
           <p:nvPr/>
         </p:nvGrpSpPr>
@@ -7849,7 +6964,7 @@
         </p:grpSpPr>
         <p:sp>
           <p:nvSpPr>
-            <p:cNvPr id="145" name="Line 53"/>
+            <p:cNvPr id="141" name="Line 53"/>
             <p:cNvSpPr/>
             <p:nvPr/>
           </p:nvSpPr>
@@ -7883,7 +6998,7 @@
         </p:sp>
         <p:sp>
           <p:nvSpPr>
-            <p:cNvPr id="146" name="Line 54"/>
+            <p:cNvPr id="142" name="Line 54"/>
             <p:cNvSpPr/>
             <p:nvPr/>
           </p:nvSpPr>
@@ -7917,7 +7032,7 @@
         </p:sp>
         <p:sp>
           <p:nvSpPr>
-            <p:cNvPr id="147" name="Line 55"/>
+            <p:cNvPr id="143" name="Line 55"/>
             <p:cNvSpPr/>
             <p:nvPr/>
           </p:nvSpPr>
@@ -7952,14 +7067,14 @@
       </p:grpSp>
       <p:sp>
         <p:nvSpPr>
-          <p:cNvPr id="148" name="TextShape 56"/>
-          <p:cNvSpPr txBox="1"/>
+          <p:cNvPr id="144" name="CustomShape 56"/>
+          <p:cNvSpPr/>
           <p:nvPr/>
         </p:nvSpPr>
         <p:spPr>
           <a:xfrm>
             <a:off x="12761280" y="1704960"/>
-            <a:ext cx="1814760" cy="487080"/>
+            <a:ext cx="1814400" cy="486720"/>
           </a:xfrm>
           <a:prstGeom prst="rect">
             <a:avLst/>
@@ -7969,9 +7084,20 @@
             <a:noFill/>
           </a:ln>
         </p:spPr>
+        <p:style>
+          <a:lnRef idx="0"/>
+          <a:fillRef idx="0"/>
+          <a:effectRef idx="0"/>
+          <a:fontRef idx="minor"/>
+        </p:style>
         <p:txBody>
           <a:bodyPr lIns="90000" rIns="90000" tIns="45000" bIns="45000" anchor="ctr"/>
           <a:p>
+            <a:pPr>
+              <a:lnSpc>
+                <a:spcPct val="100000"/>
+              </a:lnSpc>
+            </a:pPr>
             <a:r>
               <a:rPr b="0" lang="en-SG" sz="1400" spc="-1" strike="noStrike">
                 <a:solidFill>
@@ -7982,9 +7108,6 @@
               <a:t>playerPerformAttack</a:t>
             </a:r>
             <a:endParaRPr b="0" lang="en-SG" sz="1400" spc="-1" strike="noStrike">
-              <a:solidFill>
-                <a:srgbClr val="ffffff"/>
-              </a:solidFill>
               <a:latin typeface="Arial"/>
             </a:endParaRPr>
           </a:p>
@@ -7992,14 +7115,14 @@
       </p:sp>
       <p:sp>
         <p:nvSpPr>
-          <p:cNvPr id="149" name="CustomShape 57"/>
+          <p:cNvPr id="145" name="CustomShape 57"/>
           <p:cNvSpPr/>
           <p:nvPr/>
         </p:nvSpPr>
         <p:spPr>
           <a:xfrm>
             <a:off x="7279560" y="2192040"/>
-            <a:ext cx="5481720" cy="360"/>
+            <a:ext cx="5481360" cy="360"/>
           </a:xfrm>
           <a:custGeom>
             <a:avLst/>
@@ -8044,14 +7167,14 @@
       </p:sp>
       <p:sp>
         <p:nvSpPr>
-          <p:cNvPr id="150" name="CustomShape 58"/>
+          <p:cNvPr id="146" name="CustomShape 58"/>
           <p:cNvSpPr/>
           <p:nvPr/>
         </p:nvSpPr>
         <p:spPr>
           <a:xfrm>
             <a:off x="6266880" y="2334960"/>
-            <a:ext cx="8427600" cy="5993640"/>
+            <a:ext cx="8427240" cy="5993280"/>
           </a:xfrm>
           <a:prstGeom prst="roundRect">
             <a:avLst>
@@ -8099,13 +7222,11 @@
                   <a:srgbClr val="000000"/>
                 </a:solidFill>
                 <a:latin typeface="Calibri"/>
+                <a:ea typeface="DejaVu Sans"/>
               </a:rPr>
               <a:t>alt</a:t>
             </a:r>
             <a:endParaRPr b="0" lang="en-SG" sz="1200" spc="-1" strike="noStrike">
-              <a:solidFill>
-                <a:srgbClr val="000000"/>
-              </a:solidFill>
               <a:latin typeface="Arial"/>
             </a:endParaRPr>
           </a:p>
@@ -8113,7 +7234,7 @@
       </p:sp>
       <p:grpSp>
         <p:nvGrpSpPr>
-          <p:cNvPr id="151" name="Group 59"/>
+          <p:cNvPr id="147" name="Group 59"/>
           <p:cNvGrpSpPr/>
           <p:nvPr/>
         </p:nvGrpSpPr>
@@ -8127,7 +7248,7 @@
         </p:grpSpPr>
         <p:sp>
           <p:nvSpPr>
-            <p:cNvPr id="152" name="Line 60"/>
+            <p:cNvPr id="148" name="Line 60"/>
             <p:cNvSpPr/>
             <p:nvPr/>
           </p:nvSpPr>
@@ -8161,7 +7282,7 @@
         </p:sp>
         <p:sp>
           <p:nvSpPr>
-            <p:cNvPr id="153" name="Line 61"/>
+            <p:cNvPr id="149" name="Line 61"/>
             <p:cNvSpPr/>
             <p:nvPr/>
           </p:nvSpPr>
@@ -8195,7 +7316,7 @@
         </p:sp>
         <p:sp>
           <p:nvSpPr>
-            <p:cNvPr id="154" name="Line 62"/>
+            <p:cNvPr id="150" name="Line 62"/>
             <p:cNvSpPr/>
             <p:nvPr/>
           </p:nvSpPr>
@@ -8230,14 +7351,14 @@
       </p:grpSp>
       <p:sp>
         <p:nvSpPr>
-          <p:cNvPr id="155" name="TextShape 63"/>
-          <p:cNvSpPr txBox="1"/>
+          <p:cNvPr id="151" name="CustomShape 63"/>
+          <p:cNvSpPr/>
           <p:nvPr/>
         </p:nvSpPr>
         <p:spPr>
           <a:xfrm>
             <a:off x="7279200" y="2334960"/>
-            <a:ext cx="1814760" cy="487080"/>
+            <a:ext cx="1814400" cy="486720"/>
           </a:xfrm>
           <a:prstGeom prst="rect">
             <a:avLst/>
@@ -8247,9 +7368,20 @@
             <a:noFill/>
           </a:ln>
         </p:spPr>
+        <p:style>
+          <a:lnRef idx="0"/>
+          <a:fillRef idx="0"/>
+          <a:effectRef idx="0"/>
+          <a:fontRef idx="minor"/>
+        </p:style>
         <p:txBody>
           <a:bodyPr lIns="90000" rIns="90000" tIns="45000" bIns="45000" anchor="ctr"/>
           <a:p>
+            <a:pPr>
+              <a:lnSpc>
+                <a:spcPct val="100000"/>
+              </a:lnSpc>
+            </a:pPr>
             <a:r>
               <a:rPr b="0" lang="en-SG" sz="1400" spc="-1" strike="noStrike">
                 <a:solidFill>
@@ -8260,9 +7392,6 @@
               <a:t>[player hit and won]</a:t>
             </a:r>
             <a:endParaRPr b="0" lang="en-SG" sz="1400" spc="-1" strike="noStrike">
-              <a:solidFill>
-                <a:srgbClr val="000000"/>
-              </a:solidFill>
               <a:latin typeface="Arial"/>
             </a:endParaRPr>
           </a:p>
@@ -8270,14 +7399,14 @@
       </p:sp>
       <p:sp>
         <p:nvSpPr>
-          <p:cNvPr id="156" name="CustomShape 64"/>
+          <p:cNvPr id="152" name="CustomShape 64"/>
           <p:cNvSpPr/>
           <p:nvPr/>
         </p:nvSpPr>
         <p:spPr>
           <a:xfrm>
             <a:off x="6984720" y="1890360"/>
-            <a:ext cx="2049480" cy="213480"/>
+            <a:ext cx="2049120" cy="213120"/>
           </a:xfrm>
           <a:prstGeom prst="rect">
             <a:avLst/>
@@ -8307,98 +7436,9 @@
                   <a:srgbClr val="0070c0"/>
                 </a:solidFill>
                 <a:latin typeface="Calibri"/>
+                <a:ea typeface="DejaVu Sans"/>
               </a:rPr>
-              <a:t>a</a:t>
-            </a:r>
-            <a:r>
-              <a:rPr b="0" lang="en-SG" sz="1400" spc="-1" strike="noStrike">
-                <a:solidFill>
-                  <a:srgbClr val="0070c0"/>
-                </a:solidFill>
-                <a:latin typeface="Calibri"/>
-              </a:rPr>
-              <a:t>t</a:t>
-            </a:r>
-            <a:r>
-              <a:rPr b="0" lang="en-SG" sz="1400" spc="-1" strike="noStrike">
-                <a:solidFill>
-                  <a:srgbClr val="0070c0"/>
-                </a:solidFill>
-                <a:latin typeface="Calibri"/>
-              </a:rPr>
-              <a:t>t</a:t>
-            </a:r>
-            <a:r>
-              <a:rPr b="0" lang="en-SG" sz="1400" spc="-1" strike="noStrike">
-                <a:solidFill>
-                  <a:srgbClr val="0070c0"/>
-                </a:solidFill>
-                <a:latin typeface="Calibri"/>
-              </a:rPr>
-              <a:t>a</a:t>
-            </a:r>
-            <a:r>
-              <a:rPr b="0" lang="en-SG" sz="1400" spc="-1" strike="noStrike">
-                <a:solidFill>
-                  <a:srgbClr val="0070c0"/>
-                </a:solidFill>
-                <a:latin typeface="Calibri"/>
-              </a:rPr>
-              <a:t>c</a:t>
-            </a:r>
-            <a:r>
-              <a:rPr b="0" lang="en-SG" sz="1400" spc="-1" strike="noStrike">
-                <a:solidFill>
-                  <a:srgbClr val="0070c0"/>
-                </a:solidFill>
-                <a:latin typeface="Calibri"/>
-              </a:rPr>
-              <a:t>k </a:t>
-            </a:r>
-            <a:r>
-              <a:rPr b="0" lang="en-SG" sz="1400" spc="-1" strike="noStrike">
-                <a:solidFill>
-                  <a:srgbClr val="0070c0"/>
-                </a:solidFill>
-                <a:latin typeface="Calibri"/>
-              </a:rPr>
-              <a:t>r</a:t>
-            </a:r>
-            <a:r>
-              <a:rPr b="0" lang="en-SG" sz="1400" spc="-1" strike="noStrike">
-                <a:solidFill>
-                  <a:srgbClr val="0070c0"/>
-                </a:solidFill>
-                <a:latin typeface="Calibri"/>
-              </a:rPr>
-              <a:t>e</a:t>
-            </a:r>
-            <a:r>
-              <a:rPr b="0" lang="en-SG" sz="1400" spc="-1" strike="noStrike">
-                <a:solidFill>
-                  <a:srgbClr val="0070c0"/>
-                </a:solidFill>
-                <a:latin typeface="Calibri"/>
-              </a:rPr>
-              <a:t>s</a:t>
-            </a:r>
-            <a:r>
-              <a:rPr b="0" lang="en-SG" sz="1400" spc="-1" strike="noStrike">
-                <a:solidFill>
-                  <a:srgbClr val="0070c0"/>
-                </a:solidFill>
-                <a:latin typeface="Calibri"/>
-              </a:rPr>
-              <a:t>u</a:t>
-            </a:r>
-            <a:r>
-              <a:rPr b="0" lang="en-SG" sz="1400" spc="-1" strike="noStrike">
-                <a:solidFill>
-                  <a:srgbClr val="0070c0"/>
-                </a:solidFill>
-                <a:latin typeface="Calibri"/>
-              </a:rPr>
-              <a:t>lt</a:t>
+              <a:t>attack result</a:t>
             </a:r>
             <a:endParaRPr b="0" lang="en-SG" sz="1400" spc="-1" strike="noStrike">
               <a:latin typeface="Arial"/>
@@ -8408,14 +7448,14 @@
       </p:sp>
       <p:sp>
         <p:nvSpPr>
-          <p:cNvPr id="157" name="CustomShape 65"/>
+          <p:cNvPr id="153" name="CustomShape 65"/>
           <p:cNvSpPr/>
           <p:nvPr/>
         </p:nvSpPr>
         <p:spPr>
           <a:xfrm>
             <a:off x="10644120" y="3092040"/>
-            <a:ext cx="208080" cy="188280"/>
+            <a:ext cx="207720" cy="187920"/>
           </a:xfrm>
           <a:prstGeom prst="rect">
             <a:avLst/>
@@ -8452,14 +7492,14 @@
       </p:sp>
       <p:sp>
         <p:nvSpPr>
-          <p:cNvPr id="158" name="CustomShape 66"/>
+          <p:cNvPr id="154" name="CustomShape 66"/>
           <p:cNvSpPr/>
           <p:nvPr/>
         </p:nvSpPr>
         <p:spPr>
           <a:xfrm>
             <a:off x="7188840" y="3109320"/>
-            <a:ext cx="3455280" cy="360"/>
+            <a:ext cx="3454920" cy="360"/>
           </a:xfrm>
           <a:custGeom>
             <a:avLst/>
@@ -8501,14 +7541,14 @@
       </p:sp>
       <p:sp>
         <p:nvSpPr>
-          <p:cNvPr id="159" name="CustomShape 67"/>
+          <p:cNvPr id="155" name="CustomShape 67"/>
           <p:cNvSpPr/>
           <p:nvPr/>
         </p:nvSpPr>
         <p:spPr>
           <a:xfrm flipV="1">
-            <a:off x="7278840" y="3281040"/>
-            <a:ext cx="3389760" cy="360"/>
+            <a:off x="7278840" y="3280320"/>
+            <a:ext cx="3389400" cy="360"/>
           </a:xfrm>
           <a:custGeom>
             <a:avLst/>
@@ -8553,14 +7593,14 @@
       </p:sp>
       <p:sp>
         <p:nvSpPr>
-          <p:cNvPr id="160" name="CustomShape 68"/>
+          <p:cNvPr id="156" name="CustomShape 68"/>
           <p:cNvSpPr/>
           <p:nvPr/>
         </p:nvSpPr>
         <p:spPr>
           <a:xfrm>
             <a:off x="7547760" y="2828880"/>
-            <a:ext cx="2836800" cy="213480"/>
+            <a:ext cx="2836440" cy="213120"/>
           </a:xfrm>
           <a:prstGeom prst="rect">
             <a:avLst/>
@@ -8590,6 +7630,7 @@
                   <a:srgbClr val="0070c0"/>
                 </a:solidFill>
                 <a:latin typeface="Calibri"/>
+                <a:ea typeface="DejaVu Sans"/>
               </a:rPr>
               <a:t>setBattleState(PLAYER_WIN)</a:t>
             </a:r>
@@ -8601,14 +7642,14 @@
       </p:sp>
       <p:sp>
         <p:nvSpPr>
-          <p:cNvPr id="161" name="Line 69"/>
+          <p:cNvPr id="157" name="Line 69"/>
           <p:cNvSpPr/>
           <p:nvPr/>
         </p:nvSpPr>
         <p:spPr>
           <a:xfrm>
             <a:off x="6266880" y="3534120"/>
-            <a:ext cx="8427600" cy="0"/>
+            <a:ext cx="8427600" cy="360"/>
           </a:xfrm>
           <a:prstGeom prst="line">
             <a:avLst/>
@@ -8628,14 +7669,14 @@
       </p:sp>
       <p:sp>
         <p:nvSpPr>
-          <p:cNvPr id="162" name="TextShape 70"/>
-          <p:cNvSpPr txBox="1"/>
+          <p:cNvPr id="158" name="CustomShape 70"/>
+          <p:cNvSpPr/>
           <p:nvPr/>
         </p:nvSpPr>
         <p:spPr>
           <a:xfrm>
             <a:off x="7279560" y="3534120"/>
-            <a:ext cx="2294280" cy="487080"/>
+            <a:ext cx="2293920" cy="486720"/>
           </a:xfrm>
           <a:prstGeom prst="rect">
             <a:avLst/>
@@ -8645,9 +7686,20 @@
             <a:noFill/>
           </a:ln>
         </p:spPr>
+        <p:style>
+          <a:lnRef idx="0"/>
+          <a:fillRef idx="0"/>
+          <a:effectRef idx="0"/>
+          <a:fontRef idx="minor"/>
+        </p:style>
         <p:txBody>
           <a:bodyPr lIns="90000" rIns="90000" tIns="45000" bIns="45000" anchor="ctr"/>
           <a:p>
+            <a:pPr>
+              <a:lnSpc>
+                <a:spcPct val="100000"/>
+              </a:lnSpc>
+            </a:pPr>
             <a:r>
               <a:rPr b="0" lang="en-SG" sz="1400" spc="-1" strike="noStrike">
                 <a:solidFill>
@@ -8658,9 +7710,6 @@
               <a:t>[player hit but did not win]</a:t>
             </a:r>
             <a:endParaRPr b="0" lang="en-SG" sz="1400" spc="-1" strike="noStrike">
-              <a:solidFill>
-                <a:srgbClr val="000000"/>
-              </a:solidFill>
               <a:latin typeface="Arial"/>
             </a:endParaRPr>
           </a:p>
@@ -8668,14 +7717,14 @@
       </p:sp>
       <p:sp>
         <p:nvSpPr>
-          <p:cNvPr id="163" name="TextShape 71"/>
-          <p:cNvSpPr txBox="1"/>
+          <p:cNvPr id="159" name="CustomShape 71"/>
+          <p:cNvSpPr/>
           <p:nvPr/>
         </p:nvSpPr>
         <p:spPr>
           <a:xfrm>
             <a:off x="7279920" y="3894480"/>
-            <a:ext cx="2294280" cy="487080"/>
+            <a:ext cx="2293920" cy="486720"/>
           </a:xfrm>
           <a:prstGeom prst="rect">
             <a:avLst/>
@@ -8685,9 +7734,20 @@
             <a:noFill/>
           </a:ln>
         </p:spPr>
+        <p:style>
+          <a:lnRef idx="0"/>
+          <a:fillRef idx="0"/>
+          <a:effectRef idx="0"/>
+          <a:fontRef idx="minor"/>
+        </p:style>
         <p:txBody>
           <a:bodyPr lIns="90000" rIns="90000" tIns="45000" bIns="45000" anchor="ctr"/>
           <a:p>
+            <a:pPr>
+              <a:lnSpc>
+                <a:spcPct val="100000"/>
+              </a:lnSpc>
+            </a:pPr>
             <a:r>
               <a:rPr b="0" lang="en-SG" sz="1400" spc="-1" strike="noStrike">
                 <a:solidFill>
@@ -8698,9 +7758,6 @@
               <a:t>(remains as player’s turn)</a:t>
             </a:r>
             <a:endParaRPr b="0" lang="en-SG" sz="1400" spc="-1" strike="noStrike">
-              <a:solidFill>
-                <a:srgbClr val="000000"/>
-              </a:solidFill>
               <a:latin typeface="Arial"/>
             </a:endParaRPr>
           </a:p>
@@ -8708,14 +7765,14 @@
       </p:sp>
       <p:sp>
         <p:nvSpPr>
-          <p:cNvPr id="164" name="Line 72"/>
+          <p:cNvPr id="160" name="Line 72"/>
           <p:cNvSpPr/>
           <p:nvPr/>
         </p:nvSpPr>
         <p:spPr>
           <a:xfrm>
             <a:off x="6267240" y="4398120"/>
-            <a:ext cx="8402040" cy="0"/>
+            <a:ext cx="8402040" cy="360"/>
           </a:xfrm>
           <a:prstGeom prst="line">
             <a:avLst/>
@@ -8735,14 +7792,14 @@
       </p:sp>
       <p:sp>
         <p:nvSpPr>
-          <p:cNvPr id="165" name="TextShape 73"/>
-          <p:cNvSpPr txBox="1"/>
+          <p:cNvPr id="161" name="CustomShape 73"/>
+          <p:cNvSpPr/>
           <p:nvPr/>
         </p:nvSpPr>
         <p:spPr>
           <a:xfrm>
             <a:off x="7279560" y="4387320"/>
-            <a:ext cx="1814760" cy="487080"/>
+            <a:ext cx="1814400" cy="486720"/>
           </a:xfrm>
           <a:prstGeom prst="rect">
             <a:avLst/>
@@ -8752,9 +7809,20 @@
             <a:noFill/>
           </a:ln>
         </p:spPr>
+        <p:style>
+          <a:lnRef idx="0"/>
+          <a:fillRef idx="0"/>
+          <a:effectRef idx="0"/>
+          <a:fontRef idx="minor"/>
+        </p:style>
         <p:txBody>
           <a:bodyPr lIns="90000" rIns="90000" tIns="45000" bIns="45000" anchor="ctr"/>
           <a:p>
+            <a:pPr>
+              <a:lnSpc>
+                <a:spcPct val="100000"/>
+              </a:lnSpc>
+            </a:pPr>
             <a:r>
               <a:rPr b="0" lang="en-SG" sz="1400" spc="-1" strike="noStrike">
                 <a:solidFill>
@@ -8765,9 +7833,6 @@
               <a:t>[player missed]</a:t>
             </a:r>
             <a:endParaRPr b="0" lang="en-SG" sz="1400" spc="-1" strike="noStrike">
-              <a:solidFill>
-                <a:srgbClr val="000000"/>
-              </a:solidFill>
               <a:latin typeface="Arial"/>
             </a:endParaRPr>
           </a:p>
@@ -8775,14 +7840,14 @@
       </p:sp>
       <p:sp>
         <p:nvSpPr>
-          <p:cNvPr id="166" name="CustomShape 74"/>
+          <p:cNvPr id="162" name="CustomShape 74"/>
           <p:cNvSpPr/>
           <p:nvPr/>
         </p:nvSpPr>
         <p:spPr>
           <a:xfrm>
             <a:off x="10641600" y="5058000"/>
-            <a:ext cx="208080" cy="188280"/>
+            <a:ext cx="207720" cy="187920"/>
           </a:xfrm>
           <a:prstGeom prst="rect">
             <a:avLst/>
@@ -8819,14 +7884,14 @@
       </p:sp>
       <p:sp>
         <p:nvSpPr>
-          <p:cNvPr id="167" name="CustomShape 75"/>
+          <p:cNvPr id="163" name="CustomShape 75"/>
           <p:cNvSpPr/>
           <p:nvPr/>
         </p:nvSpPr>
         <p:spPr>
           <a:xfrm>
             <a:off x="7186320" y="5075280"/>
-            <a:ext cx="3455280" cy="360"/>
+            <a:ext cx="3454920" cy="360"/>
           </a:xfrm>
           <a:custGeom>
             <a:avLst/>
@@ -8868,14 +7933,14 @@
       </p:sp>
       <p:sp>
         <p:nvSpPr>
-          <p:cNvPr id="168" name="CustomShape 76"/>
+          <p:cNvPr id="164" name="CustomShape 76"/>
           <p:cNvSpPr/>
           <p:nvPr/>
         </p:nvSpPr>
         <p:spPr>
           <a:xfrm flipV="1">
-            <a:off x="7276320" y="5252040"/>
-            <a:ext cx="3389760" cy="5040"/>
+            <a:off x="7276320" y="5251320"/>
+            <a:ext cx="3389400" cy="4680"/>
           </a:xfrm>
           <a:custGeom>
             <a:avLst/>
@@ -8920,14 +7985,14 @@
       </p:sp>
       <p:sp>
         <p:nvSpPr>
-          <p:cNvPr id="169" name="CustomShape 77"/>
+          <p:cNvPr id="165" name="CustomShape 77"/>
           <p:cNvSpPr/>
           <p:nvPr/>
         </p:nvSpPr>
         <p:spPr>
           <a:xfrm>
             <a:off x="7545240" y="4794840"/>
-            <a:ext cx="2836800" cy="213480"/>
+            <a:ext cx="2836440" cy="213120"/>
           </a:xfrm>
           <a:prstGeom prst="rect">
             <a:avLst/>
@@ -8957,6 +8022,7 @@
                   <a:srgbClr val="0070c0"/>
                 </a:solidFill>
                 <a:latin typeface="Calibri"/>
+                <a:ea typeface="DejaVu Sans"/>
               </a:rPr>
               <a:t>setBattleState(ENEMY_ATTACK)</a:t>
             </a:r>
@@ -8968,14 +8034,14 @@
       </p:sp>
       <p:sp>
         <p:nvSpPr>
-          <p:cNvPr id="170" name="CustomShape 78"/>
+          <p:cNvPr id="166" name="CustomShape 78"/>
           <p:cNvSpPr/>
           <p:nvPr/>
         </p:nvSpPr>
         <p:spPr>
           <a:xfrm>
             <a:off x="7279560" y="5393880"/>
-            <a:ext cx="5518080" cy="9360"/>
+            <a:ext cx="5517720" cy="9000"/>
           </a:xfrm>
           <a:custGeom>
             <a:avLst/>
@@ -9017,14 +8083,14 @@
       </p:sp>
       <p:sp>
         <p:nvSpPr>
-          <p:cNvPr id="171" name="CustomShape 79"/>
+          <p:cNvPr id="167" name="CustomShape 79"/>
           <p:cNvSpPr/>
           <p:nvPr/>
         </p:nvSpPr>
         <p:spPr>
           <a:xfrm>
             <a:off x="10986480" y="5114880"/>
-            <a:ext cx="2049480" cy="213480"/>
+            <a:ext cx="2049120" cy="213120"/>
           </a:xfrm>
           <a:prstGeom prst="rect">
             <a:avLst/>
@@ -9054,6 +8120,7 @@
                   <a:srgbClr val="0070c0"/>
                 </a:solidFill>
                 <a:latin typeface="Calibri"/>
+                <a:ea typeface="DejaVu Sans"/>
               </a:rPr>
               <a:t>takeComputerTurn()</a:t>
             </a:r>
@@ -9065,14 +8132,14 @@
       </p:sp>
       <p:sp>
         <p:nvSpPr>
-          <p:cNvPr id="172" name="CustomShape 80"/>
+          <p:cNvPr id="168" name="CustomShape 80"/>
           <p:cNvSpPr/>
           <p:nvPr/>
         </p:nvSpPr>
         <p:spPr>
           <a:xfrm>
             <a:off x="12761640" y="5393880"/>
-            <a:ext cx="1814760" cy="923760"/>
+            <a:ext cx="1814400" cy="923400"/>
           </a:xfrm>
           <a:prstGeom prst="roundRect">
             <a:avLst>
@@ -9122,13 +8189,11 @@
                   <a:srgbClr val="ffffff"/>
                 </a:solidFill>
                 <a:latin typeface="Calibri"/>
+                <a:ea typeface="DejaVu Sans"/>
               </a:rPr>
               <a:t>ref</a:t>
             </a:r>
             <a:endParaRPr b="0" lang="en-SG" sz="1200" spc="-1" strike="noStrike">
-              <a:solidFill>
-                <a:srgbClr val="ffffff"/>
-              </a:solidFill>
               <a:latin typeface="Arial"/>
             </a:endParaRPr>
           </a:p>
@@ -9136,7 +8201,7 @@
       </p:sp>
       <p:grpSp>
         <p:nvGrpSpPr>
-          <p:cNvPr id="173" name="Group 81"/>
+          <p:cNvPr id="169" name="Group 81"/>
           <p:cNvGrpSpPr/>
           <p:nvPr/>
         </p:nvGrpSpPr>
@@ -9150,7 +8215,7 @@
         </p:grpSpPr>
         <p:sp>
           <p:nvSpPr>
-            <p:cNvPr id="174" name="Line 82"/>
+            <p:cNvPr id="170" name="Line 82"/>
             <p:cNvSpPr/>
             <p:nvPr/>
           </p:nvSpPr>
@@ -9184,7 +8249,7 @@
         </p:sp>
         <p:sp>
           <p:nvSpPr>
-            <p:cNvPr id="175" name="Line 83"/>
+            <p:cNvPr id="171" name="Line 83"/>
             <p:cNvSpPr/>
             <p:nvPr/>
           </p:nvSpPr>
@@ -9218,7 +8283,7 @@
         </p:sp>
         <p:sp>
           <p:nvSpPr>
-            <p:cNvPr id="176" name="Line 84"/>
+            <p:cNvPr id="172" name="Line 84"/>
             <p:cNvSpPr/>
             <p:nvPr/>
           </p:nvSpPr>
@@ -9253,14 +8318,14 @@
       </p:grpSp>
       <p:sp>
         <p:nvSpPr>
-          <p:cNvPr id="177" name="TextShape 85"/>
-          <p:cNvSpPr txBox="1"/>
+          <p:cNvPr id="173" name="CustomShape 85"/>
+          <p:cNvSpPr/>
           <p:nvPr/>
         </p:nvSpPr>
         <p:spPr>
           <a:xfrm>
             <a:off x="12761640" y="5830560"/>
-            <a:ext cx="1814760" cy="487080"/>
+            <a:ext cx="1814400" cy="486720"/>
           </a:xfrm>
           <a:prstGeom prst="rect">
             <a:avLst/>
@@ -9270,9 +8335,20 @@
             <a:noFill/>
           </a:ln>
         </p:spPr>
+        <p:style>
+          <a:lnRef idx="0"/>
+          <a:fillRef idx="0"/>
+          <a:effectRef idx="0"/>
+          <a:fontRef idx="minor"/>
+        </p:style>
         <p:txBody>
           <a:bodyPr lIns="90000" rIns="90000" tIns="45000" bIns="45000" anchor="ctr"/>
           <a:p>
+            <a:pPr>
+              <a:lnSpc>
+                <a:spcPct val="100000"/>
+              </a:lnSpc>
+            </a:pPr>
             <a:r>
               <a:rPr b="0" lang="en-SG" sz="1400" spc="-1" strike="noStrike">
                 <a:solidFill>
@@ -9283,9 +8359,6 @@
               <a:t>takeComputerTurn</a:t>
             </a:r>
             <a:endParaRPr b="0" lang="en-SG" sz="1400" spc="-1" strike="noStrike">
-              <a:solidFill>
-                <a:srgbClr val="ffffff"/>
-              </a:solidFill>
               <a:latin typeface="Arial"/>
             </a:endParaRPr>
           </a:p>
@@ -9293,14 +8366,14 @@
       </p:sp>
       <p:sp>
         <p:nvSpPr>
-          <p:cNvPr id="178" name="CustomShape 86"/>
+          <p:cNvPr id="174" name="CustomShape 86"/>
           <p:cNvSpPr/>
           <p:nvPr/>
         </p:nvSpPr>
         <p:spPr>
           <a:xfrm>
             <a:off x="7279920" y="6317640"/>
-            <a:ext cx="5481720" cy="360"/>
+            <a:ext cx="5481360" cy="360"/>
           </a:xfrm>
           <a:custGeom>
             <a:avLst/>
@@ -9345,7 +8418,7 @@
       </p:sp>
       <p:grpSp>
         <p:nvGrpSpPr>
-          <p:cNvPr id="179" name="Group 87"/>
+          <p:cNvPr id="175" name="Group 87"/>
           <p:cNvGrpSpPr/>
           <p:nvPr/>
         </p:nvGrpSpPr>
@@ -9359,7 +8432,7 @@
         </p:grpSpPr>
         <p:sp>
           <p:nvSpPr>
-            <p:cNvPr id="180" name="Line 88"/>
+            <p:cNvPr id="176" name="Line 88"/>
             <p:cNvSpPr/>
             <p:nvPr/>
           </p:nvSpPr>
@@ -9393,7 +8466,7 @@
         </p:sp>
         <p:sp>
           <p:nvSpPr>
-            <p:cNvPr id="181" name="Line 89"/>
+            <p:cNvPr id="177" name="Line 89"/>
             <p:cNvSpPr/>
             <p:nvPr/>
           </p:nvSpPr>
@@ -9427,7 +8500,7 @@
         </p:sp>
         <p:sp>
           <p:nvSpPr>
-            <p:cNvPr id="182" name="Line 90"/>
+            <p:cNvPr id="178" name="Line 90"/>
             <p:cNvSpPr/>
             <p:nvPr/>
           </p:nvSpPr>
@@ -9462,14 +8535,14 @@
       </p:grpSp>
       <p:sp>
         <p:nvSpPr>
-          <p:cNvPr id="183" name="CustomShape 91"/>
+          <p:cNvPr id="179" name="CustomShape 91"/>
           <p:cNvSpPr/>
           <p:nvPr/>
         </p:nvSpPr>
         <p:spPr>
           <a:xfrm>
             <a:off x="6409800" y="6424920"/>
-            <a:ext cx="5338800" cy="1824120"/>
+            <a:ext cx="5338440" cy="1823760"/>
           </a:xfrm>
           <a:prstGeom prst="roundRect">
             <a:avLst>
@@ -9517,13 +8590,11 @@
                   <a:srgbClr val="000000"/>
                 </a:solidFill>
                 <a:latin typeface="Calibri"/>
+                <a:ea typeface="DejaVu Sans"/>
               </a:rPr>
               <a:t>alt</a:t>
             </a:r>
             <a:endParaRPr b="0" lang="en-SG" sz="1200" spc="-1" strike="noStrike">
-              <a:solidFill>
-                <a:srgbClr val="000000"/>
-              </a:solidFill>
               <a:latin typeface="Arial"/>
             </a:endParaRPr>
           </a:p>
@@ -9531,14 +8602,14 @@
       </p:sp>
       <p:sp>
         <p:nvSpPr>
-          <p:cNvPr id="184" name="TextShape 92"/>
-          <p:cNvSpPr txBox="1"/>
+          <p:cNvPr id="180" name="CustomShape 92"/>
+          <p:cNvSpPr/>
           <p:nvPr/>
         </p:nvSpPr>
         <p:spPr>
           <a:xfrm>
             <a:off x="7279920" y="6403680"/>
-            <a:ext cx="1814760" cy="487080"/>
+            <a:ext cx="1814400" cy="486720"/>
           </a:xfrm>
           <a:prstGeom prst="rect">
             <a:avLst/>
@@ -9548,9 +8619,20 @@
             <a:noFill/>
           </a:ln>
         </p:spPr>
+        <p:style>
+          <a:lnRef idx="0"/>
+          <a:fillRef idx="0"/>
+          <a:effectRef idx="0"/>
+          <a:fontRef idx="minor"/>
+        </p:style>
         <p:txBody>
           <a:bodyPr lIns="90000" rIns="90000" tIns="45000" bIns="45000" anchor="ctr"/>
           <a:p>
+            <a:pPr>
+              <a:lnSpc>
+                <a:spcPct val="100000"/>
+              </a:lnSpc>
+            </a:pPr>
             <a:r>
               <a:rPr b="0" lang="en-SG" sz="1400" spc="-1" strike="noStrike">
                 <a:solidFill>
@@ -9561,9 +8643,6 @@
               <a:t>[enemy won]</a:t>
             </a:r>
             <a:endParaRPr b="0" lang="en-SG" sz="1400" spc="-1" strike="noStrike">
-              <a:solidFill>
-                <a:srgbClr val="000000"/>
-              </a:solidFill>
               <a:latin typeface="Arial"/>
             </a:endParaRPr>
           </a:p>
@@ -9571,14 +8650,14 @@
       </p:sp>
       <p:sp>
         <p:nvSpPr>
-          <p:cNvPr id="185" name="CustomShape 93"/>
+          <p:cNvPr id="181" name="CustomShape 93"/>
           <p:cNvSpPr/>
           <p:nvPr/>
         </p:nvSpPr>
         <p:spPr>
           <a:xfrm>
             <a:off x="10639080" y="7023960"/>
-            <a:ext cx="208080" cy="188280"/>
+            <a:ext cx="207720" cy="187920"/>
           </a:xfrm>
           <a:prstGeom prst="rect">
             <a:avLst/>
@@ -9615,14 +8694,14 @@
       </p:sp>
       <p:sp>
         <p:nvSpPr>
-          <p:cNvPr id="186" name="CustomShape 94"/>
+          <p:cNvPr id="182" name="CustomShape 94"/>
           <p:cNvSpPr/>
           <p:nvPr/>
         </p:nvSpPr>
         <p:spPr>
           <a:xfrm>
             <a:off x="7183800" y="7041240"/>
-            <a:ext cx="3455280" cy="360"/>
+            <a:ext cx="3454920" cy="360"/>
           </a:xfrm>
           <a:custGeom>
             <a:avLst/>
@@ -9664,14 +8743,14 @@
       </p:sp>
       <p:sp>
         <p:nvSpPr>
-          <p:cNvPr id="187" name="CustomShape 95"/>
+          <p:cNvPr id="183" name="CustomShape 95"/>
           <p:cNvSpPr/>
           <p:nvPr/>
         </p:nvSpPr>
         <p:spPr>
           <a:xfrm>
             <a:off x="7542720" y="6760800"/>
-            <a:ext cx="2836800" cy="213480"/>
+            <a:ext cx="2836440" cy="213120"/>
           </a:xfrm>
           <a:prstGeom prst="rect">
             <a:avLst/>
@@ -9701,6 +8780,7 @@
                   <a:srgbClr val="0070c0"/>
                 </a:solidFill>
                 <a:latin typeface="Calibri"/>
+                <a:ea typeface="DejaVu Sans"/>
               </a:rPr>
               <a:t>setBattleState(ENEMY_WIN)</a:t>
             </a:r>
@@ -9712,14 +8792,14 @@
       </p:sp>
       <p:sp>
         <p:nvSpPr>
-          <p:cNvPr id="188" name="Line 96"/>
+          <p:cNvPr id="184" name="Line 96"/>
           <p:cNvSpPr/>
           <p:nvPr/>
         </p:nvSpPr>
         <p:spPr>
           <a:xfrm>
             <a:off x="6409800" y="7366680"/>
-            <a:ext cx="5338800" cy="0"/>
+            <a:ext cx="5338800" cy="360"/>
           </a:xfrm>
           <a:prstGeom prst="line">
             <a:avLst/>
@@ -9739,14 +8819,14 @@
       </p:sp>
       <p:sp>
         <p:nvSpPr>
-          <p:cNvPr id="189" name="TextShape 97"/>
-          <p:cNvSpPr txBox="1"/>
+          <p:cNvPr id="185" name="CustomShape 97"/>
+          <p:cNvSpPr/>
           <p:nvPr/>
         </p:nvSpPr>
         <p:spPr>
           <a:xfrm>
             <a:off x="7280280" y="7304040"/>
-            <a:ext cx="1814760" cy="487080"/>
+            <a:ext cx="1814400" cy="486720"/>
           </a:xfrm>
           <a:prstGeom prst="rect">
             <a:avLst/>
@@ -9756,9 +8836,20 @@
             <a:noFill/>
           </a:ln>
         </p:spPr>
+        <p:style>
+          <a:lnRef idx="0"/>
+          <a:fillRef idx="0"/>
+          <a:effectRef idx="0"/>
+          <a:fontRef idx="minor"/>
+        </p:style>
         <p:txBody>
           <a:bodyPr lIns="90000" rIns="90000" tIns="45000" bIns="45000" anchor="ctr"/>
           <a:p>
+            <a:pPr>
+              <a:lnSpc>
+                <a:spcPct val="100000"/>
+              </a:lnSpc>
+            </a:pPr>
             <a:r>
               <a:rPr b="0" lang="en-SG" sz="1400" spc="-1" strike="noStrike">
                 <a:solidFill>
@@ -9769,9 +8860,6 @@
               <a:t>[enemy did not win]</a:t>
             </a:r>
             <a:endParaRPr b="0" lang="en-SG" sz="1400" spc="-1" strike="noStrike">
-              <a:solidFill>
-                <a:srgbClr val="000000"/>
-              </a:solidFill>
               <a:latin typeface="Arial"/>
             </a:endParaRPr>
           </a:p>
@@ -9779,14 +8867,14 @@
       </p:sp>
       <p:sp>
         <p:nvSpPr>
-          <p:cNvPr id="190" name="CustomShape 98"/>
+          <p:cNvPr id="186" name="CustomShape 98"/>
           <p:cNvSpPr/>
           <p:nvPr/>
         </p:nvSpPr>
         <p:spPr>
           <a:xfrm>
             <a:off x="10636560" y="7909920"/>
-            <a:ext cx="208080" cy="188280"/>
+            <a:ext cx="207720" cy="187920"/>
           </a:xfrm>
           <a:prstGeom prst="rect">
             <a:avLst/>
@@ -9823,14 +8911,14 @@
       </p:sp>
       <p:sp>
         <p:nvSpPr>
-          <p:cNvPr id="191" name="CustomShape 99"/>
+          <p:cNvPr id="187" name="CustomShape 99"/>
           <p:cNvSpPr/>
           <p:nvPr/>
         </p:nvSpPr>
         <p:spPr>
           <a:xfrm>
             <a:off x="7181280" y="7927200"/>
-            <a:ext cx="3455280" cy="360"/>
+            <a:ext cx="3454920" cy="360"/>
           </a:xfrm>
           <a:custGeom>
             <a:avLst/>
@@ -9872,14 +8960,14 @@
       </p:sp>
       <p:sp>
         <p:nvSpPr>
-          <p:cNvPr id="192" name="CustomShape 100"/>
+          <p:cNvPr id="188" name="CustomShape 100"/>
           <p:cNvSpPr/>
           <p:nvPr/>
         </p:nvSpPr>
         <p:spPr>
           <a:xfrm>
             <a:off x="7382880" y="7646760"/>
-            <a:ext cx="2994120" cy="213480"/>
+            <a:ext cx="2993760" cy="213120"/>
           </a:xfrm>
           <a:prstGeom prst="rect">
             <a:avLst/>
@@ -9909,6 +8997,7 @@
                   <a:srgbClr val="0070c0"/>
                 </a:solidFill>
                 <a:latin typeface="Calibri"/>
+                <a:ea typeface="DejaVu Sans"/>
               </a:rPr>
               <a:t>setBattleState(PLAYER_ATTACK)</a:t>
             </a:r>
@@ -9920,14 +9009,14 @@
       </p:sp>
       <p:sp>
         <p:nvSpPr>
-          <p:cNvPr id="193" name="CustomShape 101"/>
+          <p:cNvPr id="189" name="CustomShape 101"/>
           <p:cNvSpPr/>
           <p:nvPr/>
         </p:nvSpPr>
         <p:spPr>
           <a:xfrm flipV="1">
-            <a:off x="7268400" y="7223760"/>
-            <a:ext cx="3389760" cy="360"/>
+            <a:off x="7268400" y="7223040"/>
+            <a:ext cx="3389400" cy="360"/>
           </a:xfrm>
           <a:custGeom>
             <a:avLst/>
@@ -9972,14 +9061,14 @@
       </p:sp>
       <p:sp>
         <p:nvSpPr>
-          <p:cNvPr id="194" name="CustomShape 102"/>
+          <p:cNvPr id="190" name="CustomShape 102"/>
           <p:cNvSpPr/>
           <p:nvPr/>
         </p:nvSpPr>
         <p:spPr>
           <a:xfrm flipV="1">
-            <a:off x="7279200" y="8092080"/>
-            <a:ext cx="3389760" cy="360"/>
+            <a:off x="7279200" y="8091360"/>
+            <a:ext cx="3389400" cy="360"/>
           </a:xfrm>
           <a:custGeom>
             <a:avLst/>
